--- a/doc/Entregas_Desenvolvimento_de_APP/Recruta-Slide v1.5.pptx
+++ b/doc/Entregas_Desenvolvimento_de_APP/Recruta-Slide v1.5.pptx
@@ -20,12 +20,6 @@
     <p:sldId id="268" r:id="rId15"/>
     <p:sldId id="269" r:id="rId16"/>
     <p:sldId id="270" r:id="rId17"/>
-    <p:sldId id="271" r:id="rId18"/>
-    <p:sldId id="272" r:id="rId19"/>
-    <p:sldId id="273" r:id="rId20"/>
-    <p:sldId id="274" r:id="rId21"/>
-    <p:sldId id="275" r:id="rId22"/>
-    <p:sldId id="276" r:id="rId23"/>
   </p:sldIdLst>
   <p:sldSz cx="9144000" cy="6858000"/>
   <p:notesSz cx="7559675" cy="10691812"/>
@@ -73,7 +67,7 @@
       </p:grpSpPr>
       <p:sp>
         <p:nvSpPr>
-          <p:cNvPr id="26" name="PlaceHolder 1"/>
+          <p:cNvPr id="23" name="PlaceHolder 1"/>
           <p:cNvSpPr>
             <a:spLocks noGrp="1"/>
           </p:cNvSpPr>
@@ -84,7 +78,7 @@
         <p:spPr>
           <a:xfrm>
             <a:off x="685800" y="1122480"/>
-            <a:ext cx="7772040" cy="2387160"/>
+            <a:ext cx="7771680" cy="2386800"/>
           </a:xfrm>
           <a:prstGeom prst="rect">
             <a:avLst/>
@@ -93,23 +87,24 @@
         <p:txBody>
           <a:bodyPr lIns="0" rIns="0" tIns="0" bIns="0" anchor="ctr"/>
           <a:p>
-            <a:endParaRPr b="0" lang="pt-BR" sz="1800" spc="-1" strike="noStrike">
-              <a:solidFill>
-                <a:srgbClr val="000000"/>
-              </a:solidFill>
-              <a:uFill>
-                <a:solidFill>
-                  <a:srgbClr val="ffffff"/>
-                </a:solidFill>
-              </a:uFill>
-              <a:latin typeface="Calibri"/>
+            <a:pPr algn="ctr"/>
+            <a:endParaRPr b="0" lang="pt-BR" sz="4400" spc="-1" strike="noStrike">
+              <a:solidFill>
+                <a:srgbClr val="000000"/>
+              </a:solidFill>
+              <a:uFill>
+                <a:solidFill>
+                  <a:srgbClr val="ffffff"/>
+                </a:solidFill>
+              </a:uFill>
+              <a:latin typeface="Arial"/>
             </a:endParaRPr>
           </a:p>
         </p:txBody>
       </p:sp>
       <p:sp>
         <p:nvSpPr>
-          <p:cNvPr id="27" name="PlaceHolder 2"/>
+          <p:cNvPr id="24" name="PlaceHolder 2"/>
           <p:cNvSpPr>
             <a:spLocks noGrp="1"/>
           </p:cNvSpPr>
@@ -131,23 +126,23 @@
             <a:normAutofit/>
           </a:bodyPr>
           <a:p>
-            <a:endParaRPr b="0" lang="pt-BR" sz="2800" spc="-1" strike="noStrike">
-              <a:solidFill>
-                <a:srgbClr val="000000"/>
-              </a:solidFill>
-              <a:uFill>
-                <a:solidFill>
-                  <a:srgbClr val="ffffff"/>
-                </a:solidFill>
-              </a:uFill>
-              <a:latin typeface="Calibri"/>
+            <a:endParaRPr b="0" lang="pt-BR" sz="3200" spc="-1" strike="noStrike">
+              <a:solidFill>
+                <a:srgbClr val="000000"/>
+              </a:solidFill>
+              <a:uFill>
+                <a:solidFill>
+                  <a:srgbClr val="ffffff"/>
+                </a:solidFill>
+              </a:uFill>
+              <a:latin typeface="Arial"/>
             </a:endParaRPr>
           </a:p>
         </p:txBody>
       </p:sp>
       <p:sp>
         <p:nvSpPr>
-          <p:cNvPr id="28" name="PlaceHolder 3"/>
+          <p:cNvPr id="25" name="PlaceHolder 3"/>
           <p:cNvSpPr>
             <a:spLocks noGrp="1"/>
           </p:cNvSpPr>
@@ -169,16 +164,16 @@
             <a:normAutofit/>
           </a:bodyPr>
           <a:p>
-            <a:endParaRPr b="0" lang="pt-BR" sz="2800" spc="-1" strike="noStrike">
-              <a:solidFill>
-                <a:srgbClr val="000000"/>
-              </a:solidFill>
-              <a:uFill>
-                <a:solidFill>
-                  <a:srgbClr val="ffffff"/>
-                </a:solidFill>
-              </a:uFill>
-              <a:latin typeface="Calibri"/>
+            <a:endParaRPr b="0" lang="pt-BR" sz="3200" spc="-1" strike="noStrike">
+              <a:solidFill>
+                <a:srgbClr val="000000"/>
+              </a:solidFill>
+              <a:uFill>
+                <a:solidFill>
+                  <a:srgbClr val="ffffff"/>
+                </a:solidFill>
+              </a:uFill>
+              <a:latin typeface="Arial"/>
             </a:endParaRPr>
           </a:p>
         </p:txBody>
@@ -207,7 +202,7 @@
       </p:grpSpPr>
       <p:sp>
         <p:nvSpPr>
-          <p:cNvPr id="29" name="PlaceHolder 1"/>
+          <p:cNvPr id="26" name="PlaceHolder 1"/>
           <p:cNvSpPr>
             <a:spLocks noGrp="1"/>
           </p:cNvSpPr>
@@ -218,7 +213,7 @@
         <p:spPr>
           <a:xfrm>
             <a:off x="685800" y="1122480"/>
-            <a:ext cx="7772040" cy="2387160"/>
+            <a:ext cx="7771680" cy="2386800"/>
           </a:xfrm>
           <a:prstGeom prst="rect">
             <a:avLst/>
@@ -227,23 +222,24 @@
         <p:txBody>
           <a:bodyPr lIns="0" rIns="0" tIns="0" bIns="0" anchor="ctr"/>
           <a:p>
-            <a:endParaRPr b="0" lang="pt-BR" sz="1800" spc="-1" strike="noStrike">
-              <a:solidFill>
-                <a:srgbClr val="000000"/>
-              </a:solidFill>
-              <a:uFill>
-                <a:solidFill>
-                  <a:srgbClr val="ffffff"/>
-                </a:solidFill>
-              </a:uFill>
-              <a:latin typeface="Calibri"/>
+            <a:pPr algn="ctr"/>
+            <a:endParaRPr b="0" lang="pt-BR" sz="4400" spc="-1" strike="noStrike">
+              <a:solidFill>
+                <a:srgbClr val="000000"/>
+              </a:solidFill>
+              <a:uFill>
+                <a:solidFill>
+                  <a:srgbClr val="ffffff"/>
+                </a:solidFill>
+              </a:uFill>
+              <a:latin typeface="Arial"/>
             </a:endParaRPr>
           </a:p>
         </p:txBody>
       </p:sp>
       <p:sp>
         <p:nvSpPr>
-          <p:cNvPr id="30" name="PlaceHolder 2"/>
+          <p:cNvPr id="27" name="PlaceHolder 2"/>
           <p:cNvSpPr>
             <a:spLocks noGrp="1"/>
           </p:cNvSpPr>
@@ -265,23 +261,23 @@
             <a:normAutofit/>
           </a:bodyPr>
           <a:p>
-            <a:endParaRPr b="0" lang="pt-BR" sz="2800" spc="-1" strike="noStrike">
-              <a:solidFill>
-                <a:srgbClr val="000000"/>
-              </a:solidFill>
-              <a:uFill>
-                <a:solidFill>
-                  <a:srgbClr val="ffffff"/>
-                </a:solidFill>
-              </a:uFill>
-              <a:latin typeface="Calibri"/>
+            <a:endParaRPr b="0" lang="pt-BR" sz="3200" spc="-1" strike="noStrike">
+              <a:solidFill>
+                <a:srgbClr val="000000"/>
+              </a:solidFill>
+              <a:uFill>
+                <a:solidFill>
+                  <a:srgbClr val="ffffff"/>
+                </a:solidFill>
+              </a:uFill>
+              <a:latin typeface="Arial"/>
             </a:endParaRPr>
           </a:p>
         </p:txBody>
       </p:sp>
       <p:sp>
         <p:nvSpPr>
-          <p:cNvPr id="31" name="PlaceHolder 3"/>
+          <p:cNvPr id="28" name="PlaceHolder 3"/>
           <p:cNvSpPr>
             <a:spLocks noGrp="1"/>
           </p:cNvSpPr>
@@ -303,23 +299,23 @@
             <a:normAutofit/>
           </a:bodyPr>
           <a:p>
-            <a:endParaRPr b="0" lang="pt-BR" sz="2800" spc="-1" strike="noStrike">
-              <a:solidFill>
-                <a:srgbClr val="000000"/>
-              </a:solidFill>
-              <a:uFill>
-                <a:solidFill>
-                  <a:srgbClr val="ffffff"/>
-                </a:solidFill>
-              </a:uFill>
-              <a:latin typeface="Calibri"/>
+            <a:endParaRPr b="0" lang="pt-BR" sz="3200" spc="-1" strike="noStrike">
+              <a:solidFill>
+                <a:srgbClr val="000000"/>
+              </a:solidFill>
+              <a:uFill>
+                <a:solidFill>
+                  <a:srgbClr val="ffffff"/>
+                </a:solidFill>
+              </a:uFill>
+              <a:latin typeface="Arial"/>
             </a:endParaRPr>
           </a:p>
         </p:txBody>
       </p:sp>
       <p:sp>
         <p:nvSpPr>
-          <p:cNvPr id="32" name="PlaceHolder 4"/>
+          <p:cNvPr id="29" name="PlaceHolder 4"/>
           <p:cNvSpPr>
             <a:spLocks noGrp="1"/>
           </p:cNvSpPr>
@@ -341,23 +337,23 @@
             <a:normAutofit/>
           </a:bodyPr>
           <a:p>
-            <a:endParaRPr b="0" lang="pt-BR" sz="2800" spc="-1" strike="noStrike">
-              <a:solidFill>
-                <a:srgbClr val="000000"/>
-              </a:solidFill>
-              <a:uFill>
-                <a:solidFill>
-                  <a:srgbClr val="ffffff"/>
-                </a:solidFill>
-              </a:uFill>
-              <a:latin typeface="Calibri"/>
+            <a:endParaRPr b="0" lang="pt-BR" sz="3200" spc="-1" strike="noStrike">
+              <a:solidFill>
+                <a:srgbClr val="000000"/>
+              </a:solidFill>
+              <a:uFill>
+                <a:solidFill>
+                  <a:srgbClr val="ffffff"/>
+                </a:solidFill>
+              </a:uFill>
+              <a:latin typeface="Arial"/>
             </a:endParaRPr>
           </a:p>
         </p:txBody>
       </p:sp>
       <p:sp>
         <p:nvSpPr>
-          <p:cNvPr id="33" name="PlaceHolder 5"/>
+          <p:cNvPr id="30" name="PlaceHolder 5"/>
           <p:cNvSpPr>
             <a:spLocks noGrp="1"/>
           </p:cNvSpPr>
@@ -379,16 +375,16 @@
             <a:normAutofit/>
           </a:bodyPr>
           <a:p>
-            <a:endParaRPr b="0" lang="pt-BR" sz="2800" spc="-1" strike="noStrike">
-              <a:solidFill>
-                <a:srgbClr val="000000"/>
-              </a:solidFill>
-              <a:uFill>
-                <a:solidFill>
-                  <a:srgbClr val="ffffff"/>
-                </a:solidFill>
-              </a:uFill>
-              <a:latin typeface="Calibri"/>
+            <a:endParaRPr b="0" lang="pt-BR" sz="3200" spc="-1" strike="noStrike">
+              <a:solidFill>
+                <a:srgbClr val="000000"/>
+              </a:solidFill>
+              <a:uFill>
+                <a:solidFill>
+                  <a:srgbClr val="ffffff"/>
+                </a:solidFill>
+              </a:uFill>
+              <a:latin typeface="Arial"/>
             </a:endParaRPr>
           </a:p>
         </p:txBody>
@@ -417,7 +413,7 @@
       </p:grpSpPr>
       <p:sp>
         <p:nvSpPr>
-          <p:cNvPr id="34" name="PlaceHolder 1"/>
+          <p:cNvPr id="31" name="PlaceHolder 1"/>
           <p:cNvSpPr>
             <a:spLocks noGrp="1"/>
           </p:cNvSpPr>
@@ -428,7 +424,7 @@
         <p:spPr>
           <a:xfrm>
             <a:off x="685800" y="1122480"/>
-            <a:ext cx="7772040" cy="2387160"/>
+            <a:ext cx="7771680" cy="2386800"/>
           </a:xfrm>
           <a:prstGeom prst="rect">
             <a:avLst/>
@@ -437,23 +433,24 @@
         <p:txBody>
           <a:bodyPr lIns="0" rIns="0" tIns="0" bIns="0" anchor="ctr"/>
           <a:p>
-            <a:endParaRPr b="0" lang="pt-BR" sz="1800" spc="-1" strike="noStrike">
-              <a:solidFill>
-                <a:srgbClr val="000000"/>
-              </a:solidFill>
-              <a:uFill>
-                <a:solidFill>
-                  <a:srgbClr val="ffffff"/>
-                </a:solidFill>
-              </a:uFill>
-              <a:latin typeface="Calibri"/>
+            <a:pPr algn="ctr"/>
+            <a:endParaRPr b="0" lang="pt-BR" sz="4400" spc="-1" strike="noStrike">
+              <a:solidFill>
+                <a:srgbClr val="000000"/>
+              </a:solidFill>
+              <a:uFill>
+                <a:solidFill>
+                  <a:srgbClr val="ffffff"/>
+                </a:solidFill>
+              </a:uFill>
+              <a:latin typeface="Arial"/>
             </a:endParaRPr>
           </a:p>
         </p:txBody>
       </p:sp>
       <p:sp>
         <p:nvSpPr>
-          <p:cNvPr id="35" name="PlaceHolder 2"/>
+          <p:cNvPr id="32" name="PlaceHolder 2"/>
           <p:cNvSpPr>
             <a:spLocks noGrp="1"/>
           </p:cNvSpPr>
@@ -475,23 +472,23 @@
             <a:normAutofit/>
           </a:bodyPr>
           <a:p>
-            <a:endParaRPr b="0" lang="pt-BR" sz="2800" spc="-1" strike="noStrike">
-              <a:solidFill>
-                <a:srgbClr val="000000"/>
-              </a:solidFill>
-              <a:uFill>
-                <a:solidFill>
-                  <a:srgbClr val="ffffff"/>
-                </a:solidFill>
-              </a:uFill>
-              <a:latin typeface="Calibri"/>
+            <a:endParaRPr b="0" lang="pt-BR" sz="3200" spc="-1" strike="noStrike">
+              <a:solidFill>
+                <a:srgbClr val="000000"/>
+              </a:solidFill>
+              <a:uFill>
+                <a:solidFill>
+                  <a:srgbClr val="ffffff"/>
+                </a:solidFill>
+              </a:uFill>
+              <a:latin typeface="Arial"/>
             </a:endParaRPr>
           </a:p>
         </p:txBody>
       </p:sp>
       <p:sp>
         <p:nvSpPr>
-          <p:cNvPr id="36" name="PlaceHolder 3"/>
+          <p:cNvPr id="33" name="PlaceHolder 3"/>
           <p:cNvSpPr>
             <a:spLocks noGrp="1"/>
           </p:cNvSpPr>
@@ -513,23 +510,23 @@
             <a:normAutofit/>
           </a:bodyPr>
           <a:p>
-            <a:endParaRPr b="0" lang="pt-BR" sz="2800" spc="-1" strike="noStrike">
-              <a:solidFill>
-                <a:srgbClr val="000000"/>
-              </a:solidFill>
-              <a:uFill>
-                <a:solidFill>
-                  <a:srgbClr val="ffffff"/>
-                </a:solidFill>
-              </a:uFill>
-              <a:latin typeface="Calibri"/>
+            <a:endParaRPr b="0" lang="pt-BR" sz="3200" spc="-1" strike="noStrike">
+              <a:solidFill>
+                <a:srgbClr val="000000"/>
+              </a:solidFill>
+              <a:uFill>
+                <a:solidFill>
+                  <a:srgbClr val="ffffff"/>
+                </a:solidFill>
+              </a:uFill>
+              <a:latin typeface="Arial"/>
             </a:endParaRPr>
           </a:p>
         </p:txBody>
       </p:sp>
       <p:pic>
         <p:nvPicPr>
-          <p:cNvPr id="37" name="" descr=""/>
+          <p:cNvPr id="34" name="" descr=""/>
           <p:cNvPicPr/>
           <p:nvPr/>
         </p:nvPicPr>
@@ -552,7 +549,7 @@
       </p:pic>
       <p:pic>
         <p:nvPicPr>
-          <p:cNvPr id="38" name="" descr=""/>
+          <p:cNvPr id="35" name="" descr=""/>
           <p:cNvPicPr/>
           <p:nvPr/>
         </p:nvPicPr>
@@ -597,7 +594,7 @@
       </p:grpSpPr>
       <p:sp>
         <p:nvSpPr>
-          <p:cNvPr id="5" name="PlaceHolder 1"/>
+          <p:cNvPr id="2" name="PlaceHolder 1"/>
           <p:cNvSpPr>
             <a:spLocks noGrp="1"/>
           </p:cNvSpPr>
@@ -608,7 +605,7 @@
         <p:spPr>
           <a:xfrm>
             <a:off x="685800" y="1122480"/>
-            <a:ext cx="7772040" cy="2387160"/>
+            <a:ext cx="7771680" cy="2386800"/>
           </a:xfrm>
           <a:prstGeom prst="rect">
             <a:avLst/>
@@ -617,23 +614,24 @@
         <p:txBody>
           <a:bodyPr lIns="0" rIns="0" tIns="0" bIns="0" anchor="ctr"/>
           <a:p>
-            <a:endParaRPr b="0" lang="pt-BR" sz="1800" spc="-1" strike="noStrike">
-              <a:solidFill>
-                <a:srgbClr val="000000"/>
-              </a:solidFill>
-              <a:uFill>
-                <a:solidFill>
-                  <a:srgbClr val="ffffff"/>
-                </a:solidFill>
-              </a:uFill>
-              <a:latin typeface="Calibri"/>
+            <a:pPr algn="ctr"/>
+            <a:endParaRPr b="0" lang="pt-BR" sz="4400" spc="-1" strike="noStrike">
+              <a:solidFill>
+                <a:srgbClr val="000000"/>
+              </a:solidFill>
+              <a:uFill>
+                <a:solidFill>
+                  <a:srgbClr val="ffffff"/>
+                </a:solidFill>
+              </a:uFill>
+              <a:latin typeface="Arial"/>
             </a:endParaRPr>
           </a:p>
         </p:txBody>
       </p:sp>
       <p:sp>
         <p:nvSpPr>
-          <p:cNvPr id="6" name="PlaceHolder 2"/>
+          <p:cNvPr id="3" name="PlaceHolder 2"/>
           <p:cNvSpPr>
             <a:spLocks noGrp="1"/>
           </p:cNvSpPr>
@@ -692,7 +690,7 @@
       </p:grpSpPr>
       <p:sp>
         <p:nvSpPr>
-          <p:cNvPr id="7" name="PlaceHolder 1"/>
+          <p:cNvPr id="4" name="PlaceHolder 1"/>
           <p:cNvSpPr>
             <a:spLocks noGrp="1"/>
           </p:cNvSpPr>
@@ -703,7 +701,7 @@
         <p:spPr>
           <a:xfrm>
             <a:off x="685800" y="1122480"/>
-            <a:ext cx="7772040" cy="2387160"/>
+            <a:ext cx="7771680" cy="2386800"/>
           </a:xfrm>
           <a:prstGeom prst="rect">
             <a:avLst/>
@@ -712,23 +710,24 @@
         <p:txBody>
           <a:bodyPr lIns="0" rIns="0" tIns="0" bIns="0" anchor="ctr"/>
           <a:p>
-            <a:endParaRPr b="0" lang="pt-BR" sz="1800" spc="-1" strike="noStrike">
-              <a:solidFill>
-                <a:srgbClr val="000000"/>
-              </a:solidFill>
-              <a:uFill>
-                <a:solidFill>
-                  <a:srgbClr val="ffffff"/>
-                </a:solidFill>
-              </a:uFill>
-              <a:latin typeface="Calibri"/>
+            <a:pPr algn="ctr"/>
+            <a:endParaRPr b="0" lang="pt-BR" sz="4400" spc="-1" strike="noStrike">
+              <a:solidFill>
+                <a:srgbClr val="000000"/>
+              </a:solidFill>
+              <a:uFill>
+                <a:solidFill>
+                  <a:srgbClr val="ffffff"/>
+                </a:solidFill>
+              </a:uFill>
+              <a:latin typeface="Arial"/>
             </a:endParaRPr>
           </a:p>
         </p:txBody>
       </p:sp>
       <p:sp>
         <p:nvSpPr>
-          <p:cNvPr id="8" name="PlaceHolder 2"/>
+          <p:cNvPr id="5" name="PlaceHolder 2"/>
           <p:cNvSpPr>
             <a:spLocks noGrp="1"/>
           </p:cNvSpPr>
@@ -750,16 +749,16 @@
             <a:normAutofit/>
           </a:bodyPr>
           <a:p>
-            <a:endParaRPr b="0" lang="pt-BR" sz="2800" spc="-1" strike="noStrike">
-              <a:solidFill>
-                <a:srgbClr val="000000"/>
-              </a:solidFill>
-              <a:uFill>
-                <a:solidFill>
-                  <a:srgbClr val="ffffff"/>
-                </a:solidFill>
-              </a:uFill>
-              <a:latin typeface="Calibri"/>
+            <a:endParaRPr b="0" lang="pt-BR" sz="3200" spc="-1" strike="noStrike">
+              <a:solidFill>
+                <a:srgbClr val="000000"/>
+              </a:solidFill>
+              <a:uFill>
+                <a:solidFill>
+                  <a:srgbClr val="ffffff"/>
+                </a:solidFill>
+              </a:uFill>
+              <a:latin typeface="Arial"/>
             </a:endParaRPr>
           </a:p>
         </p:txBody>
@@ -788,7 +787,7 @@
       </p:grpSpPr>
       <p:sp>
         <p:nvSpPr>
-          <p:cNvPr id="9" name="PlaceHolder 1"/>
+          <p:cNvPr id="6" name="PlaceHolder 1"/>
           <p:cNvSpPr>
             <a:spLocks noGrp="1"/>
           </p:cNvSpPr>
@@ -799,7 +798,7 @@
         <p:spPr>
           <a:xfrm>
             <a:off x="685800" y="1122480"/>
-            <a:ext cx="7772040" cy="2387160"/>
+            <a:ext cx="7771680" cy="2386800"/>
           </a:xfrm>
           <a:prstGeom prst="rect">
             <a:avLst/>
@@ -808,23 +807,24 @@
         <p:txBody>
           <a:bodyPr lIns="0" rIns="0" tIns="0" bIns="0" anchor="ctr"/>
           <a:p>
-            <a:endParaRPr b="0" lang="pt-BR" sz="1800" spc="-1" strike="noStrike">
-              <a:solidFill>
-                <a:srgbClr val="000000"/>
-              </a:solidFill>
-              <a:uFill>
-                <a:solidFill>
-                  <a:srgbClr val="ffffff"/>
-                </a:solidFill>
-              </a:uFill>
-              <a:latin typeface="Calibri"/>
+            <a:pPr algn="ctr"/>
+            <a:endParaRPr b="0" lang="pt-BR" sz="4400" spc="-1" strike="noStrike">
+              <a:solidFill>
+                <a:srgbClr val="000000"/>
+              </a:solidFill>
+              <a:uFill>
+                <a:solidFill>
+                  <a:srgbClr val="ffffff"/>
+                </a:solidFill>
+              </a:uFill>
+              <a:latin typeface="Arial"/>
             </a:endParaRPr>
           </a:p>
         </p:txBody>
       </p:sp>
       <p:sp>
         <p:nvSpPr>
-          <p:cNvPr id="10" name="PlaceHolder 2"/>
+          <p:cNvPr id="7" name="PlaceHolder 2"/>
           <p:cNvSpPr>
             <a:spLocks noGrp="1"/>
           </p:cNvSpPr>
@@ -846,23 +846,23 @@
             <a:normAutofit/>
           </a:bodyPr>
           <a:p>
-            <a:endParaRPr b="0" lang="pt-BR" sz="2800" spc="-1" strike="noStrike">
-              <a:solidFill>
-                <a:srgbClr val="000000"/>
-              </a:solidFill>
-              <a:uFill>
-                <a:solidFill>
-                  <a:srgbClr val="ffffff"/>
-                </a:solidFill>
-              </a:uFill>
-              <a:latin typeface="Calibri"/>
+            <a:endParaRPr b="0" lang="pt-BR" sz="3200" spc="-1" strike="noStrike">
+              <a:solidFill>
+                <a:srgbClr val="000000"/>
+              </a:solidFill>
+              <a:uFill>
+                <a:solidFill>
+                  <a:srgbClr val="ffffff"/>
+                </a:solidFill>
+              </a:uFill>
+              <a:latin typeface="Arial"/>
             </a:endParaRPr>
           </a:p>
         </p:txBody>
       </p:sp>
       <p:sp>
         <p:nvSpPr>
-          <p:cNvPr id="11" name="PlaceHolder 3"/>
+          <p:cNvPr id="8" name="PlaceHolder 3"/>
           <p:cNvSpPr>
             <a:spLocks noGrp="1"/>
           </p:cNvSpPr>
@@ -884,16 +884,16 @@
             <a:normAutofit/>
           </a:bodyPr>
           <a:p>
-            <a:endParaRPr b="0" lang="pt-BR" sz="2800" spc="-1" strike="noStrike">
-              <a:solidFill>
-                <a:srgbClr val="000000"/>
-              </a:solidFill>
-              <a:uFill>
-                <a:solidFill>
-                  <a:srgbClr val="ffffff"/>
-                </a:solidFill>
-              </a:uFill>
-              <a:latin typeface="Calibri"/>
+            <a:endParaRPr b="0" lang="pt-BR" sz="3200" spc="-1" strike="noStrike">
+              <a:solidFill>
+                <a:srgbClr val="000000"/>
+              </a:solidFill>
+              <a:uFill>
+                <a:solidFill>
+                  <a:srgbClr val="ffffff"/>
+                </a:solidFill>
+              </a:uFill>
+              <a:latin typeface="Arial"/>
             </a:endParaRPr>
           </a:p>
         </p:txBody>
@@ -922,7 +922,7 @@
       </p:grpSpPr>
       <p:sp>
         <p:nvSpPr>
-          <p:cNvPr id="12" name="PlaceHolder 1"/>
+          <p:cNvPr id="9" name="PlaceHolder 1"/>
           <p:cNvSpPr>
             <a:spLocks noGrp="1"/>
           </p:cNvSpPr>
@@ -933,7 +933,7 @@
         <p:spPr>
           <a:xfrm>
             <a:off x="685800" y="1122480"/>
-            <a:ext cx="7772040" cy="2387160"/>
+            <a:ext cx="7771680" cy="2386800"/>
           </a:xfrm>
           <a:prstGeom prst="rect">
             <a:avLst/>
@@ -942,16 +942,17 @@
         <p:txBody>
           <a:bodyPr lIns="0" rIns="0" tIns="0" bIns="0" anchor="ctr"/>
           <a:p>
-            <a:endParaRPr b="0" lang="pt-BR" sz="1800" spc="-1" strike="noStrike">
-              <a:solidFill>
-                <a:srgbClr val="000000"/>
-              </a:solidFill>
-              <a:uFill>
-                <a:solidFill>
-                  <a:srgbClr val="ffffff"/>
-                </a:solidFill>
-              </a:uFill>
-              <a:latin typeface="Calibri"/>
+            <a:pPr algn="ctr"/>
+            <a:endParaRPr b="0" lang="pt-BR" sz="4400" spc="-1" strike="noStrike">
+              <a:solidFill>
+                <a:srgbClr val="000000"/>
+              </a:solidFill>
+              <a:uFill>
+                <a:solidFill>
+                  <a:srgbClr val="ffffff"/>
+                </a:solidFill>
+              </a:uFill>
+              <a:latin typeface="Arial"/>
             </a:endParaRPr>
           </a:p>
         </p:txBody>
@@ -980,7 +981,7 @@
       </p:grpSpPr>
       <p:sp>
         <p:nvSpPr>
-          <p:cNvPr id="13" name="PlaceHolder 1"/>
+          <p:cNvPr id="10" name="PlaceHolder 1"/>
           <p:cNvSpPr>
             <a:spLocks noGrp="1"/>
           </p:cNvSpPr>
@@ -991,7 +992,7 @@
         <p:spPr>
           <a:xfrm>
             <a:off x="685800" y="1122480"/>
-            <a:ext cx="7772040" cy="11066760"/>
+            <a:ext cx="7771680" cy="11064960"/>
           </a:xfrm>
           <a:prstGeom prst="rect">
             <a:avLst/>
@@ -1039,7 +1040,7 @@
       </p:grpSpPr>
       <p:sp>
         <p:nvSpPr>
-          <p:cNvPr id="14" name="PlaceHolder 1"/>
+          <p:cNvPr id="11" name="PlaceHolder 1"/>
           <p:cNvSpPr>
             <a:spLocks noGrp="1"/>
           </p:cNvSpPr>
@@ -1050,7 +1051,7 @@
         <p:spPr>
           <a:xfrm>
             <a:off x="685800" y="1122480"/>
-            <a:ext cx="7772040" cy="2387160"/>
+            <a:ext cx="7771680" cy="2386800"/>
           </a:xfrm>
           <a:prstGeom prst="rect">
             <a:avLst/>
@@ -1059,23 +1060,24 @@
         <p:txBody>
           <a:bodyPr lIns="0" rIns="0" tIns="0" bIns="0" anchor="ctr"/>
           <a:p>
-            <a:endParaRPr b="0" lang="pt-BR" sz="1800" spc="-1" strike="noStrike">
-              <a:solidFill>
-                <a:srgbClr val="000000"/>
-              </a:solidFill>
-              <a:uFill>
-                <a:solidFill>
-                  <a:srgbClr val="ffffff"/>
-                </a:solidFill>
-              </a:uFill>
-              <a:latin typeface="Calibri"/>
+            <a:pPr algn="ctr"/>
+            <a:endParaRPr b="0" lang="pt-BR" sz="4400" spc="-1" strike="noStrike">
+              <a:solidFill>
+                <a:srgbClr val="000000"/>
+              </a:solidFill>
+              <a:uFill>
+                <a:solidFill>
+                  <a:srgbClr val="ffffff"/>
+                </a:solidFill>
+              </a:uFill>
+              <a:latin typeface="Arial"/>
             </a:endParaRPr>
           </a:p>
         </p:txBody>
       </p:sp>
       <p:sp>
         <p:nvSpPr>
-          <p:cNvPr id="15" name="PlaceHolder 2"/>
+          <p:cNvPr id="12" name="PlaceHolder 2"/>
           <p:cNvSpPr>
             <a:spLocks noGrp="1"/>
           </p:cNvSpPr>
@@ -1097,23 +1099,23 @@
             <a:normAutofit/>
           </a:bodyPr>
           <a:p>
-            <a:endParaRPr b="0" lang="pt-BR" sz="2800" spc="-1" strike="noStrike">
-              <a:solidFill>
-                <a:srgbClr val="000000"/>
-              </a:solidFill>
-              <a:uFill>
-                <a:solidFill>
-                  <a:srgbClr val="ffffff"/>
-                </a:solidFill>
-              </a:uFill>
-              <a:latin typeface="Calibri"/>
+            <a:endParaRPr b="0" lang="pt-BR" sz="3200" spc="-1" strike="noStrike">
+              <a:solidFill>
+                <a:srgbClr val="000000"/>
+              </a:solidFill>
+              <a:uFill>
+                <a:solidFill>
+                  <a:srgbClr val="ffffff"/>
+                </a:solidFill>
+              </a:uFill>
+              <a:latin typeface="Arial"/>
             </a:endParaRPr>
           </a:p>
         </p:txBody>
       </p:sp>
       <p:sp>
         <p:nvSpPr>
-          <p:cNvPr id="16" name="PlaceHolder 3"/>
+          <p:cNvPr id="13" name="PlaceHolder 3"/>
           <p:cNvSpPr>
             <a:spLocks noGrp="1"/>
           </p:cNvSpPr>
@@ -1135,23 +1137,23 @@
             <a:normAutofit/>
           </a:bodyPr>
           <a:p>
-            <a:endParaRPr b="0" lang="pt-BR" sz="2800" spc="-1" strike="noStrike">
-              <a:solidFill>
-                <a:srgbClr val="000000"/>
-              </a:solidFill>
-              <a:uFill>
-                <a:solidFill>
-                  <a:srgbClr val="ffffff"/>
-                </a:solidFill>
-              </a:uFill>
-              <a:latin typeface="Calibri"/>
+            <a:endParaRPr b="0" lang="pt-BR" sz="3200" spc="-1" strike="noStrike">
+              <a:solidFill>
+                <a:srgbClr val="000000"/>
+              </a:solidFill>
+              <a:uFill>
+                <a:solidFill>
+                  <a:srgbClr val="ffffff"/>
+                </a:solidFill>
+              </a:uFill>
+              <a:latin typeface="Arial"/>
             </a:endParaRPr>
           </a:p>
         </p:txBody>
       </p:sp>
       <p:sp>
         <p:nvSpPr>
-          <p:cNvPr id="17" name="PlaceHolder 4"/>
+          <p:cNvPr id="14" name="PlaceHolder 4"/>
           <p:cNvSpPr>
             <a:spLocks noGrp="1"/>
           </p:cNvSpPr>
@@ -1173,16 +1175,16 @@
             <a:normAutofit/>
           </a:bodyPr>
           <a:p>
-            <a:endParaRPr b="0" lang="pt-BR" sz="2800" spc="-1" strike="noStrike">
-              <a:solidFill>
-                <a:srgbClr val="000000"/>
-              </a:solidFill>
-              <a:uFill>
-                <a:solidFill>
-                  <a:srgbClr val="ffffff"/>
-                </a:solidFill>
-              </a:uFill>
-              <a:latin typeface="Calibri"/>
+            <a:endParaRPr b="0" lang="pt-BR" sz="3200" spc="-1" strike="noStrike">
+              <a:solidFill>
+                <a:srgbClr val="000000"/>
+              </a:solidFill>
+              <a:uFill>
+                <a:solidFill>
+                  <a:srgbClr val="ffffff"/>
+                </a:solidFill>
+              </a:uFill>
+              <a:latin typeface="Arial"/>
             </a:endParaRPr>
           </a:p>
         </p:txBody>
@@ -1211,7 +1213,7 @@
       </p:grpSpPr>
       <p:sp>
         <p:nvSpPr>
-          <p:cNvPr id="18" name="PlaceHolder 1"/>
+          <p:cNvPr id="15" name="PlaceHolder 1"/>
           <p:cNvSpPr>
             <a:spLocks noGrp="1"/>
           </p:cNvSpPr>
@@ -1222,7 +1224,7 @@
         <p:spPr>
           <a:xfrm>
             <a:off x="685800" y="1122480"/>
-            <a:ext cx="7772040" cy="2387160"/>
+            <a:ext cx="7771680" cy="2386800"/>
           </a:xfrm>
           <a:prstGeom prst="rect">
             <a:avLst/>
@@ -1231,23 +1233,24 @@
         <p:txBody>
           <a:bodyPr lIns="0" rIns="0" tIns="0" bIns="0" anchor="ctr"/>
           <a:p>
-            <a:endParaRPr b="0" lang="pt-BR" sz="1800" spc="-1" strike="noStrike">
-              <a:solidFill>
-                <a:srgbClr val="000000"/>
-              </a:solidFill>
-              <a:uFill>
-                <a:solidFill>
-                  <a:srgbClr val="ffffff"/>
-                </a:solidFill>
-              </a:uFill>
-              <a:latin typeface="Calibri"/>
+            <a:pPr algn="ctr"/>
+            <a:endParaRPr b="0" lang="pt-BR" sz="4400" spc="-1" strike="noStrike">
+              <a:solidFill>
+                <a:srgbClr val="000000"/>
+              </a:solidFill>
+              <a:uFill>
+                <a:solidFill>
+                  <a:srgbClr val="ffffff"/>
+                </a:solidFill>
+              </a:uFill>
+              <a:latin typeface="Arial"/>
             </a:endParaRPr>
           </a:p>
         </p:txBody>
       </p:sp>
       <p:sp>
         <p:nvSpPr>
-          <p:cNvPr id="19" name="PlaceHolder 2"/>
+          <p:cNvPr id="16" name="PlaceHolder 2"/>
           <p:cNvSpPr>
             <a:spLocks noGrp="1"/>
           </p:cNvSpPr>
@@ -1269,23 +1272,23 @@
             <a:normAutofit/>
           </a:bodyPr>
           <a:p>
-            <a:endParaRPr b="0" lang="pt-BR" sz="2800" spc="-1" strike="noStrike">
-              <a:solidFill>
-                <a:srgbClr val="000000"/>
-              </a:solidFill>
-              <a:uFill>
-                <a:solidFill>
-                  <a:srgbClr val="ffffff"/>
-                </a:solidFill>
-              </a:uFill>
-              <a:latin typeface="Calibri"/>
+            <a:endParaRPr b="0" lang="pt-BR" sz="3200" spc="-1" strike="noStrike">
+              <a:solidFill>
+                <a:srgbClr val="000000"/>
+              </a:solidFill>
+              <a:uFill>
+                <a:solidFill>
+                  <a:srgbClr val="ffffff"/>
+                </a:solidFill>
+              </a:uFill>
+              <a:latin typeface="Arial"/>
             </a:endParaRPr>
           </a:p>
         </p:txBody>
       </p:sp>
       <p:sp>
         <p:nvSpPr>
-          <p:cNvPr id="20" name="PlaceHolder 3"/>
+          <p:cNvPr id="17" name="PlaceHolder 3"/>
           <p:cNvSpPr>
             <a:spLocks noGrp="1"/>
           </p:cNvSpPr>
@@ -1307,23 +1310,23 @@
             <a:normAutofit/>
           </a:bodyPr>
           <a:p>
-            <a:endParaRPr b="0" lang="pt-BR" sz="2800" spc="-1" strike="noStrike">
-              <a:solidFill>
-                <a:srgbClr val="000000"/>
-              </a:solidFill>
-              <a:uFill>
-                <a:solidFill>
-                  <a:srgbClr val="ffffff"/>
-                </a:solidFill>
-              </a:uFill>
-              <a:latin typeface="Calibri"/>
+            <a:endParaRPr b="0" lang="pt-BR" sz="3200" spc="-1" strike="noStrike">
+              <a:solidFill>
+                <a:srgbClr val="000000"/>
+              </a:solidFill>
+              <a:uFill>
+                <a:solidFill>
+                  <a:srgbClr val="ffffff"/>
+                </a:solidFill>
+              </a:uFill>
+              <a:latin typeface="Arial"/>
             </a:endParaRPr>
           </a:p>
         </p:txBody>
       </p:sp>
       <p:sp>
         <p:nvSpPr>
-          <p:cNvPr id="21" name="PlaceHolder 4"/>
+          <p:cNvPr id="18" name="PlaceHolder 4"/>
           <p:cNvSpPr>
             <a:spLocks noGrp="1"/>
           </p:cNvSpPr>
@@ -1345,16 +1348,16 @@
             <a:normAutofit/>
           </a:bodyPr>
           <a:p>
-            <a:endParaRPr b="0" lang="pt-BR" sz="2800" spc="-1" strike="noStrike">
-              <a:solidFill>
-                <a:srgbClr val="000000"/>
-              </a:solidFill>
-              <a:uFill>
-                <a:solidFill>
-                  <a:srgbClr val="ffffff"/>
-                </a:solidFill>
-              </a:uFill>
-              <a:latin typeface="Calibri"/>
+            <a:endParaRPr b="0" lang="pt-BR" sz="3200" spc="-1" strike="noStrike">
+              <a:solidFill>
+                <a:srgbClr val="000000"/>
+              </a:solidFill>
+              <a:uFill>
+                <a:solidFill>
+                  <a:srgbClr val="ffffff"/>
+                </a:solidFill>
+              </a:uFill>
+              <a:latin typeface="Arial"/>
             </a:endParaRPr>
           </a:p>
         </p:txBody>
@@ -1383,7 +1386,7 @@
       </p:grpSpPr>
       <p:sp>
         <p:nvSpPr>
-          <p:cNvPr id="22" name="PlaceHolder 1"/>
+          <p:cNvPr id="19" name="PlaceHolder 1"/>
           <p:cNvSpPr>
             <a:spLocks noGrp="1"/>
           </p:cNvSpPr>
@@ -1394,7 +1397,7 @@
         <p:spPr>
           <a:xfrm>
             <a:off x="685800" y="1122480"/>
-            <a:ext cx="7772040" cy="2387160"/>
+            <a:ext cx="7771680" cy="2386800"/>
           </a:xfrm>
           <a:prstGeom prst="rect">
             <a:avLst/>
@@ -1403,23 +1406,24 @@
         <p:txBody>
           <a:bodyPr lIns="0" rIns="0" tIns="0" bIns="0" anchor="ctr"/>
           <a:p>
-            <a:endParaRPr b="0" lang="pt-BR" sz="1800" spc="-1" strike="noStrike">
-              <a:solidFill>
-                <a:srgbClr val="000000"/>
-              </a:solidFill>
-              <a:uFill>
-                <a:solidFill>
-                  <a:srgbClr val="ffffff"/>
-                </a:solidFill>
-              </a:uFill>
-              <a:latin typeface="Calibri"/>
+            <a:pPr algn="ctr"/>
+            <a:endParaRPr b="0" lang="pt-BR" sz="4400" spc="-1" strike="noStrike">
+              <a:solidFill>
+                <a:srgbClr val="000000"/>
+              </a:solidFill>
+              <a:uFill>
+                <a:solidFill>
+                  <a:srgbClr val="ffffff"/>
+                </a:solidFill>
+              </a:uFill>
+              <a:latin typeface="Arial"/>
             </a:endParaRPr>
           </a:p>
         </p:txBody>
       </p:sp>
       <p:sp>
         <p:nvSpPr>
-          <p:cNvPr id="23" name="PlaceHolder 2"/>
+          <p:cNvPr id="20" name="PlaceHolder 2"/>
           <p:cNvSpPr>
             <a:spLocks noGrp="1"/>
           </p:cNvSpPr>
@@ -1441,23 +1445,23 @@
             <a:normAutofit/>
           </a:bodyPr>
           <a:p>
-            <a:endParaRPr b="0" lang="pt-BR" sz="2800" spc="-1" strike="noStrike">
-              <a:solidFill>
-                <a:srgbClr val="000000"/>
-              </a:solidFill>
-              <a:uFill>
-                <a:solidFill>
-                  <a:srgbClr val="ffffff"/>
-                </a:solidFill>
-              </a:uFill>
-              <a:latin typeface="Calibri"/>
+            <a:endParaRPr b="0" lang="pt-BR" sz="3200" spc="-1" strike="noStrike">
+              <a:solidFill>
+                <a:srgbClr val="000000"/>
+              </a:solidFill>
+              <a:uFill>
+                <a:solidFill>
+                  <a:srgbClr val="ffffff"/>
+                </a:solidFill>
+              </a:uFill>
+              <a:latin typeface="Arial"/>
             </a:endParaRPr>
           </a:p>
         </p:txBody>
       </p:sp>
       <p:sp>
         <p:nvSpPr>
-          <p:cNvPr id="24" name="PlaceHolder 3"/>
+          <p:cNvPr id="21" name="PlaceHolder 3"/>
           <p:cNvSpPr>
             <a:spLocks noGrp="1"/>
           </p:cNvSpPr>
@@ -1479,23 +1483,23 @@
             <a:normAutofit/>
           </a:bodyPr>
           <a:p>
-            <a:endParaRPr b="0" lang="pt-BR" sz="2800" spc="-1" strike="noStrike">
-              <a:solidFill>
-                <a:srgbClr val="000000"/>
-              </a:solidFill>
-              <a:uFill>
-                <a:solidFill>
-                  <a:srgbClr val="ffffff"/>
-                </a:solidFill>
-              </a:uFill>
-              <a:latin typeface="Calibri"/>
+            <a:endParaRPr b="0" lang="pt-BR" sz="3200" spc="-1" strike="noStrike">
+              <a:solidFill>
+                <a:srgbClr val="000000"/>
+              </a:solidFill>
+              <a:uFill>
+                <a:solidFill>
+                  <a:srgbClr val="ffffff"/>
+                </a:solidFill>
+              </a:uFill>
+              <a:latin typeface="Arial"/>
             </a:endParaRPr>
           </a:p>
         </p:txBody>
       </p:sp>
       <p:sp>
         <p:nvSpPr>
-          <p:cNvPr id="25" name="PlaceHolder 4"/>
+          <p:cNvPr id="22" name="PlaceHolder 4"/>
           <p:cNvSpPr>
             <a:spLocks noGrp="1"/>
           </p:cNvSpPr>
@@ -1517,16 +1521,16 @@
             <a:normAutofit/>
           </a:bodyPr>
           <a:p>
-            <a:endParaRPr b="0" lang="pt-BR" sz="2800" spc="-1" strike="noStrike">
-              <a:solidFill>
-                <a:srgbClr val="000000"/>
-              </a:solidFill>
-              <a:uFill>
-                <a:solidFill>
-                  <a:srgbClr val="ffffff"/>
-                </a:solidFill>
-              </a:uFill>
-              <a:latin typeface="Calibri"/>
+            <a:endParaRPr b="0" lang="pt-BR" sz="3200" spc="-1" strike="noStrike">
+              <a:solidFill>
+                <a:srgbClr val="000000"/>
+              </a:solidFill>
+              <a:uFill>
+                <a:solidFill>
+                  <a:srgbClr val="ffffff"/>
+                </a:solidFill>
+              </a:uFill>
+              <a:latin typeface="Arial"/>
             </a:endParaRPr>
           </a:p>
         </p:txBody>
@@ -1573,22 +1577,17 @@
         <p:spPr>
           <a:xfrm>
             <a:off x="685800" y="1122480"/>
-            <a:ext cx="7772040" cy="2387160"/>
+            <a:ext cx="7771680" cy="2386800"/>
           </a:xfrm>
           <a:prstGeom prst="rect">
             <a:avLst/>
           </a:prstGeom>
         </p:spPr>
         <p:txBody>
-          <a:bodyPr anchor="b"/>
-          <a:p>
-            <a:pPr algn="ctr">
-              <a:lnSpc>
-                <a:spcPct val="100000"/>
-              </a:lnSpc>
-            </a:pPr>
+          <a:bodyPr lIns="0" rIns="0" tIns="0" bIns="0" anchor="ctr"/>
+          <a:p>
             <a:r>
-              <a:rPr b="0" lang="pt-BR" sz="6000" spc="-1" strike="noStrike">
+              <a:rPr b="0" lang="pt-BR" sz="1800" spc="-1" strike="noStrike">
                 <a:solidFill>
                   <a:srgbClr val="000000"/>
                 </a:solidFill>
@@ -1597,20 +1596,20 @@
                     <a:srgbClr val="ffffff"/>
                   </a:solidFill>
                 </a:uFill>
-                <a:latin typeface="Calibri Light"/>
+                <a:latin typeface="Arial"/>
               </a:rPr>
-              <a:t>Clique para editar o título mestre</a:t>
+              <a:t>Clique para editar o formato do texto do título</a:t>
             </a:r>
-            <a:endParaRPr b="0" lang="pt-BR" sz="6000" spc="-1" strike="noStrike">
-              <a:solidFill>
-                <a:srgbClr val="000000"/>
-              </a:solidFill>
-              <a:uFill>
-                <a:solidFill>
-                  <a:srgbClr val="ffffff"/>
-                </a:solidFill>
-              </a:uFill>
-              <a:latin typeface="Calibri"/>
+            <a:endParaRPr b="0" lang="pt-BR" sz="1800" spc="-1" strike="noStrike">
+              <a:solidFill>
+                <a:srgbClr val="000000"/>
+              </a:solidFill>
+              <a:uFill>
+                <a:solidFill>
+                  <a:srgbClr val="ffffff"/>
+                </a:solidFill>
+              </a:uFill>
+              <a:latin typeface="Arial"/>
             </a:endParaRPr>
           </a:p>
         </p:txBody>
@@ -1622,152 +1621,6 @@
             <a:spLocks noGrp="1"/>
           </p:cNvSpPr>
           <p:nvPr>
-            <p:ph type="dt"/>
-          </p:nvPr>
-        </p:nvSpPr>
-        <p:spPr>
-          <a:xfrm>
-            <a:off x="628560" y="6356520"/>
-            <a:ext cx="2057040" cy="364680"/>
-          </a:xfrm>
-          <a:prstGeom prst="rect">
-            <a:avLst/>
-          </a:prstGeom>
-        </p:spPr>
-        <p:txBody>
-          <a:bodyPr anchor="ctr"/>
-          <a:p>
-            <a:pPr>
-              <a:lnSpc>
-                <a:spcPct val="100000"/>
-              </a:lnSpc>
-            </a:pPr>
-            <a:fld id="{633952E7-1A66-48DE-AE16-007B847696EE}" type="datetime">
-              <a:rPr b="0" lang="pt-BR" sz="1200" spc="-1" strike="noStrike">
-                <a:solidFill>
-                  <a:srgbClr val="8b8b8b"/>
-                </a:solidFill>
-                <a:uFill>
-                  <a:solidFill>
-                    <a:srgbClr val="ffffff"/>
-                  </a:solidFill>
-                </a:uFill>
-                <a:latin typeface="Calibri"/>
-              </a:rPr>
-              <a:t>07/05/18</a:t>
-            </a:fld>
-            <a:endParaRPr b="0" lang="pt-BR" sz="1200" spc="-1" strike="noStrike">
-              <a:solidFill>
-                <a:srgbClr val="000000"/>
-              </a:solidFill>
-              <a:uFill>
-                <a:solidFill>
-                  <a:srgbClr val="ffffff"/>
-                </a:solidFill>
-              </a:uFill>
-              <a:latin typeface="Times New Roman"/>
-            </a:endParaRPr>
-          </a:p>
-        </p:txBody>
-      </p:sp>
-      <p:sp>
-        <p:nvSpPr>
-          <p:cNvPr id="2" name="PlaceHolder 3"/>
-          <p:cNvSpPr>
-            <a:spLocks noGrp="1"/>
-          </p:cNvSpPr>
-          <p:nvPr>
-            <p:ph type="ftr"/>
-          </p:nvPr>
-        </p:nvSpPr>
-        <p:spPr>
-          <a:xfrm>
-            <a:off x="3029040" y="6356520"/>
-            <a:ext cx="3085920" cy="364680"/>
-          </a:xfrm>
-          <a:prstGeom prst="rect">
-            <a:avLst/>
-          </a:prstGeom>
-        </p:spPr>
-        <p:txBody>
-          <a:bodyPr anchor="ctr"/>
-          <a:p>
-            <a:endParaRPr b="0" lang="pt-BR" sz="2400" spc="-1" strike="noStrike">
-              <a:solidFill>
-                <a:srgbClr val="000000"/>
-              </a:solidFill>
-              <a:uFill>
-                <a:solidFill>
-                  <a:srgbClr val="ffffff"/>
-                </a:solidFill>
-              </a:uFill>
-              <a:latin typeface="Times New Roman"/>
-            </a:endParaRPr>
-          </a:p>
-        </p:txBody>
-      </p:sp>
-      <p:sp>
-        <p:nvSpPr>
-          <p:cNvPr id="3" name="PlaceHolder 4"/>
-          <p:cNvSpPr>
-            <a:spLocks noGrp="1"/>
-          </p:cNvSpPr>
-          <p:nvPr>
-            <p:ph type="sldNum"/>
-          </p:nvPr>
-        </p:nvSpPr>
-        <p:spPr>
-          <a:xfrm>
-            <a:off x="6458040" y="6356520"/>
-            <a:ext cx="2057040" cy="364680"/>
-          </a:xfrm>
-          <a:prstGeom prst="rect">
-            <a:avLst/>
-          </a:prstGeom>
-        </p:spPr>
-        <p:txBody>
-          <a:bodyPr anchor="ctr"/>
-          <a:p>
-            <a:pPr algn="r">
-              <a:lnSpc>
-                <a:spcPct val="100000"/>
-              </a:lnSpc>
-            </a:pPr>
-            <a:fld id="{ABBE9A69-DE5E-4FB4-B779-60829795FE3C}" type="slidenum">
-              <a:rPr b="0" lang="pt-BR" sz="1200" spc="-1" strike="noStrike">
-                <a:solidFill>
-                  <a:srgbClr val="8b8b8b"/>
-                </a:solidFill>
-                <a:uFill>
-                  <a:solidFill>
-                    <a:srgbClr val="ffffff"/>
-                  </a:solidFill>
-                </a:uFill>
-                <a:latin typeface="Calibri"/>
-              </a:rPr>
-              <a:t>&lt;número&gt;</a:t>
-            </a:fld>
-            <a:endParaRPr b="0" lang="pt-BR" sz="1200" spc="-1" strike="noStrike">
-              <a:solidFill>
-                <a:srgbClr val="000000"/>
-              </a:solidFill>
-              <a:uFill>
-                <a:solidFill>
-                  <a:srgbClr val="ffffff"/>
-                </a:solidFill>
-              </a:uFill>
-              <a:latin typeface="Times New Roman"/>
-            </a:endParaRPr>
-          </a:p>
-        </p:txBody>
-      </p:sp>
-      <p:sp>
-        <p:nvSpPr>
-          <p:cNvPr id="4" name="PlaceHolder 5"/>
-          <p:cNvSpPr>
-            <a:spLocks noGrp="1"/>
-          </p:cNvSpPr>
-          <p:nvPr>
             <p:ph type="body"/>
           </p:nvPr>
         </p:nvSpPr>
@@ -1797,7 +1650,7 @@
               <a:buChar char=""/>
             </a:pPr>
             <a:r>
-              <a:rPr b="0" lang="pt-BR" sz="2800" spc="-1" strike="noStrike">
+              <a:rPr b="0" lang="pt-BR" sz="3200" spc="-1" strike="noStrike">
                 <a:solidFill>
                   <a:srgbClr val="000000"/>
                 </a:solidFill>
@@ -1806,26 +1659,102 @@
                     <a:srgbClr val="ffffff"/>
                   </a:solidFill>
                 </a:uFill>
-                <a:latin typeface="Calibri"/>
+                <a:latin typeface="Arial"/>
               </a:rPr>
               <a:t>Clique para editar o formato do texto da estrutura de tópicos</a:t>
             </a:r>
-            <a:endParaRPr b="0" lang="pt-BR" sz="2800" spc="-1" strike="noStrike">
-              <a:solidFill>
-                <a:srgbClr val="000000"/>
-              </a:solidFill>
-              <a:uFill>
-                <a:solidFill>
-                  <a:srgbClr val="ffffff"/>
-                </a:solidFill>
-              </a:uFill>
-              <a:latin typeface="Calibri"/>
+            <a:endParaRPr b="0" lang="pt-BR" sz="3200" spc="-1" strike="noStrike">
+              <a:solidFill>
+                <a:srgbClr val="000000"/>
+              </a:solidFill>
+              <a:uFill>
+                <a:solidFill>
+                  <a:srgbClr val="ffffff"/>
+                </a:solidFill>
+              </a:uFill>
+              <a:latin typeface="Arial"/>
             </a:endParaRPr>
           </a:p>
           <a:p>
             <a:pPr lvl="1" marL="864000" indent="-324000">
               <a:spcBef>
                 <a:spcPts val="1134"/>
+              </a:spcBef>
+              <a:buClr>
+                <a:srgbClr val="000000"/>
+              </a:buClr>
+              <a:buSzPct val="75000"/>
+              <a:buFont typeface="Symbol" charset="2"/>
+              <a:buChar char=""/>
+            </a:pPr>
+            <a:r>
+              <a:rPr b="0" lang="pt-BR" sz="2800" spc="-1" strike="noStrike">
+                <a:solidFill>
+                  <a:srgbClr val="000000"/>
+                </a:solidFill>
+                <a:uFill>
+                  <a:solidFill>
+                    <a:srgbClr val="ffffff"/>
+                  </a:solidFill>
+                </a:uFill>
+                <a:latin typeface="Arial"/>
+              </a:rPr>
+              <a:t>2.º nível da estrutura de tópicos</a:t>
+            </a:r>
+            <a:endParaRPr b="0" lang="pt-BR" sz="2800" spc="-1" strike="noStrike">
+              <a:solidFill>
+                <a:srgbClr val="000000"/>
+              </a:solidFill>
+              <a:uFill>
+                <a:solidFill>
+                  <a:srgbClr val="ffffff"/>
+                </a:solidFill>
+              </a:uFill>
+              <a:latin typeface="Arial"/>
+            </a:endParaRPr>
+          </a:p>
+          <a:p>
+            <a:pPr lvl="2" marL="1296000" indent="-288000">
+              <a:spcBef>
+                <a:spcPts val="850"/>
+              </a:spcBef>
+              <a:buClr>
+                <a:srgbClr val="000000"/>
+              </a:buClr>
+              <a:buSzPct val="45000"/>
+              <a:buFont typeface="Wingdings" charset="2"/>
+              <a:buChar char=""/>
+            </a:pPr>
+            <a:r>
+              <a:rPr b="0" lang="pt-BR" sz="2400" spc="-1" strike="noStrike">
+                <a:solidFill>
+                  <a:srgbClr val="000000"/>
+                </a:solidFill>
+                <a:uFill>
+                  <a:solidFill>
+                    <a:srgbClr val="ffffff"/>
+                  </a:solidFill>
+                </a:uFill>
+                <a:latin typeface="Arial"/>
+              </a:rPr>
+              <a:t>3.º nível da estrutura de tópicos</a:t>
+            </a:r>
+            <a:endParaRPr b="0" lang="pt-BR" sz="2400" spc="-1" strike="noStrike">
+              <a:solidFill>
+                <a:srgbClr val="000000"/>
+              </a:solidFill>
+              <a:uFill>
+                <a:solidFill>
+                  <a:srgbClr val="ffffff"/>
+                </a:solidFill>
+              </a:uFill>
+              <a:latin typeface="Arial"/>
+            </a:endParaRPr>
+          </a:p>
+          <a:p>
+            <a:pPr lvl="3" marL="1728000" indent="-216000">
+              <a:spcBef>
+                <a:spcPts val="567"/>
               </a:spcBef>
               <a:buClr>
                 <a:srgbClr val="000000"/>
@@ -1844,96 +1773,20 @@
                     <a:srgbClr val="ffffff"/>
                   </a:solidFill>
                 </a:uFill>
-                <a:latin typeface="Calibri"/>
-              </a:rPr>
-              <a:t>2.º nível da estrutura de tópicos</a:t>
-            </a:r>
-            <a:endParaRPr b="0" lang="pt-BR" sz="2000" spc="-1" strike="noStrike">
-              <a:solidFill>
-                <a:srgbClr val="000000"/>
-              </a:solidFill>
-              <a:uFill>
-                <a:solidFill>
-                  <a:srgbClr val="ffffff"/>
-                </a:solidFill>
-              </a:uFill>
-              <a:latin typeface="Calibri"/>
-            </a:endParaRPr>
-          </a:p>
-          <a:p>
-            <a:pPr lvl="2" marL="1296000" indent="-288000">
-              <a:spcBef>
-                <a:spcPts val="850"/>
-              </a:spcBef>
-              <a:buClr>
-                <a:srgbClr val="000000"/>
-              </a:buClr>
-              <a:buSzPct val="45000"/>
-              <a:buFont typeface="Wingdings" charset="2"/>
-              <a:buChar char=""/>
-            </a:pPr>
-            <a:r>
-              <a:rPr b="0" lang="pt-BR" sz="1800" spc="-1" strike="noStrike">
-                <a:solidFill>
-                  <a:srgbClr val="000000"/>
-                </a:solidFill>
-                <a:uFill>
-                  <a:solidFill>
-                    <a:srgbClr val="ffffff"/>
-                  </a:solidFill>
-                </a:uFill>
-                <a:latin typeface="Calibri"/>
-              </a:rPr>
-              <a:t>3.º nível da estrutura de tópicos</a:t>
-            </a:r>
-            <a:endParaRPr b="0" lang="pt-BR" sz="1800" spc="-1" strike="noStrike">
-              <a:solidFill>
-                <a:srgbClr val="000000"/>
-              </a:solidFill>
-              <a:uFill>
-                <a:solidFill>
-                  <a:srgbClr val="ffffff"/>
-                </a:solidFill>
-              </a:uFill>
-              <a:latin typeface="Calibri"/>
-            </a:endParaRPr>
-          </a:p>
-          <a:p>
-            <a:pPr lvl="3" marL="1728000" indent="-216000">
-              <a:spcBef>
-                <a:spcPts val="567"/>
-              </a:spcBef>
-              <a:buClr>
-                <a:srgbClr val="000000"/>
-              </a:buClr>
-              <a:buSzPct val="75000"/>
-              <a:buFont typeface="Symbol" charset="2"/>
-              <a:buChar char=""/>
-            </a:pPr>
-            <a:r>
-              <a:rPr b="0" lang="pt-BR" sz="1800" spc="-1" strike="noStrike">
-                <a:solidFill>
-                  <a:srgbClr val="000000"/>
-                </a:solidFill>
-                <a:uFill>
-                  <a:solidFill>
-                    <a:srgbClr val="ffffff"/>
-                  </a:solidFill>
-                </a:uFill>
-                <a:latin typeface="Calibri"/>
+                <a:latin typeface="Arial"/>
               </a:rPr>
               <a:t>4.º nível da estrutura de tópicos</a:t>
             </a:r>
-            <a:endParaRPr b="0" lang="pt-BR" sz="1800" spc="-1" strike="noStrike">
-              <a:solidFill>
-                <a:srgbClr val="000000"/>
-              </a:solidFill>
-              <a:uFill>
-                <a:solidFill>
-                  <a:srgbClr val="ffffff"/>
-                </a:solidFill>
-              </a:uFill>
-              <a:latin typeface="Calibri"/>
+            <a:endParaRPr b="0" lang="pt-BR" sz="2000" spc="-1" strike="noStrike">
+              <a:solidFill>
+                <a:srgbClr val="000000"/>
+              </a:solidFill>
+              <a:uFill>
+                <a:solidFill>
+                  <a:srgbClr val="ffffff"/>
+                </a:solidFill>
+              </a:uFill>
+              <a:latin typeface="Arial"/>
             </a:endParaRPr>
           </a:p>
           <a:p>
@@ -1958,7 +1811,7 @@
                     <a:srgbClr val="ffffff"/>
                   </a:solidFill>
                 </a:uFill>
-                <a:latin typeface="Calibri"/>
+                <a:latin typeface="Arial"/>
               </a:rPr>
               <a:t>5.º nível da estrutura de tópicos</a:t>
             </a:r>
@@ -1971,7 +1824,7 @@
                   <a:srgbClr val="ffffff"/>
                 </a:solidFill>
               </a:uFill>
-              <a:latin typeface="Calibri"/>
+              <a:latin typeface="Arial"/>
             </a:endParaRPr>
           </a:p>
           <a:p>
@@ -1996,7 +1849,7 @@
                     <a:srgbClr val="ffffff"/>
                   </a:solidFill>
                 </a:uFill>
-                <a:latin typeface="Calibri"/>
+                <a:latin typeface="Arial"/>
               </a:rPr>
               <a:t>6.º nível da estrutura de tópicos</a:t>
             </a:r>
@@ -2009,7 +1862,7 @@
                   <a:srgbClr val="ffffff"/>
                 </a:solidFill>
               </a:uFill>
-              <a:latin typeface="Calibri"/>
+              <a:latin typeface="Arial"/>
             </a:endParaRPr>
           </a:p>
           <a:p>
@@ -2034,7 +1887,7 @@
                     <a:srgbClr val="ffffff"/>
                   </a:solidFill>
                 </a:uFill>
-                <a:latin typeface="Calibri"/>
+                <a:latin typeface="Arial"/>
               </a:rPr>
               <a:t>7.º nível da estrutura de tópicos</a:t>
             </a:r>
@@ -2047,7 +1900,7 @@
                   <a:srgbClr val="ffffff"/>
                 </a:solidFill>
               </a:uFill>
-              <a:latin typeface="Calibri"/>
+              <a:latin typeface="Arial"/>
             </a:endParaRPr>
           </a:p>
         </p:txBody>
@@ -2091,7 +1944,7 @@
       </p:grpSpPr>
       <p:pic>
         <p:nvPicPr>
-          <p:cNvPr id="39" name="Imagem 3" descr=""/>
+          <p:cNvPr id="36" name="Imagem 3" descr=""/>
           <p:cNvPicPr/>
           <p:nvPr/>
         </p:nvPicPr>
@@ -2102,7 +1955,7 @@
         <p:spPr>
           <a:xfrm>
             <a:off x="0" y="-16200"/>
-            <a:ext cx="9143640" cy="6918840"/>
+            <a:ext cx="9143280" cy="6918480"/>
           </a:xfrm>
           <a:prstGeom prst="rect">
             <a:avLst/>
@@ -2114,14 +1967,14 @@
       </p:pic>
       <p:sp>
         <p:nvSpPr>
-          <p:cNvPr id="40" name="TextShape 1"/>
-          <p:cNvSpPr txBox="1"/>
+          <p:cNvPr id="37" name="CustomShape 1"/>
+          <p:cNvSpPr/>
           <p:nvPr/>
         </p:nvSpPr>
         <p:spPr>
           <a:xfrm>
             <a:off x="755640" y="2925000"/>
-            <a:ext cx="6400440" cy="935640"/>
+            <a:ext cx="6400080" cy="935280"/>
           </a:xfrm>
           <a:prstGeom prst="rect">
             <a:avLst/>
@@ -2131,8 +1984,14 @@
             <a:noFill/>
           </a:ln>
         </p:spPr>
+        <p:style>
+          <a:lnRef idx="0"/>
+          <a:fillRef idx="0"/>
+          <a:effectRef idx="0"/>
+          <a:fontRef idx="minor"/>
+        </p:style>
         <p:txBody>
-          <a:bodyPr>
+          <a:bodyPr lIns="90000" rIns="90000" tIns="45000" bIns="45000">
             <a:normAutofit/>
           </a:bodyPr>
           <a:p>
@@ -2188,14 +2047,14 @@
       </p:sp>
       <p:sp>
         <p:nvSpPr>
-          <p:cNvPr id="41" name="CustomShape 2"/>
+          <p:cNvPr id="38" name="CustomShape 2"/>
           <p:cNvSpPr/>
           <p:nvPr/>
         </p:nvSpPr>
         <p:spPr>
           <a:xfrm>
             <a:off x="755640" y="4597200"/>
-            <a:ext cx="7016400" cy="516960"/>
+            <a:ext cx="7016040" cy="516600"/>
           </a:xfrm>
           <a:prstGeom prst="rect">
             <a:avLst/>
@@ -2230,6 +2089,7 @@
                   </a:solidFill>
                 </a:uFill>
                 <a:latin typeface="Century Gothic"/>
+                <a:ea typeface="DejaVu Sans"/>
               </a:rPr>
               <a:t>Software de Recrutamento Interno</a:t>
             </a:r>
@@ -2249,7 +2109,7 @@
       </p:sp>
       <p:pic>
         <p:nvPicPr>
-          <p:cNvPr id="42" name="Picture 2" descr=""/>
+          <p:cNvPr id="39" name="Picture 2" descr=""/>
           <p:cNvPicPr/>
           <p:nvPr/>
         </p:nvPicPr>
@@ -2260,7 +2120,7 @@
         <p:spPr>
           <a:xfrm>
             <a:off x="6255360" y="68760"/>
-            <a:ext cx="2749320" cy="1423080"/>
+            <a:ext cx="2748960" cy="1422720"/>
           </a:xfrm>
           <a:prstGeom prst="rect">
             <a:avLst/>
@@ -2321,7 +2181,7 @@
       </p:grpSpPr>
       <p:pic>
         <p:nvPicPr>
-          <p:cNvPr id="76" name="Imagem 2" descr=""/>
+          <p:cNvPr id="73" name="Imagem 2" descr=""/>
           <p:cNvPicPr/>
           <p:nvPr/>
         </p:nvPicPr>
@@ -2332,7 +2192,7 @@
         <p:spPr>
           <a:xfrm>
             <a:off x="0" y="-48240"/>
-            <a:ext cx="9143640" cy="6941880"/>
+            <a:ext cx="9143280" cy="6941520"/>
           </a:xfrm>
           <a:prstGeom prst="rect">
             <a:avLst/>
@@ -2344,7 +2204,7 @@
       </p:pic>
       <p:pic>
         <p:nvPicPr>
-          <p:cNvPr id="77" name="Picture 2" descr=""/>
+          <p:cNvPr id="74" name="Picture 2" descr=""/>
           <p:cNvPicPr/>
           <p:nvPr/>
         </p:nvPicPr>
@@ -2355,7 +2215,7 @@
         <p:spPr>
           <a:xfrm>
             <a:off x="6255360" y="68760"/>
-            <a:ext cx="2749320" cy="1423080"/>
+            <a:ext cx="2748960" cy="1422720"/>
           </a:xfrm>
           <a:prstGeom prst="rect">
             <a:avLst/>
@@ -2367,14 +2227,14 @@
       </p:pic>
       <p:sp>
         <p:nvSpPr>
-          <p:cNvPr id="78" name="CustomShape 1"/>
+          <p:cNvPr id="75" name="CustomShape 1"/>
           <p:cNvSpPr/>
           <p:nvPr/>
         </p:nvSpPr>
         <p:spPr>
           <a:xfrm>
             <a:off x="652320" y="276480"/>
-            <a:ext cx="2448000" cy="1007640"/>
+            <a:ext cx="2447640" cy="1007280"/>
           </a:xfrm>
           <a:prstGeom prst="rect">
             <a:avLst/>
@@ -2391,7 +2251,7 @@
           <a:fontRef idx="minor"/>
         </p:style>
         <p:txBody>
-          <a:bodyPr anchor="ctr">
+          <a:bodyPr lIns="90000" rIns="90000" tIns="45000" bIns="45000" anchor="ctr">
             <a:normAutofit/>
           </a:bodyPr>
           <a:p>
@@ -2411,6 +2271,7 @@
                   </a:solidFill>
                 </a:uFill>
                 <a:latin typeface="Century Gothic"/>
+                <a:ea typeface="DejaVu Sans"/>
               </a:rPr>
               <a:t>Desenvolvimento</a:t>
             </a:r>
@@ -2430,14 +2291,14 @@
       </p:sp>
       <p:sp>
         <p:nvSpPr>
-          <p:cNvPr id="79" name="TextShape 2"/>
-          <p:cNvSpPr txBox="1"/>
+          <p:cNvPr id="76" name="CustomShape 2"/>
+          <p:cNvSpPr/>
           <p:nvPr/>
         </p:nvSpPr>
         <p:spPr>
           <a:xfrm>
             <a:off x="652320" y="1816560"/>
-            <a:ext cx="7948080" cy="4355280"/>
+            <a:ext cx="7947720" cy="4354920"/>
           </a:xfrm>
           <a:prstGeom prst="rect">
             <a:avLst/>
@@ -2447,8 +2308,14 @@
             <a:noFill/>
           </a:ln>
         </p:spPr>
+        <p:style>
+          <a:lnRef idx="0"/>
+          <a:fillRef idx="0"/>
+          <a:effectRef idx="0"/>
+          <a:fontRef idx="minor"/>
+        </p:style>
         <p:txBody>
-          <a:bodyPr/>
+          <a:bodyPr lIns="90000" rIns="90000" tIns="45000" bIns="45000"/>
           <a:p>
             <a:pPr algn="just">
               <a:lnSpc>
@@ -2506,7 +2373,7 @@
             </a:endParaRPr>
           </a:p>
           <a:p>
-            <a:pPr marL="216000" indent="-215640" algn="just">
+            <a:pPr marL="216000" indent="-215280" algn="just">
               <a:lnSpc>
                 <a:spcPct val="100000"/>
               </a:lnSpc>
@@ -2547,7 +2414,7 @@
             </a:endParaRPr>
           </a:p>
           <a:p>
-            <a:pPr marL="216000" indent="-215640" algn="just">
+            <a:pPr marL="216000" indent="-215280" algn="just">
               <a:lnSpc>
                 <a:spcPct val="100000"/>
               </a:lnSpc>
@@ -2610,6 +2477,144 @@
           </a:p>
         </p:txBody>
       </p:sp>
+      <p:pic>
+        <p:nvPicPr>
+          <p:cNvPr id="77" name="" descr=""/>
+          <p:cNvPicPr/>
+          <p:nvPr/>
+        </p:nvPicPr>
+        <p:blipFill>
+          <a:blip r:embed="rId3"/>
+          <a:stretch/>
+        </p:blipFill>
+        <p:spPr>
+          <a:xfrm>
+            <a:off x="144000" y="4406400"/>
+            <a:ext cx="2304000" cy="1209600"/>
+          </a:xfrm>
+          <a:prstGeom prst="rect">
+            <a:avLst/>
+          </a:prstGeom>
+          <a:ln>
+            <a:noFill/>
+          </a:ln>
+        </p:spPr>
+      </p:pic>
+      <p:pic>
+        <p:nvPicPr>
+          <p:cNvPr id="78" name="" descr=""/>
+          <p:cNvPicPr/>
+          <p:nvPr/>
+        </p:nvPicPr>
+        <p:blipFill>
+          <a:blip r:embed="rId4"/>
+          <a:stretch/>
+        </p:blipFill>
+        <p:spPr>
+          <a:xfrm>
+            <a:off x="177840" y="5714640"/>
+            <a:ext cx="3278160" cy="909360"/>
+          </a:xfrm>
+          <a:prstGeom prst="rect">
+            <a:avLst/>
+          </a:prstGeom>
+          <a:ln>
+            <a:noFill/>
+          </a:ln>
+        </p:spPr>
+      </p:pic>
+      <p:pic>
+        <p:nvPicPr>
+          <p:cNvPr id="79" name="" descr=""/>
+          <p:cNvPicPr/>
+          <p:nvPr/>
+        </p:nvPicPr>
+        <p:blipFill>
+          <a:blip r:embed="rId5"/>
+          <a:stretch/>
+        </p:blipFill>
+        <p:spPr>
+          <a:xfrm>
+            <a:off x="3672000" y="5616000"/>
+            <a:ext cx="2588760" cy="1007640"/>
+          </a:xfrm>
+          <a:prstGeom prst="rect">
+            <a:avLst/>
+          </a:prstGeom>
+          <a:ln>
+            <a:noFill/>
+          </a:ln>
+        </p:spPr>
+      </p:pic>
+      <p:pic>
+        <p:nvPicPr>
+          <p:cNvPr id="80" name="" descr=""/>
+          <p:cNvPicPr/>
+          <p:nvPr/>
+        </p:nvPicPr>
+        <p:blipFill>
+          <a:blip r:embed="rId6"/>
+          <a:stretch/>
+        </p:blipFill>
+        <p:spPr>
+          <a:xfrm>
+            <a:off x="3157560" y="4392000"/>
+            <a:ext cx="3970440" cy="1055880"/>
+          </a:xfrm>
+          <a:prstGeom prst="rect">
+            <a:avLst/>
+          </a:prstGeom>
+          <a:ln>
+            <a:noFill/>
+          </a:ln>
+        </p:spPr>
+      </p:pic>
+      <p:pic>
+        <p:nvPicPr>
+          <p:cNvPr id="81" name="" descr=""/>
+          <p:cNvPicPr/>
+          <p:nvPr/>
+        </p:nvPicPr>
+        <p:blipFill>
+          <a:blip r:embed="rId7"/>
+          <a:stretch/>
+        </p:blipFill>
+        <p:spPr>
+          <a:xfrm>
+            <a:off x="7049880" y="5616000"/>
+            <a:ext cx="2094120" cy="1046880"/>
+          </a:xfrm>
+          <a:prstGeom prst="rect">
+            <a:avLst/>
+          </a:prstGeom>
+          <a:ln>
+            <a:noFill/>
+          </a:ln>
+        </p:spPr>
+      </p:pic>
+      <p:pic>
+        <p:nvPicPr>
+          <p:cNvPr id="82" name="" descr=""/>
+          <p:cNvPicPr/>
+          <p:nvPr/>
+        </p:nvPicPr>
+        <p:blipFill>
+          <a:blip r:embed="rId8"/>
+          <a:stretch/>
+        </p:blipFill>
+        <p:spPr>
+          <a:xfrm>
+            <a:off x="7344000" y="3960000"/>
+            <a:ext cx="1382760" cy="1382760"/>
+          </a:xfrm>
+          <a:prstGeom prst="rect">
+            <a:avLst/>
+          </a:prstGeom>
+          <a:ln>
+            <a:noFill/>
+          </a:ln>
+        </p:spPr>
+      </p:pic>
     </p:spTree>
   </p:cSld>
   <p:timing>
@@ -2661,7 +2666,7 @@
       </p:grpSpPr>
       <p:pic>
         <p:nvPicPr>
-          <p:cNvPr id="80" name="Imagem 2" descr=""/>
+          <p:cNvPr id="83" name="Imagem 2" descr=""/>
           <p:cNvPicPr/>
           <p:nvPr/>
         </p:nvPicPr>
@@ -2671,8 +2676,8 @@
         </p:blipFill>
         <p:spPr>
           <a:xfrm>
-            <a:off x="360" y="-48240"/>
-            <a:ext cx="9143640" cy="6941880"/>
+            <a:off x="0" y="-48240"/>
+            <a:ext cx="9143280" cy="6941520"/>
           </a:xfrm>
           <a:prstGeom prst="rect">
             <a:avLst/>
@@ -2684,7 +2689,7 @@
       </p:pic>
       <p:pic>
         <p:nvPicPr>
-          <p:cNvPr id="81" name="Picture 2" descr=""/>
+          <p:cNvPr id="84" name="Picture 2" descr=""/>
           <p:cNvPicPr/>
           <p:nvPr/>
         </p:nvPicPr>
@@ -2695,7 +2700,7 @@
         <p:spPr>
           <a:xfrm>
             <a:off x="6255360" y="68760"/>
-            <a:ext cx="2749320" cy="1423080"/>
+            <a:ext cx="2748960" cy="1422720"/>
           </a:xfrm>
           <a:prstGeom prst="rect">
             <a:avLst/>
@@ -2707,14 +2712,14 @@
       </p:pic>
       <p:sp>
         <p:nvSpPr>
-          <p:cNvPr id="82" name="CustomShape 1"/>
+          <p:cNvPr id="85" name="CustomShape 1"/>
           <p:cNvSpPr/>
           <p:nvPr/>
         </p:nvSpPr>
         <p:spPr>
           <a:xfrm>
             <a:off x="652320" y="276480"/>
-            <a:ext cx="2448000" cy="1007640"/>
+            <a:ext cx="2447640" cy="1007280"/>
           </a:xfrm>
           <a:prstGeom prst="rect">
             <a:avLst/>
@@ -2731,7 +2736,7 @@
           <a:fontRef idx="minor"/>
         </p:style>
         <p:txBody>
-          <a:bodyPr anchor="ctr">
+          <a:bodyPr lIns="90000" rIns="90000" tIns="45000" bIns="45000" anchor="ctr">
             <a:normAutofit/>
           </a:bodyPr>
           <a:p>
@@ -2751,6 +2756,7 @@
                   </a:solidFill>
                 </a:uFill>
                 <a:latin typeface="Century Gothic"/>
+                <a:ea typeface="DejaVu Sans"/>
               </a:rPr>
               <a:t>Desenvolvimento</a:t>
             </a:r>
@@ -2768,130 +2774,9 @@
           </a:p>
         </p:txBody>
       </p:sp>
-      <p:sp>
-        <p:nvSpPr>
-          <p:cNvPr id="83" name="TextShape 2"/>
-          <p:cNvSpPr txBox="1"/>
-          <p:nvPr/>
-        </p:nvSpPr>
-        <p:spPr>
-          <a:xfrm>
-            <a:off x="652320" y="1816560"/>
-            <a:ext cx="7948080" cy="4355280"/>
-          </a:xfrm>
-          <a:prstGeom prst="rect">
-            <a:avLst/>
-          </a:prstGeom>
-          <a:noFill/>
-          <a:ln>
-            <a:noFill/>
-          </a:ln>
-        </p:spPr>
-        <p:txBody>
-          <a:bodyPr/>
-          <a:p>
-            <a:pPr algn="ctr">
-              <a:lnSpc>
-                <a:spcPct val="100000"/>
-              </a:lnSpc>
-              <a:spcBef>
-                <a:spcPts val="479"/>
-              </a:spcBef>
-            </a:pPr>
-            <a:r>
-              <a:rPr b="0" lang="pt-BR" sz="2400" spc="-1" strike="noStrike">
-                <a:solidFill>
-                  <a:srgbClr val="ffffff"/>
-                </a:solidFill>
-                <a:uFill>
-                  <a:solidFill>
-                    <a:srgbClr val="ffffff"/>
-                  </a:solidFill>
-                </a:uFill>
-                <a:latin typeface="Calibri"/>
-              </a:rPr>
-              <a:t>JavaEE ou Java Enterprise Edition</a:t>
-            </a:r>
-            <a:endParaRPr b="0" lang="pt-BR" sz="2400" spc="-1" strike="noStrike">
-              <a:solidFill>
-                <a:srgbClr val="000000"/>
-              </a:solidFill>
-              <a:uFill>
-                <a:solidFill>
-                  <a:srgbClr val="ffffff"/>
-                </a:solidFill>
-              </a:uFill>
-              <a:latin typeface="Arial"/>
-            </a:endParaRPr>
-          </a:p>
-          <a:p>
-            <a:pPr algn="ctr">
-              <a:lnSpc>
-                <a:spcPct val="100000"/>
-              </a:lnSpc>
-              <a:spcBef>
-                <a:spcPts val="479"/>
-              </a:spcBef>
-            </a:pPr>
-            <a:endParaRPr b="0" lang="pt-BR" sz="2400" spc="-1" strike="noStrike">
-              <a:solidFill>
-                <a:srgbClr val="000000"/>
-              </a:solidFill>
-              <a:uFill>
-                <a:solidFill>
-                  <a:srgbClr val="ffffff"/>
-                </a:solidFill>
-              </a:uFill>
-              <a:latin typeface="Arial"/>
-            </a:endParaRPr>
-          </a:p>
-          <a:p>
-            <a:pPr>
-              <a:lnSpc>
-                <a:spcPct val="100000"/>
-              </a:lnSpc>
-              <a:spcBef>
-                <a:spcPts val="479"/>
-              </a:spcBef>
-            </a:pPr>
-            <a:endParaRPr b="0" lang="pt-BR" sz="2400" spc="-1" strike="noStrike">
-              <a:solidFill>
-                <a:srgbClr val="000000"/>
-              </a:solidFill>
-              <a:uFill>
-                <a:solidFill>
-                  <a:srgbClr val="ffffff"/>
-                </a:solidFill>
-              </a:uFill>
-              <a:latin typeface="Arial"/>
-            </a:endParaRPr>
-          </a:p>
-          <a:p>
-            <a:pPr algn="just">
-              <a:lnSpc>
-                <a:spcPct val="100000"/>
-              </a:lnSpc>
-              <a:spcBef>
-                <a:spcPts val="1001"/>
-              </a:spcBef>
-            </a:pPr>
-            <a:endParaRPr b="0" lang="pt-BR" sz="2400" spc="-1" strike="noStrike">
-              <a:solidFill>
-                <a:srgbClr val="000000"/>
-              </a:solidFill>
-              <a:uFill>
-                <a:solidFill>
-                  <a:srgbClr val="ffffff"/>
-                </a:solidFill>
-              </a:uFill>
-              <a:latin typeface="Arial"/>
-            </a:endParaRPr>
-          </a:p>
-        </p:txBody>
-      </p:sp>
       <p:pic>
         <p:nvPicPr>
-          <p:cNvPr id="84" name="" descr=""/>
+          <p:cNvPr id="86" name="Imagem 6" descr=""/>
           <p:cNvPicPr/>
           <p:nvPr/>
         </p:nvPicPr>
@@ -2901,8 +2786,8 @@
         </p:blipFill>
         <p:spPr>
           <a:xfrm>
-            <a:off x="2736000" y="2262600"/>
-            <a:ext cx="3600000" cy="1890000"/>
+            <a:off x="775800" y="1660680"/>
+            <a:ext cx="6998760" cy="3775680"/>
           </a:xfrm>
           <a:prstGeom prst="rect">
             <a:avLst/>
@@ -2963,7 +2848,7 @@
       </p:grpSpPr>
       <p:pic>
         <p:nvPicPr>
-          <p:cNvPr id="85" name="Imagem 2" descr=""/>
+          <p:cNvPr id="87" name="Imagem 2" descr=""/>
           <p:cNvPicPr/>
           <p:nvPr/>
         </p:nvPicPr>
@@ -2973,8 +2858,8 @@
         </p:blipFill>
         <p:spPr>
           <a:xfrm>
-            <a:off x="360" y="-48240"/>
-            <a:ext cx="9143640" cy="6941880"/>
+            <a:off x="0" y="-48240"/>
+            <a:ext cx="9143280" cy="6941520"/>
           </a:xfrm>
           <a:prstGeom prst="rect">
             <a:avLst/>
@@ -2986,7 +2871,7 @@
       </p:pic>
       <p:pic>
         <p:nvPicPr>
-          <p:cNvPr id="86" name="Picture 2" descr=""/>
+          <p:cNvPr id="88" name="Picture 2" descr=""/>
           <p:cNvPicPr/>
           <p:nvPr/>
         </p:nvPicPr>
@@ -2997,7 +2882,7 @@
         <p:spPr>
           <a:xfrm>
             <a:off x="6255360" y="68760"/>
-            <a:ext cx="2749320" cy="1423080"/>
+            <a:ext cx="2748960" cy="1422720"/>
           </a:xfrm>
           <a:prstGeom prst="rect">
             <a:avLst/>
@@ -3009,14 +2894,14 @@
       </p:pic>
       <p:sp>
         <p:nvSpPr>
-          <p:cNvPr id="87" name="CustomShape 1"/>
+          <p:cNvPr id="89" name="CustomShape 1"/>
           <p:cNvSpPr/>
           <p:nvPr/>
         </p:nvSpPr>
         <p:spPr>
           <a:xfrm>
             <a:off x="652320" y="276480"/>
-            <a:ext cx="2448000" cy="1007640"/>
+            <a:ext cx="2447640" cy="1007280"/>
           </a:xfrm>
           <a:prstGeom prst="rect">
             <a:avLst/>
@@ -3033,7 +2918,7 @@
           <a:fontRef idx="minor"/>
         </p:style>
         <p:txBody>
-          <a:bodyPr anchor="ctr">
+          <a:bodyPr lIns="90000" rIns="90000" tIns="45000" bIns="45000" anchor="ctr">
             <a:normAutofit/>
           </a:bodyPr>
           <a:p>
@@ -3053,6 +2938,7 @@
                   </a:solidFill>
                 </a:uFill>
                 <a:latin typeface="Century Gothic"/>
+                <a:ea typeface="DejaVu Sans"/>
               </a:rPr>
               <a:t>Desenvolvimento</a:t>
             </a:r>
@@ -3070,130 +2956,9 @@
           </a:p>
         </p:txBody>
       </p:sp>
-      <p:sp>
-        <p:nvSpPr>
-          <p:cNvPr id="88" name="TextShape 2"/>
-          <p:cNvSpPr txBox="1"/>
-          <p:nvPr/>
-        </p:nvSpPr>
-        <p:spPr>
-          <a:xfrm>
-            <a:off x="652320" y="1816560"/>
-            <a:ext cx="7948080" cy="4355280"/>
-          </a:xfrm>
-          <a:prstGeom prst="rect">
-            <a:avLst/>
-          </a:prstGeom>
-          <a:noFill/>
-          <a:ln>
-            <a:noFill/>
-          </a:ln>
-        </p:spPr>
-        <p:txBody>
-          <a:bodyPr/>
-          <a:p>
-            <a:pPr algn="ctr">
-              <a:lnSpc>
-                <a:spcPct val="100000"/>
-              </a:lnSpc>
-              <a:spcBef>
-                <a:spcPts val="479"/>
-              </a:spcBef>
-            </a:pPr>
-            <a:r>
-              <a:rPr b="0" lang="pt-BR" sz="2400" spc="-1" strike="noStrike">
-                <a:solidFill>
-                  <a:srgbClr val="ffffff"/>
-                </a:solidFill>
-                <a:uFill>
-                  <a:solidFill>
-                    <a:srgbClr val="ffffff"/>
-                  </a:solidFill>
-                </a:uFill>
-                <a:latin typeface="Calibri"/>
-              </a:rPr>
-              <a:t>JPA: Java Persistence Api </a:t>
-            </a:r>
-            <a:endParaRPr b="0" lang="pt-BR" sz="2400" spc="-1" strike="noStrike">
-              <a:solidFill>
-                <a:srgbClr val="000000"/>
-              </a:solidFill>
-              <a:uFill>
-                <a:solidFill>
-                  <a:srgbClr val="ffffff"/>
-                </a:solidFill>
-              </a:uFill>
-              <a:latin typeface="Arial"/>
-            </a:endParaRPr>
-          </a:p>
-          <a:p>
-            <a:pPr algn="ctr">
-              <a:lnSpc>
-                <a:spcPct val="100000"/>
-              </a:lnSpc>
-              <a:spcBef>
-                <a:spcPts val="479"/>
-              </a:spcBef>
-            </a:pPr>
-            <a:endParaRPr b="0" lang="pt-BR" sz="2400" spc="-1" strike="noStrike">
-              <a:solidFill>
-                <a:srgbClr val="000000"/>
-              </a:solidFill>
-              <a:uFill>
-                <a:solidFill>
-                  <a:srgbClr val="ffffff"/>
-                </a:solidFill>
-              </a:uFill>
-              <a:latin typeface="Arial"/>
-            </a:endParaRPr>
-          </a:p>
-          <a:p>
-            <a:pPr>
-              <a:lnSpc>
-                <a:spcPct val="100000"/>
-              </a:lnSpc>
-              <a:spcBef>
-                <a:spcPts val="479"/>
-              </a:spcBef>
-            </a:pPr>
-            <a:endParaRPr b="0" lang="pt-BR" sz="2400" spc="-1" strike="noStrike">
-              <a:solidFill>
-                <a:srgbClr val="000000"/>
-              </a:solidFill>
-              <a:uFill>
-                <a:solidFill>
-                  <a:srgbClr val="ffffff"/>
-                </a:solidFill>
-              </a:uFill>
-              <a:latin typeface="Arial"/>
-            </a:endParaRPr>
-          </a:p>
-          <a:p>
-            <a:pPr algn="just">
-              <a:lnSpc>
-                <a:spcPct val="100000"/>
-              </a:lnSpc>
-              <a:spcBef>
-                <a:spcPts val="1001"/>
-              </a:spcBef>
-            </a:pPr>
-            <a:endParaRPr b="0" lang="pt-BR" sz="2400" spc="-1" strike="noStrike">
-              <a:solidFill>
-                <a:srgbClr val="000000"/>
-              </a:solidFill>
-              <a:uFill>
-                <a:solidFill>
-                  <a:srgbClr val="ffffff"/>
-                </a:solidFill>
-              </a:uFill>
-              <a:latin typeface="Arial"/>
-            </a:endParaRPr>
-          </a:p>
-        </p:txBody>
-      </p:sp>
       <p:pic>
         <p:nvPicPr>
-          <p:cNvPr id="89" name="" descr=""/>
+          <p:cNvPr id="90" name="Imagem 6" descr=""/>
           <p:cNvPicPr/>
           <p:nvPr/>
         </p:nvPicPr>
@@ -3203,8 +2968,8 @@
         </p:blipFill>
         <p:spPr>
           <a:xfrm>
-            <a:off x="1512000" y="2376000"/>
-            <a:ext cx="6158520" cy="1708920"/>
+            <a:off x="782640" y="1739880"/>
+            <a:ext cx="6597720" cy="4313160"/>
           </a:xfrm>
           <a:prstGeom prst="rect">
             <a:avLst/>
@@ -3265,7 +3030,7 @@
       </p:grpSpPr>
       <p:pic>
         <p:nvPicPr>
-          <p:cNvPr id="90" name="Imagem 2" descr=""/>
+          <p:cNvPr id="91" name="Imagem 2" descr=""/>
           <p:cNvPicPr/>
           <p:nvPr/>
         </p:nvPicPr>
@@ -3275,8 +3040,8 @@
         </p:blipFill>
         <p:spPr>
           <a:xfrm>
-            <a:off x="360" y="-48240"/>
-            <a:ext cx="9143640" cy="6941880"/>
+            <a:off x="0" y="-48240"/>
+            <a:ext cx="9143280" cy="6941520"/>
           </a:xfrm>
           <a:prstGeom prst="rect">
             <a:avLst/>
@@ -3288,7 +3053,7 @@
       </p:pic>
       <p:pic>
         <p:nvPicPr>
-          <p:cNvPr id="91" name="Picture 2" descr=""/>
+          <p:cNvPr id="92" name="Picture 2" descr=""/>
           <p:cNvPicPr/>
           <p:nvPr/>
         </p:nvPicPr>
@@ -3299,7 +3064,7 @@
         <p:spPr>
           <a:xfrm>
             <a:off x="6255360" y="68760"/>
-            <a:ext cx="2749320" cy="1423080"/>
+            <a:ext cx="2748960" cy="1422720"/>
           </a:xfrm>
           <a:prstGeom prst="rect">
             <a:avLst/>
@@ -3311,14 +3076,14 @@
       </p:pic>
       <p:sp>
         <p:nvSpPr>
-          <p:cNvPr id="92" name="CustomShape 1"/>
+          <p:cNvPr id="93" name="CustomShape 1"/>
           <p:cNvSpPr/>
           <p:nvPr/>
         </p:nvSpPr>
         <p:spPr>
           <a:xfrm>
             <a:off x="652320" y="276480"/>
-            <a:ext cx="2448000" cy="1007640"/>
+            <a:ext cx="2447640" cy="1007280"/>
           </a:xfrm>
           <a:prstGeom prst="rect">
             <a:avLst/>
@@ -3335,7 +3100,7 @@
           <a:fontRef idx="minor"/>
         </p:style>
         <p:txBody>
-          <a:bodyPr anchor="ctr">
+          <a:bodyPr lIns="90000" rIns="90000" tIns="45000" bIns="45000" anchor="ctr">
             <a:normAutofit/>
           </a:bodyPr>
           <a:p>
@@ -3355,6 +3120,7 @@
                   </a:solidFill>
                 </a:uFill>
                 <a:latin typeface="Century Gothic"/>
+                <a:ea typeface="DejaVu Sans"/>
               </a:rPr>
               <a:t>Desenvolvimento</a:t>
             </a:r>
@@ -3372,151 +3138,9 @@
           </a:p>
         </p:txBody>
       </p:sp>
-      <p:sp>
-        <p:nvSpPr>
-          <p:cNvPr id="93" name="TextShape 2"/>
-          <p:cNvSpPr txBox="1"/>
-          <p:nvPr/>
-        </p:nvSpPr>
-        <p:spPr>
-          <a:xfrm>
-            <a:off x="652320" y="1816560"/>
-            <a:ext cx="7948080" cy="4355280"/>
-          </a:xfrm>
-          <a:prstGeom prst="rect">
-            <a:avLst/>
-          </a:prstGeom>
-          <a:noFill/>
-          <a:ln>
-            <a:noFill/>
-          </a:ln>
-        </p:spPr>
-        <p:txBody>
-          <a:bodyPr/>
-          <a:p>
-            <a:pPr algn="ctr">
-              <a:lnSpc>
-                <a:spcPct val="100000"/>
-              </a:lnSpc>
-              <a:spcBef>
-                <a:spcPts val="479"/>
-              </a:spcBef>
-            </a:pPr>
-            <a:r>
-              <a:rPr b="0" lang="pt-BR" sz="2400" spc="-1" strike="noStrike">
-                <a:solidFill>
-                  <a:srgbClr val="ffffff"/>
-                </a:solidFill>
-                <a:uFill>
-                  <a:solidFill>
-                    <a:srgbClr val="ffffff"/>
-                  </a:solidFill>
-                </a:uFill>
-                <a:latin typeface="Calibri"/>
-              </a:rPr>
-              <a:t>JAX-RS</a:t>
-            </a:r>
-            <a:endParaRPr b="0" lang="pt-BR" sz="2400" spc="-1" strike="noStrike">
-              <a:solidFill>
-                <a:srgbClr val="000000"/>
-              </a:solidFill>
-              <a:uFill>
-                <a:solidFill>
-                  <a:srgbClr val="ffffff"/>
-                </a:solidFill>
-              </a:uFill>
-              <a:latin typeface="Arial"/>
-            </a:endParaRPr>
-          </a:p>
-          <a:p>
-            <a:pPr algn="ctr">
-              <a:lnSpc>
-                <a:spcPct val="100000"/>
-              </a:lnSpc>
-              <a:spcBef>
-                <a:spcPts val="479"/>
-              </a:spcBef>
-            </a:pPr>
-            <a:endParaRPr b="0" lang="pt-BR" sz="2400" spc="-1" strike="noStrike">
-              <a:solidFill>
-                <a:srgbClr val="000000"/>
-              </a:solidFill>
-              <a:uFill>
-                <a:solidFill>
-                  <a:srgbClr val="ffffff"/>
-                </a:solidFill>
-              </a:uFill>
-              <a:latin typeface="Arial"/>
-            </a:endParaRPr>
-          </a:p>
-          <a:p>
-            <a:pPr algn="ctr">
-              <a:lnSpc>
-                <a:spcPct val="100000"/>
-              </a:lnSpc>
-              <a:spcBef>
-                <a:spcPts val="479"/>
-              </a:spcBef>
-            </a:pPr>
-            <a:endParaRPr b="0" lang="pt-BR" sz="2400" spc="-1" strike="noStrike">
-              <a:solidFill>
-                <a:srgbClr val="000000"/>
-              </a:solidFill>
-              <a:uFill>
-                <a:solidFill>
-                  <a:srgbClr val="ffffff"/>
-                </a:solidFill>
-              </a:uFill>
-              <a:latin typeface="Arial"/>
-            </a:endParaRPr>
-          </a:p>
-          <a:p>
-            <a:pPr>
-              <a:lnSpc>
-                <a:spcPct val="100000"/>
-              </a:lnSpc>
-              <a:spcBef>
-                <a:spcPts val="479"/>
-              </a:spcBef>
-            </a:pPr>
-            <a:endParaRPr b="0" lang="pt-BR" sz="2400" spc="-1" strike="noStrike">
-              <a:solidFill>
-                <a:srgbClr val="000000"/>
-              </a:solidFill>
-              <a:uFill>
-                <a:solidFill>
-                  <a:srgbClr val="ffffff"/>
-                </a:solidFill>
-              </a:uFill>
-              <a:latin typeface="Arial"/>
-            </a:endParaRPr>
-          </a:p>
-          <a:p>
-            <a:pPr algn="just">
-              <a:lnSpc>
-                <a:spcPct val="100000"/>
-              </a:lnSpc>
-              <a:spcBef>
-                <a:spcPts val="1001"/>
-              </a:spcBef>
-            </a:pPr>
-            <a:endParaRPr b="0" lang="pt-BR" sz="2400" spc="-1" strike="noStrike">
-              <a:solidFill>
-                <a:srgbClr val="000000"/>
-              </a:solidFill>
-              <a:uFill>
-                <a:solidFill>
-                  <a:srgbClr val="ffffff"/>
-                </a:solidFill>
-              </a:uFill>
-              <a:latin typeface="Arial"/>
-            </a:endParaRPr>
-          </a:p>
-        </p:txBody>
-      </p:sp>
       <p:pic>
         <p:nvPicPr>
-          <p:cNvPr id="94" name="" descr=""/>
+          <p:cNvPr id="94" name="Imagem 8" descr=""/>
           <p:cNvPicPr/>
           <p:nvPr/>
         </p:nvPicPr>
@@ -3526,8 +3150,8 @@
         </p:blipFill>
         <p:spPr>
           <a:xfrm>
-            <a:off x="2322000" y="2304000"/>
-            <a:ext cx="4623840" cy="1800000"/>
+            <a:off x="718560" y="1606680"/>
+            <a:ext cx="6357240" cy="5172120"/>
           </a:xfrm>
           <a:prstGeom prst="rect">
             <a:avLst/>
@@ -3598,8 +3222,8 @@
         </p:blipFill>
         <p:spPr>
           <a:xfrm>
-            <a:off x="360" y="-48240"/>
-            <a:ext cx="9143640" cy="6941880"/>
+            <a:off x="0" y="-48240"/>
+            <a:ext cx="9143280" cy="6941520"/>
           </a:xfrm>
           <a:prstGeom prst="rect">
             <a:avLst/>
@@ -3622,7 +3246,7 @@
         <p:spPr>
           <a:xfrm>
             <a:off x="6255360" y="68760"/>
-            <a:ext cx="2749320" cy="1423080"/>
+            <a:ext cx="2748960" cy="1422720"/>
           </a:xfrm>
           <a:prstGeom prst="rect">
             <a:avLst/>
@@ -3641,7 +3265,7 @@
         <p:spPr>
           <a:xfrm>
             <a:off x="652320" y="276480"/>
-            <a:ext cx="2448000" cy="1007640"/>
+            <a:ext cx="2447640" cy="1007280"/>
           </a:xfrm>
           <a:prstGeom prst="rect">
             <a:avLst/>
@@ -3658,7 +3282,7 @@
           <a:fontRef idx="minor"/>
         </p:style>
         <p:txBody>
-          <a:bodyPr anchor="ctr">
+          <a:bodyPr lIns="90000" rIns="90000" tIns="45000" bIns="45000" anchor="ctr">
             <a:normAutofit/>
           </a:bodyPr>
           <a:p>
@@ -3678,8 +3302,9 @@
                   </a:solidFill>
                 </a:uFill>
                 <a:latin typeface="Century Gothic"/>
+                <a:ea typeface="DejaVu Sans"/>
               </a:rPr>
-              <a:t>Desenvolvimento</a:t>
+              <a:t>Considerações Finais</a:t>
             </a:r>
             <a:endParaRPr b="0" lang="pt-BR" sz="1400" spc="-1" strike="noStrike">
               <a:solidFill>
@@ -3697,14 +3322,14 @@
       </p:sp>
       <p:sp>
         <p:nvSpPr>
-          <p:cNvPr id="98" name="TextShape 2"/>
-          <p:cNvSpPr txBox="1"/>
+          <p:cNvPr id="98" name="CustomShape 2"/>
+          <p:cNvSpPr/>
           <p:nvPr/>
         </p:nvSpPr>
         <p:spPr>
           <a:xfrm>
-            <a:off x="652320" y="1816560"/>
-            <a:ext cx="7948080" cy="4355280"/>
+            <a:off x="652320" y="2131920"/>
+            <a:ext cx="7947720" cy="3914280"/>
           </a:xfrm>
           <a:prstGeom prst="rect">
             <a:avLst/>
@@ -3714,15 +3339,21 @@
             <a:noFill/>
           </a:ln>
         </p:spPr>
+        <p:style>
+          <a:lnRef idx="0"/>
+          <a:fillRef idx="0"/>
+          <a:effectRef idx="0"/>
+          <a:fontRef idx="minor"/>
+        </p:style>
         <p:txBody>
-          <a:bodyPr/>
-          <a:p>
-            <a:pPr algn="ctr">
+          <a:bodyPr lIns="90000" rIns="90000" tIns="45000" bIns="45000"/>
+          <a:p>
+            <a:pPr algn="just">
               <a:lnSpc>
                 <a:spcPct val="100000"/>
               </a:lnSpc>
               <a:spcBef>
-                <a:spcPts val="479"/>
+                <a:spcPts val="1001"/>
               </a:spcBef>
             </a:pPr>
             <a:r>
@@ -3737,71 +3368,8 @@
                 </a:uFill>
                 <a:latin typeface="Calibri"/>
               </a:rPr>
-              <a:t>JAVASCRIPT: AngularJS</a:t>
+              <a:t>O projeto está em fase de desenvolvimento, e de acordo com o andamento do cronograma e conclusão das etapas propostas, o grupo está cumprindo as metas para entrega ao cliente.</a:t>
             </a:r>
-            <a:endParaRPr b="0" lang="pt-BR" sz="2400" spc="-1" strike="noStrike">
-              <a:solidFill>
-                <a:srgbClr val="000000"/>
-              </a:solidFill>
-              <a:uFill>
-                <a:solidFill>
-                  <a:srgbClr val="ffffff"/>
-                </a:solidFill>
-              </a:uFill>
-              <a:latin typeface="Arial"/>
-            </a:endParaRPr>
-          </a:p>
-          <a:p>
-            <a:pPr algn="ctr">
-              <a:lnSpc>
-                <a:spcPct val="100000"/>
-              </a:lnSpc>
-              <a:spcBef>
-                <a:spcPts val="479"/>
-              </a:spcBef>
-            </a:pPr>
-            <a:endParaRPr b="0" lang="pt-BR" sz="2400" spc="-1" strike="noStrike">
-              <a:solidFill>
-                <a:srgbClr val="000000"/>
-              </a:solidFill>
-              <a:uFill>
-                <a:solidFill>
-                  <a:srgbClr val="ffffff"/>
-                </a:solidFill>
-              </a:uFill>
-              <a:latin typeface="Arial"/>
-            </a:endParaRPr>
-          </a:p>
-          <a:p>
-            <a:pPr algn="ctr">
-              <a:lnSpc>
-                <a:spcPct val="100000"/>
-              </a:lnSpc>
-              <a:spcBef>
-                <a:spcPts val="479"/>
-              </a:spcBef>
-            </a:pPr>
-            <a:endParaRPr b="0" lang="pt-BR" sz="2400" spc="-1" strike="noStrike">
-              <a:solidFill>
-                <a:srgbClr val="000000"/>
-              </a:solidFill>
-              <a:uFill>
-                <a:solidFill>
-                  <a:srgbClr val="ffffff"/>
-                </a:solidFill>
-              </a:uFill>
-              <a:latin typeface="Arial"/>
-            </a:endParaRPr>
-          </a:p>
-          <a:p>
-            <a:pPr>
-              <a:lnSpc>
-                <a:spcPct val="100000"/>
-              </a:lnSpc>
-              <a:spcBef>
-                <a:spcPts val="479"/>
-              </a:spcBef>
-            </a:pPr>
             <a:endParaRPr b="0" lang="pt-BR" sz="2400" spc="-1" strike="noStrike">
               <a:solidFill>
                 <a:srgbClr val="000000"/>
@@ -3837,29 +3405,6 @@
           </a:p>
         </p:txBody>
       </p:sp>
-      <p:pic>
-        <p:nvPicPr>
-          <p:cNvPr id="99" name="" descr=""/>
-          <p:cNvPicPr/>
-          <p:nvPr/>
-        </p:nvPicPr>
-        <p:blipFill>
-          <a:blip r:embed="rId3"/>
-          <a:stretch/>
-        </p:blipFill>
-        <p:spPr>
-          <a:xfrm>
-            <a:off x="576000" y="2304000"/>
-            <a:ext cx="7427160" cy="1975320"/>
-          </a:xfrm>
-          <a:prstGeom prst="rect">
-            <a:avLst/>
-          </a:prstGeom>
-          <a:ln>
-            <a:noFill/>
-          </a:ln>
-        </p:spPr>
-      </p:pic>
     </p:spTree>
   </p:cSld>
   <p:timing>
@@ -3911,7 +3456,7 @@
       </p:grpSpPr>
       <p:pic>
         <p:nvPicPr>
-          <p:cNvPr id="100" name="Imagem 2" descr=""/>
+          <p:cNvPr id="99" name="Imagem 2" descr=""/>
           <p:cNvPicPr/>
           <p:nvPr/>
         </p:nvPicPr>
@@ -3922,7 +3467,7 @@
         <p:spPr>
           <a:xfrm>
             <a:off x="0" y="-48240"/>
-            <a:ext cx="9143640" cy="6941880"/>
+            <a:ext cx="9143280" cy="6941520"/>
           </a:xfrm>
           <a:prstGeom prst="rect">
             <a:avLst/>
@@ -3934,7 +3479,7 @@
       </p:pic>
       <p:pic>
         <p:nvPicPr>
-          <p:cNvPr id="101" name="Picture 2" descr=""/>
+          <p:cNvPr id="100" name="Picture 2" descr=""/>
           <p:cNvPicPr/>
           <p:nvPr/>
         </p:nvPicPr>
@@ -3945,7 +3490,7 @@
         <p:spPr>
           <a:xfrm>
             <a:off x="6255360" y="68760"/>
-            <a:ext cx="2749320" cy="1423080"/>
+            <a:ext cx="2748960" cy="1422720"/>
           </a:xfrm>
           <a:prstGeom prst="rect">
             <a:avLst/>
@@ -3957,14 +3502,14 @@
       </p:pic>
       <p:sp>
         <p:nvSpPr>
-          <p:cNvPr id="102" name="CustomShape 1"/>
+          <p:cNvPr id="101" name="CustomShape 1"/>
           <p:cNvSpPr/>
           <p:nvPr/>
         </p:nvSpPr>
         <p:spPr>
           <a:xfrm>
             <a:off x="652320" y="276480"/>
-            <a:ext cx="2448000" cy="1007640"/>
+            <a:ext cx="2447640" cy="1007280"/>
           </a:xfrm>
           <a:prstGeom prst="rect">
             <a:avLst/>
@@ -3981,7 +3526,7 @@
           <a:fontRef idx="minor"/>
         </p:style>
         <p:txBody>
-          <a:bodyPr anchor="ctr">
+          <a:bodyPr lIns="90000" rIns="90000" tIns="45000" bIns="45000" anchor="ctr">
             <a:normAutofit/>
           </a:bodyPr>
           <a:p>
@@ -4001,8 +3546,9 @@
                   </a:solidFill>
                 </a:uFill>
                 <a:latin typeface="Century Gothic"/>
+                <a:ea typeface="DejaVu Sans"/>
               </a:rPr>
-              <a:t>Desenvolvimento</a:t>
+              <a:t>Obrigado pela atenção</a:t>
             </a:r>
             <a:endParaRPr b="0" lang="pt-BR" sz="1400" spc="-1" strike="noStrike">
               <a:solidFill>
@@ -4020,14 +3566,14 @@
       </p:sp>
       <p:sp>
         <p:nvSpPr>
-          <p:cNvPr id="103" name="TextShape 2"/>
-          <p:cNvSpPr txBox="1"/>
+          <p:cNvPr id="102" name="CustomShape 2"/>
+          <p:cNvSpPr/>
           <p:nvPr/>
         </p:nvSpPr>
         <p:spPr>
           <a:xfrm>
-            <a:off x="652320" y="1816560"/>
-            <a:ext cx="7948080" cy="4355280"/>
+            <a:off x="652320" y="1703520"/>
+            <a:ext cx="4536720" cy="3914280"/>
           </a:xfrm>
           <a:prstGeom prst="rect">
             <a:avLst/>
@@ -4037,15 +3583,21 @@
             <a:noFill/>
           </a:ln>
         </p:spPr>
+        <p:style>
+          <a:lnRef idx="0"/>
+          <a:fillRef idx="0"/>
+          <a:effectRef idx="0"/>
+          <a:fontRef idx="minor"/>
+        </p:style>
         <p:txBody>
-          <a:bodyPr/>
-          <a:p>
-            <a:pPr algn="ctr">
+          <a:bodyPr lIns="90000" rIns="90000" tIns="45000" bIns="45000"/>
+          <a:p>
+            <a:pPr>
               <a:lnSpc>
                 <a:spcPct val="100000"/>
               </a:lnSpc>
               <a:spcBef>
-                <a:spcPts val="479"/>
+                <a:spcPts val="1001"/>
               </a:spcBef>
             </a:pPr>
             <a:r>
@@ -4060,50 +3612,22 @@
                 </a:uFill>
                 <a:latin typeface="Calibri"/>
               </a:rPr>
-              <a:t>CSS3: Bootstrap 4</a:t>
+              <a:t>Alisson da Silva Bueno </a:t>
             </a:r>
-            <a:endParaRPr b="0" lang="pt-BR" sz="2400" spc="-1" strike="noStrike">
-              <a:solidFill>
-                <a:srgbClr val="000000"/>
-              </a:solidFill>
-              <a:uFill>
-                <a:solidFill>
-                  <a:srgbClr val="ffffff"/>
-                </a:solidFill>
-              </a:uFill>
-              <a:latin typeface="Arial"/>
-            </a:endParaRPr>
-          </a:p>
-          <a:p>
-            <a:pPr algn="ctr">
-              <a:lnSpc>
-                <a:spcPct val="100000"/>
-              </a:lnSpc>
-              <a:spcBef>
-                <a:spcPts val="479"/>
-              </a:spcBef>
-            </a:pPr>
-            <a:endParaRPr b="0" lang="pt-BR" sz="2400" spc="-1" strike="noStrike">
-              <a:solidFill>
-                <a:srgbClr val="000000"/>
-              </a:solidFill>
-              <a:uFill>
-                <a:solidFill>
-                  <a:srgbClr val="ffffff"/>
-                </a:solidFill>
-              </a:uFill>
-              <a:latin typeface="Arial"/>
-            </a:endParaRPr>
-          </a:p>
-          <a:p>
-            <a:pPr algn="ctr">
-              <a:lnSpc>
-                <a:spcPct val="100000"/>
-              </a:lnSpc>
-              <a:spcBef>
-                <a:spcPts val="479"/>
-              </a:spcBef>
-            </a:pPr>
+            <a:r>
+              <a:rPr b="0" lang="pt-BR" sz="2400" spc="-1" strike="noStrike">
+                <a:solidFill>
+                  <a:srgbClr val="ffffff"/>
+                </a:solidFill>
+                <a:uFill>
+                  <a:solidFill>
+                    <a:srgbClr val="ffffff"/>
+                  </a:solidFill>
+                </a:uFill>
+                <a:latin typeface="Calibri"/>
+              </a:rPr>
+              <a:t>	</a:t>
+            </a:r>
             <a:endParaRPr b="0" lang="pt-BR" sz="2400" spc="-1" strike="noStrike">
               <a:solidFill>
                 <a:srgbClr val="000000"/>
@@ -4122,9 +3646,156 @@
                 <a:spcPct val="100000"/>
               </a:lnSpc>
               <a:spcBef>
-                <a:spcPts val="479"/>
+                <a:spcPts val="1001"/>
               </a:spcBef>
             </a:pPr>
+            <a:r>
+              <a:rPr b="0" lang="pt-BR" sz="2400" spc="-1" strike="noStrike">
+                <a:solidFill>
+                  <a:srgbClr val="ffffff"/>
+                </a:solidFill>
+                <a:uFill>
+                  <a:solidFill>
+                    <a:srgbClr val="ffffff"/>
+                  </a:solidFill>
+                </a:uFill>
+                <a:latin typeface="Calibri"/>
+              </a:rPr>
+              <a:t>Anderson José de Souza Inácio </a:t>
+            </a:r>
+            <a:endParaRPr b="0" lang="pt-BR" sz="2400" spc="-1" strike="noStrike">
+              <a:solidFill>
+                <a:srgbClr val="000000"/>
+              </a:solidFill>
+              <a:uFill>
+                <a:solidFill>
+                  <a:srgbClr val="ffffff"/>
+                </a:solidFill>
+              </a:uFill>
+              <a:latin typeface="Arial"/>
+            </a:endParaRPr>
+          </a:p>
+          <a:p>
+            <a:pPr>
+              <a:lnSpc>
+                <a:spcPct val="100000"/>
+              </a:lnSpc>
+              <a:spcBef>
+                <a:spcPts val="1001"/>
+              </a:spcBef>
+            </a:pPr>
+            <a:r>
+              <a:rPr b="0" lang="pt-BR" sz="2400" spc="-1" strike="noStrike">
+                <a:solidFill>
+                  <a:srgbClr val="ffffff"/>
+                </a:solidFill>
+                <a:uFill>
+                  <a:solidFill>
+                    <a:srgbClr val="ffffff"/>
+                  </a:solidFill>
+                </a:uFill>
+                <a:latin typeface="Calibri"/>
+              </a:rPr>
+              <a:t>Everton Luiz Sausen </a:t>
+            </a:r>
+            <a:r>
+              <a:rPr b="0" lang="pt-BR" sz="2400" spc="-1" strike="noStrike">
+                <a:solidFill>
+                  <a:srgbClr val="ffffff"/>
+                </a:solidFill>
+                <a:uFill>
+                  <a:solidFill>
+                    <a:srgbClr val="ffffff"/>
+                  </a:solidFill>
+                </a:uFill>
+                <a:latin typeface="Calibri"/>
+              </a:rPr>
+              <a:t>	</a:t>
+            </a:r>
+            <a:r>
+              <a:rPr b="0" lang="pt-BR" sz="2400" spc="-1" strike="noStrike">
+                <a:solidFill>
+                  <a:srgbClr val="ffffff"/>
+                </a:solidFill>
+                <a:uFill>
+                  <a:solidFill>
+                    <a:srgbClr val="ffffff"/>
+                  </a:solidFill>
+                </a:uFill>
+                <a:latin typeface="Calibri"/>
+              </a:rPr>
+              <a:t>	</a:t>
+            </a:r>
+            <a:endParaRPr b="0" lang="pt-BR" sz="2400" spc="-1" strike="noStrike">
+              <a:solidFill>
+                <a:srgbClr val="000000"/>
+              </a:solidFill>
+              <a:uFill>
+                <a:solidFill>
+                  <a:srgbClr val="ffffff"/>
+                </a:solidFill>
+              </a:uFill>
+              <a:latin typeface="Arial"/>
+            </a:endParaRPr>
+          </a:p>
+          <a:p>
+            <a:pPr>
+              <a:lnSpc>
+                <a:spcPct val="100000"/>
+              </a:lnSpc>
+              <a:spcBef>
+                <a:spcPts val="1001"/>
+              </a:spcBef>
+            </a:pPr>
+            <a:r>
+              <a:rPr b="0" lang="pt-BR" sz="2400" spc="-1" strike="noStrike">
+                <a:solidFill>
+                  <a:srgbClr val="ffffff"/>
+                </a:solidFill>
+                <a:uFill>
+                  <a:solidFill>
+                    <a:srgbClr val="ffffff"/>
+                  </a:solidFill>
+                </a:uFill>
+                <a:latin typeface="Calibri"/>
+              </a:rPr>
+              <a:t>Fernando André de Lima</a:t>
+            </a:r>
+            <a:endParaRPr b="0" lang="pt-BR" sz="2400" spc="-1" strike="noStrike">
+              <a:solidFill>
+                <a:srgbClr val="000000"/>
+              </a:solidFill>
+              <a:uFill>
+                <a:solidFill>
+                  <a:srgbClr val="ffffff"/>
+                </a:solidFill>
+              </a:uFill>
+              <a:latin typeface="Arial"/>
+            </a:endParaRPr>
+          </a:p>
+          <a:p>
+            <a:pPr>
+              <a:lnSpc>
+                <a:spcPct val="100000"/>
+              </a:lnSpc>
+              <a:spcBef>
+                <a:spcPts val="1001"/>
+              </a:spcBef>
+            </a:pPr>
+            <a:r>
+              <a:rPr b="0" lang="pt-BR" sz="2400" spc="-1" strike="noStrike">
+                <a:solidFill>
+                  <a:srgbClr val="ffffff"/>
+                </a:solidFill>
+                <a:uFill>
+                  <a:solidFill>
+                    <a:srgbClr val="ffffff"/>
+                  </a:solidFill>
+                </a:uFill>
+                <a:latin typeface="Calibri"/>
+              </a:rPr>
+              <a:t>Joziel Alves de Souza </a:t>
+            </a:r>
             <a:endParaRPr b="0" lang="pt-BR" sz="2400" spc="-1" strike="noStrike">
               <a:solidFill>
                 <a:srgbClr val="000000"/>
@@ -4160,29 +3831,6 @@
           </a:p>
         </p:txBody>
       </p:sp>
-      <p:pic>
-        <p:nvPicPr>
-          <p:cNvPr id="104" name="" descr=""/>
-          <p:cNvPicPr/>
-          <p:nvPr/>
-        </p:nvPicPr>
-        <p:blipFill>
-          <a:blip r:embed="rId3"/>
-          <a:stretch/>
-        </p:blipFill>
-        <p:spPr>
-          <a:xfrm>
-            <a:off x="2160000" y="2265120"/>
-            <a:ext cx="4182480" cy="2090880"/>
-          </a:xfrm>
-          <a:prstGeom prst="rect">
-            <a:avLst/>
-          </a:prstGeom>
-          <a:ln>
-            <a:noFill/>
-          </a:ln>
-        </p:spPr>
-      </p:pic>
     </p:spTree>
   </p:cSld>
   <p:timing>
@@ -4192,914 +3840,6 @@
           <p:childTnLst>
             <p:seq>
               <p:cTn id="30" nodeType="mainSeq"/>
-              <p:prevCondLst>
-                <p:cond delay="0" evt="onPrev">
-                  <p:tgtEl>
-                    <p:sldTgt/>
-                  </p:tgtEl>
-                </p:cond>
-              </p:prevCondLst>
-              <p:nextCondLst>
-                <p:cond delay="0" evt="onNext">
-                  <p:tgtEl>
-                    <p:sldTgt/>
-                  </p:tgtEl>
-                </p:cond>
-              </p:nextCondLst>
-            </p:seq>
-          </p:childTnLst>
-        </p:cTn>
-      </p:par>
-    </p:tnLst>
-  </p:timing>
-</p:sld>
-</file>
-
-<file path=ppt/slides/slide16.xml><?xml version="1.0" encoding="utf-8"?>
-<p:sld xmlns:a="http://schemas.openxmlformats.org/drawingml/2006/main" xmlns:p="http://schemas.openxmlformats.org/presentationml/2006/main" xmlns:r="http://schemas.openxmlformats.org/officeDocument/2006/relationships" xmlns:p14="http://schemas.microsoft.com/office/powerpoint/2010/main" xmlns:p15="http://schemas.microsoft.com/office/powerpoint/2012/main" xmlns:mc="http://schemas.openxmlformats.org/markup-compatibility/2006">
-  <p:cSld>
-    <p:spTree>
-      <p:nvGrpSpPr>
-        <p:cNvPr id="1" name=""/>
-        <p:cNvGrpSpPr/>
-        <p:nvPr/>
-      </p:nvGrpSpPr>
-      <p:grpSpPr>
-        <a:xfrm>
-          <a:off x="0" y="0"/>
-          <a:ext cx="0" cy="0"/>
-          <a:chOff x="0" y="0"/>
-          <a:chExt cx="0" cy="0"/>
-        </a:xfrm>
-      </p:grpSpPr>
-      <p:pic>
-        <p:nvPicPr>
-          <p:cNvPr id="105" name="Imagem 2" descr=""/>
-          <p:cNvPicPr/>
-          <p:nvPr/>
-        </p:nvPicPr>
-        <p:blipFill>
-          <a:blip r:embed="rId1"/>
-          <a:stretch/>
-        </p:blipFill>
-        <p:spPr>
-          <a:xfrm>
-            <a:off x="360" y="-48240"/>
-            <a:ext cx="9143640" cy="6941880"/>
-          </a:xfrm>
-          <a:prstGeom prst="rect">
-            <a:avLst/>
-          </a:prstGeom>
-          <a:ln>
-            <a:noFill/>
-          </a:ln>
-        </p:spPr>
-      </p:pic>
-      <p:pic>
-        <p:nvPicPr>
-          <p:cNvPr id="106" name="Picture 2" descr=""/>
-          <p:cNvPicPr/>
-          <p:nvPr/>
-        </p:nvPicPr>
-        <p:blipFill>
-          <a:blip r:embed="rId2"/>
-          <a:stretch/>
-        </p:blipFill>
-        <p:spPr>
-          <a:xfrm>
-            <a:off x="6255360" y="68760"/>
-            <a:ext cx="2749320" cy="1423080"/>
-          </a:xfrm>
-          <a:prstGeom prst="rect">
-            <a:avLst/>
-          </a:prstGeom>
-          <a:ln>
-            <a:noFill/>
-          </a:ln>
-        </p:spPr>
-      </p:pic>
-      <p:sp>
-        <p:nvSpPr>
-          <p:cNvPr id="107" name="CustomShape 1"/>
-          <p:cNvSpPr/>
-          <p:nvPr/>
-        </p:nvSpPr>
-        <p:spPr>
-          <a:xfrm>
-            <a:off x="652320" y="276480"/>
-            <a:ext cx="2448000" cy="1007640"/>
-          </a:xfrm>
-          <a:prstGeom prst="rect">
-            <a:avLst/>
-          </a:prstGeom>
-          <a:noFill/>
-          <a:ln>
-            <a:noFill/>
-          </a:ln>
-        </p:spPr>
-        <p:style>
-          <a:lnRef idx="0"/>
-          <a:fillRef idx="0"/>
-          <a:effectRef idx="0"/>
-          <a:fontRef idx="minor"/>
-        </p:style>
-        <p:txBody>
-          <a:bodyPr anchor="ctr">
-            <a:normAutofit/>
-          </a:bodyPr>
-          <a:p>
-            <a:pPr>
-              <a:lnSpc>
-                <a:spcPct val="100000"/>
-              </a:lnSpc>
-            </a:pPr>
-            <a:r>
-              <a:rPr b="1" lang="pt-BR" sz="1400" spc="-1" strike="noStrike">
-                <a:solidFill>
-                  <a:srgbClr val="ffffff"/>
-                </a:solidFill>
-                <a:uFill>
-                  <a:solidFill>
-                    <a:srgbClr val="ffffff"/>
-                  </a:solidFill>
-                </a:uFill>
-                <a:latin typeface="Century Gothic"/>
-              </a:rPr>
-              <a:t>Desenvolvimento</a:t>
-            </a:r>
-            <a:endParaRPr b="0" lang="pt-BR" sz="1400" spc="-1" strike="noStrike">
-              <a:solidFill>
-                <a:srgbClr val="000000"/>
-              </a:solidFill>
-              <a:uFill>
-                <a:solidFill>
-                  <a:srgbClr val="ffffff"/>
-                </a:solidFill>
-              </a:uFill>
-              <a:latin typeface="Arial"/>
-            </a:endParaRPr>
-          </a:p>
-        </p:txBody>
-      </p:sp>
-      <p:sp>
-        <p:nvSpPr>
-          <p:cNvPr id="108" name="TextShape 2"/>
-          <p:cNvSpPr txBox="1"/>
-          <p:nvPr/>
-        </p:nvSpPr>
-        <p:spPr>
-          <a:xfrm>
-            <a:off x="652320" y="1816560"/>
-            <a:ext cx="7948080" cy="4355280"/>
-          </a:xfrm>
-          <a:prstGeom prst="rect">
-            <a:avLst/>
-          </a:prstGeom>
-          <a:noFill/>
-          <a:ln>
-            <a:noFill/>
-          </a:ln>
-        </p:spPr>
-        <p:txBody>
-          <a:bodyPr/>
-          <a:p>
-            <a:pPr algn="ctr">
-              <a:lnSpc>
-                <a:spcPct val="100000"/>
-              </a:lnSpc>
-              <a:spcBef>
-                <a:spcPts val="479"/>
-              </a:spcBef>
-            </a:pPr>
-            <a:r>
-              <a:rPr b="0" lang="pt-BR" sz="2400" spc="-1" strike="noStrike">
-                <a:solidFill>
-                  <a:srgbClr val="ffffff"/>
-                </a:solidFill>
-                <a:uFill>
-                  <a:solidFill>
-                    <a:srgbClr val="ffffff"/>
-                  </a:solidFill>
-                </a:uFill>
-                <a:latin typeface="Calibri"/>
-              </a:rPr>
-              <a:t>HTML5</a:t>
-            </a:r>
-            <a:endParaRPr b="0" lang="pt-BR" sz="2400" spc="-1" strike="noStrike">
-              <a:solidFill>
-                <a:srgbClr val="000000"/>
-              </a:solidFill>
-              <a:uFill>
-                <a:solidFill>
-                  <a:srgbClr val="ffffff"/>
-                </a:solidFill>
-              </a:uFill>
-              <a:latin typeface="Arial"/>
-            </a:endParaRPr>
-          </a:p>
-          <a:p>
-            <a:pPr algn="ctr">
-              <a:lnSpc>
-                <a:spcPct val="100000"/>
-              </a:lnSpc>
-              <a:spcBef>
-                <a:spcPts val="479"/>
-              </a:spcBef>
-            </a:pPr>
-            <a:endParaRPr b="0" lang="pt-BR" sz="2400" spc="-1" strike="noStrike">
-              <a:solidFill>
-                <a:srgbClr val="000000"/>
-              </a:solidFill>
-              <a:uFill>
-                <a:solidFill>
-                  <a:srgbClr val="ffffff"/>
-                </a:solidFill>
-              </a:uFill>
-              <a:latin typeface="Arial"/>
-            </a:endParaRPr>
-          </a:p>
-          <a:p>
-            <a:pPr algn="ctr">
-              <a:lnSpc>
-                <a:spcPct val="100000"/>
-              </a:lnSpc>
-              <a:spcBef>
-                <a:spcPts val="479"/>
-              </a:spcBef>
-            </a:pPr>
-            <a:endParaRPr b="0" lang="pt-BR" sz="2400" spc="-1" strike="noStrike">
-              <a:solidFill>
-                <a:srgbClr val="000000"/>
-              </a:solidFill>
-              <a:uFill>
-                <a:solidFill>
-                  <a:srgbClr val="ffffff"/>
-                </a:solidFill>
-              </a:uFill>
-              <a:latin typeface="Arial"/>
-            </a:endParaRPr>
-          </a:p>
-          <a:p>
-            <a:pPr algn="ctr">
-              <a:lnSpc>
-                <a:spcPct val="100000"/>
-              </a:lnSpc>
-              <a:spcBef>
-                <a:spcPts val="479"/>
-              </a:spcBef>
-            </a:pPr>
-            <a:endParaRPr b="0" lang="pt-BR" sz="2400" spc="-1" strike="noStrike">
-              <a:solidFill>
-                <a:srgbClr val="000000"/>
-              </a:solidFill>
-              <a:uFill>
-                <a:solidFill>
-                  <a:srgbClr val="ffffff"/>
-                </a:solidFill>
-              </a:uFill>
-              <a:latin typeface="Arial"/>
-            </a:endParaRPr>
-          </a:p>
-          <a:p>
-            <a:pPr algn="ctr">
-              <a:lnSpc>
-                <a:spcPct val="100000"/>
-              </a:lnSpc>
-              <a:spcBef>
-                <a:spcPts val="479"/>
-              </a:spcBef>
-            </a:pPr>
-            <a:endParaRPr b="0" lang="pt-BR" sz="2400" spc="-1" strike="noStrike">
-              <a:solidFill>
-                <a:srgbClr val="000000"/>
-              </a:solidFill>
-              <a:uFill>
-                <a:solidFill>
-                  <a:srgbClr val="ffffff"/>
-                </a:solidFill>
-              </a:uFill>
-              <a:latin typeface="Arial"/>
-            </a:endParaRPr>
-          </a:p>
-          <a:p>
-            <a:pPr>
-              <a:lnSpc>
-                <a:spcPct val="100000"/>
-              </a:lnSpc>
-              <a:spcBef>
-                <a:spcPts val="479"/>
-              </a:spcBef>
-            </a:pPr>
-            <a:endParaRPr b="0" lang="pt-BR" sz="2400" spc="-1" strike="noStrike">
-              <a:solidFill>
-                <a:srgbClr val="000000"/>
-              </a:solidFill>
-              <a:uFill>
-                <a:solidFill>
-                  <a:srgbClr val="ffffff"/>
-                </a:solidFill>
-              </a:uFill>
-              <a:latin typeface="Arial"/>
-            </a:endParaRPr>
-          </a:p>
-          <a:p>
-            <a:pPr algn="just">
-              <a:lnSpc>
-                <a:spcPct val="100000"/>
-              </a:lnSpc>
-              <a:spcBef>
-                <a:spcPts val="1001"/>
-              </a:spcBef>
-            </a:pPr>
-            <a:endParaRPr b="0" lang="pt-BR" sz="2400" spc="-1" strike="noStrike">
-              <a:solidFill>
-                <a:srgbClr val="000000"/>
-              </a:solidFill>
-              <a:uFill>
-                <a:solidFill>
-                  <a:srgbClr val="ffffff"/>
-                </a:solidFill>
-              </a:uFill>
-              <a:latin typeface="Arial"/>
-            </a:endParaRPr>
-          </a:p>
-        </p:txBody>
-      </p:sp>
-      <p:pic>
-        <p:nvPicPr>
-          <p:cNvPr id="109" name="" descr=""/>
-          <p:cNvPicPr/>
-          <p:nvPr/>
-        </p:nvPicPr>
-        <p:blipFill>
-          <a:blip r:embed="rId3"/>
-          <a:stretch/>
-        </p:blipFill>
-        <p:spPr>
-          <a:xfrm>
-            <a:off x="3456000" y="2288880"/>
-            <a:ext cx="2391120" cy="2391120"/>
-          </a:xfrm>
-          <a:prstGeom prst="rect">
-            <a:avLst/>
-          </a:prstGeom>
-          <a:ln>
-            <a:noFill/>
-          </a:ln>
-        </p:spPr>
-      </p:pic>
-    </p:spTree>
-  </p:cSld>
-  <p:timing>
-    <p:tnLst>
-      <p:par>
-        <p:cTn id="31" dur="indefinite" restart="never" nodeType="tmRoot">
-          <p:childTnLst>
-            <p:seq>
-              <p:cTn id="32" nodeType="mainSeq"/>
-              <p:prevCondLst>
-                <p:cond delay="0" evt="onPrev">
-                  <p:tgtEl>
-                    <p:sldTgt/>
-                  </p:tgtEl>
-                </p:cond>
-              </p:prevCondLst>
-              <p:nextCondLst>
-                <p:cond delay="0" evt="onNext">
-                  <p:tgtEl>
-                    <p:sldTgt/>
-                  </p:tgtEl>
-                </p:cond>
-              </p:nextCondLst>
-            </p:seq>
-          </p:childTnLst>
-        </p:cTn>
-      </p:par>
-    </p:tnLst>
-  </p:timing>
-</p:sld>
-</file>
-
-<file path=ppt/slides/slide17.xml><?xml version="1.0" encoding="utf-8"?>
-<p:sld xmlns:a="http://schemas.openxmlformats.org/drawingml/2006/main" xmlns:p="http://schemas.openxmlformats.org/presentationml/2006/main" xmlns:r="http://schemas.openxmlformats.org/officeDocument/2006/relationships" xmlns:p14="http://schemas.microsoft.com/office/powerpoint/2010/main" xmlns:p15="http://schemas.microsoft.com/office/powerpoint/2012/main" xmlns:mc="http://schemas.openxmlformats.org/markup-compatibility/2006">
-  <p:cSld>
-    <p:spTree>
-      <p:nvGrpSpPr>
-        <p:cNvPr id="1" name=""/>
-        <p:cNvGrpSpPr/>
-        <p:nvPr/>
-      </p:nvGrpSpPr>
-      <p:grpSpPr>
-        <a:xfrm>
-          <a:off x="0" y="0"/>
-          <a:ext cx="0" cy="0"/>
-          <a:chOff x="0" y="0"/>
-          <a:chExt cx="0" cy="0"/>
-        </a:xfrm>
-      </p:grpSpPr>
-      <p:pic>
-        <p:nvPicPr>
-          <p:cNvPr id="110" name="Imagem 2" descr=""/>
-          <p:cNvPicPr/>
-          <p:nvPr/>
-        </p:nvPicPr>
-        <p:blipFill>
-          <a:blip r:embed="rId1"/>
-          <a:stretch/>
-        </p:blipFill>
-        <p:spPr>
-          <a:xfrm>
-            <a:off x="0" y="-48240"/>
-            <a:ext cx="9143640" cy="6941880"/>
-          </a:xfrm>
-          <a:prstGeom prst="rect">
-            <a:avLst/>
-          </a:prstGeom>
-          <a:ln>
-            <a:noFill/>
-          </a:ln>
-        </p:spPr>
-      </p:pic>
-      <p:pic>
-        <p:nvPicPr>
-          <p:cNvPr id="111" name="Picture 2" descr=""/>
-          <p:cNvPicPr/>
-          <p:nvPr/>
-        </p:nvPicPr>
-        <p:blipFill>
-          <a:blip r:embed="rId2"/>
-          <a:stretch/>
-        </p:blipFill>
-        <p:spPr>
-          <a:xfrm>
-            <a:off x="6255360" y="68760"/>
-            <a:ext cx="2749320" cy="1423080"/>
-          </a:xfrm>
-          <a:prstGeom prst="rect">
-            <a:avLst/>
-          </a:prstGeom>
-          <a:ln>
-            <a:noFill/>
-          </a:ln>
-        </p:spPr>
-      </p:pic>
-      <p:sp>
-        <p:nvSpPr>
-          <p:cNvPr id="112" name="CustomShape 1"/>
-          <p:cNvSpPr/>
-          <p:nvPr/>
-        </p:nvSpPr>
-        <p:spPr>
-          <a:xfrm>
-            <a:off x="652320" y="276480"/>
-            <a:ext cx="2448000" cy="1007640"/>
-          </a:xfrm>
-          <a:prstGeom prst="rect">
-            <a:avLst/>
-          </a:prstGeom>
-          <a:noFill/>
-          <a:ln>
-            <a:noFill/>
-          </a:ln>
-        </p:spPr>
-        <p:style>
-          <a:lnRef idx="0"/>
-          <a:fillRef idx="0"/>
-          <a:effectRef idx="0"/>
-          <a:fontRef idx="minor"/>
-        </p:style>
-        <p:txBody>
-          <a:bodyPr anchor="ctr">
-            <a:normAutofit/>
-          </a:bodyPr>
-          <a:p>
-            <a:pPr>
-              <a:lnSpc>
-                <a:spcPct val="100000"/>
-              </a:lnSpc>
-            </a:pPr>
-            <a:r>
-              <a:rPr b="1" lang="pt-BR" sz="1400" spc="-1" strike="noStrike">
-                <a:solidFill>
-                  <a:srgbClr val="ffffff"/>
-                </a:solidFill>
-                <a:uFill>
-                  <a:solidFill>
-                    <a:srgbClr val="ffffff"/>
-                  </a:solidFill>
-                </a:uFill>
-                <a:latin typeface="Century Gothic"/>
-              </a:rPr>
-              <a:t>Desenvolvimento</a:t>
-            </a:r>
-            <a:endParaRPr b="0" lang="pt-BR" sz="1400" spc="-1" strike="noStrike">
-              <a:solidFill>
-                <a:srgbClr val="000000"/>
-              </a:solidFill>
-              <a:uFill>
-                <a:solidFill>
-                  <a:srgbClr val="ffffff"/>
-                </a:solidFill>
-              </a:uFill>
-              <a:latin typeface="Arial"/>
-            </a:endParaRPr>
-          </a:p>
-        </p:txBody>
-      </p:sp>
-      <p:pic>
-        <p:nvPicPr>
-          <p:cNvPr id="113" name="Imagem 6" descr=""/>
-          <p:cNvPicPr/>
-          <p:nvPr/>
-        </p:nvPicPr>
-        <p:blipFill>
-          <a:blip r:embed="rId3"/>
-          <a:stretch/>
-        </p:blipFill>
-        <p:spPr>
-          <a:xfrm>
-            <a:off x="775800" y="1660680"/>
-            <a:ext cx="6999120" cy="3776040"/>
-          </a:xfrm>
-          <a:prstGeom prst="rect">
-            <a:avLst/>
-          </a:prstGeom>
-          <a:ln>
-            <a:noFill/>
-          </a:ln>
-        </p:spPr>
-      </p:pic>
-    </p:spTree>
-  </p:cSld>
-  <p:timing>
-    <p:tnLst>
-      <p:par>
-        <p:cTn id="33" dur="indefinite" restart="never" nodeType="tmRoot">
-          <p:childTnLst>
-            <p:seq>
-              <p:cTn id="34" nodeType="mainSeq"/>
-              <p:prevCondLst>
-                <p:cond delay="0" evt="onPrev">
-                  <p:tgtEl>
-                    <p:sldTgt/>
-                  </p:tgtEl>
-                </p:cond>
-              </p:prevCondLst>
-              <p:nextCondLst>
-                <p:cond delay="0" evt="onNext">
-                  <p:tgtEl>
-                    <p:sldTgt/>
-                  </p:tgtEl>
-                </p:cond>
-              </p:nextCondLst>
-            </p:seq>
-          </p:childTnLst>
-        </p:cTn>
-      </p:par>
-    </p:tnLst>
-  </p:timing>
-</p:sld>
-</file>
-
-<file path=ppt/slides/slide18.xml><?xml version="1.0" encoding="utf-8"?>
-<p:sld xmlns:a="http://schemas.openxmlformats.org/drawingml/2006/main" xmlns:p="http://schemas.openxmlformats.org/presentationml/2006/main" xmlns:r="http://schemas.openxmlformats.org/officeDocument/2006/relationships" xmlns:p14="http://schemas.microsoft.com/office/powerpoint/2010/main" xmlns:p15="http://schemas.microsoft.com/office/powerpoint/2012/main" xmlns:mc="http://schemas.openxmlformats.org/markup-compatibility/2006">
-  <p:cSld>
-    <p:spTree>
-      <p:nvGrpSpPr>
-        <p:cNvPr id="1" name=""/>
-        <p:cNvGrpSpPr/>
-        <p:nvPr/>
-      </p:nvGrpSpPr>
-      <p:grpSpPr>
-        <a:xfrm>
-          <a:off x="0" y="0"/>
-          <a:ext cx="0" cy="0"/>
-          <a:chOff x="0" y="0"/>
-          <a:chExt cx="0" cy="0"/>
-        </a:xfrm>
-      </p:grpSpPr>
-      <p:pic>
-        <p:nvPicPr>
-          <p:cNvPr id="114" name="Imagem 2" descr=""/>
-          <p:cNvPicPr/>
-          <p:nvPr/>
-        </p:nvPicPr>
-        <p:blipFill>
-          <a:blip r:embed="rId1"/>
-          <a:stretch/>
-        </p:blipFill>
-        <p:spPr>
-          <a:xfrm>
-            <a:off x="0" y="-48240"/>
-            <a:ext cx="9143640" cy="6941880"/>
-          </a:xfrm>
-          <a:prstGeom prst="rect">
-            <a:avLst/>
-          </a:prstGeom>
-          <a:ln>
-            <a:noFill/>
-          </a:ln>
-        </p:spPr>
-      </p:pic>
-      <p:pic>
-        <p:nvPicPr>
-          <p:cNvPr id="115" name="Picture 2" descr=""/>
-          <p:cNvPicPr/>
-          <p:nvPr/>
-        </p:nvPicPr>
-        <p:blipFill>
-          <a:blip r:embed="rId2"/>
-          <a:stretch/>
-        </p:blipFill>
-        <p:spPr>
-          <a:xfrm>
-            <a:off x="6255360" y="68760"/>
-            <a:ext cx="2749320" cy="1423080"/>
-          </a:xfrm>
-          <a:prstGeom prst="rect">
-            <a:avLst/>
-          </a:prstGeom>
-          <a:ln>
-            <a:noFill/>
-          </a:ln>
-        </p:spPr>
-      </p:pic>
-      <p:sp>
-        <p:nvSpPr>
-          <p:cNvPr id="116" name="CustomShape 1"/>
-          <p:cNvSpPr/>
-          <p:nvPr/>
-        </p:nvSpPr>
-        <p:spPr>
-          <a:xfrm>
-            <a:off x="652320" y="276480"/>
-            <a:ext cx="2448000" cy="1007640"/>
-          </a:xfrm>
-          <a:prstGeom prst="rect">
-            <a:avLst/>
-          </a:prstGeom>
-          <a:noFill/>
-          <a:ln>
-            <a:noFill/>
-          </a:ln>
-        </p:spPr>
-        <p:style>
-          <a:lnRef idx="0"/>
-          <a:fillRef idx="0"/>
-          <a:effectRef idx="0"/>
-          <a:fontRef idx="minor"/>
-        </p:style>
-        <p:txBody>
-          <a:bodyPr anchor="ctr">
-            <a:normAutofit/>
-          </a:bodyPr>
-          <a:p>
-            <a:pPr>
-              <a:lnSpc>
-                <a:spcPct val="100000"/>
-              </a:lnSpc>
-            </a:pPr>
-            <a:r>
-              <a:rPr b="1" lang="pt-BR" sz="1400" spc="-1" strike="noStrike">
-                <a:solidFill>
-                  <a:srgbClr val="ffffff"/>
-                </a:solidFill>
-                <a:uFill>
-                  <a:solidFill>
-                    <a:srgbClr val="ffffff"/>
-                  </a:solidFill>
-                </a:uFill>
-                <a:latin typeface="Century Gothic"/>
-              </a:rPr>
-              <a:t>Desenvolvimento</a:t>
-            </a:r>
-            <a:endParaRPr b="0" lang="pt-BR" sz="1400" spc="-1" strike="noStrike">
-              <a:solidFill>
-                <a:srgbClr val="000000"/>
-              </a:solidFill>
-              <a:uFill>
-                <a:solidFill>
-                  <a:srgbClr val="ffffff"/>
-                </a:solidFill>
-              </a:uFill>
-              <a:latin typeface="Arial"/>
-            </a:endParaRPr>
-          </a:p>
-        </p:txBody>
-      </p:sp>
-      <p:pic>
-        <p:nvPicPr>
-          <p:cNvPr id="117" name="Imagem 6" descr=""/>
-          <p:cNvPicPr/>
-          <p:nvPr/>
-        </p:nvPicPr>
-        <p:blipFill>
-          <a:blip r:embed="rId3"/>
-          <a:stretch/>
-        </p:blipFill>
-        <p:spPr>
-          <a:xfrm>
-            <a:off x="782640" y="1739880"/>
-            <a:ext cx="6598080" cy="4313520"/>
-          </a:xfrm>
-          <a:prstGeom prst="rect">
-            <a:avLst/>
-          </a:prstGeom>
-          <a:ln>
-            <a:noFill/>
-          </a:ln>
-        </p:spPr>
-      </p:pic>
-    </p:spTree>
-  </p:cSld>
-  <p:timing>
-    <p:tnLst>
-      <p:par>
-        <p:cTn id="35" dur="indefinite" restart="never" nodeType="tmRoot">
-          <p:childTnLst>
-            <p:seq>
-              <p:cTn id="36" nodeType="mainSeq"/>
-              <p:prevCondLst>
-                <p:cond delay="0" evt="onPrev">
-                  <p:tgtEl>
-                    <p:sldTgt/>
-                  </p:tgtEl>
-                </p:cond>
-              </p:prevCondLst>
-              <p:nextCondLst>
-                <p:cond delay="0" evt="onNext">
-                  <p:tgtEl>
-                    <p:sldTgt/>
-                  </p:tgtEl>
-                </p:cond>
-              </p:nextCondLst>
-            </p:seq>
-          </p:childTnLst>
-        </p:cTn>
-      </p:par>
-    </p:tnLst>
-  </p:timing>
-</p:sld>
-</file>
-
-<file path=ppt/slides/slide19.xml><?xml version="1.0" encoding="utf-8"?>
-<p:sld xmlns:a="http://schemas.openxmlformats.org/drawingml/2006/main" xmlns:p="http://schemas.openxmlformats.org/presentationml/2006/main" xmlns:r="http://schemas.openxmlformats.org/officeDocument/2006/relationships" xmlns:p14="http://schemas.microsoft.com/office/powerpoint/2010/main" xmlns:p15="http://schemas.microsoft.com/office/powerpoint/2012/main" xmlns:mc="http://schemas.openxmlformats.org/markup-compatibility/2006">
-  <p:cSld>
-    <p:spTree>
-      <p:nvGrpSpPr>
-        <p:cNvPr id="1" name=""/>
-        <p:cNvGrpSpPr/>
-        <p:nvPr/>
-      </p:nvGrpSpPr>
-      <p:grpSpPr>
-        <a:xfrm>
-          <a:off x="0" y="0"/>
-          <a:ext cx="0" cy="0"/>
-          <a:chOff x="0" y="0"/>
-          <a:chExt cx="0" cy="0"/>
-        </a:xfrm>
-      </p:grpSpPr>
-      <p:pic>
-        <p:nvPicPr>
-          <p:cNvPr id="118" name="Imagem 2" descr=""/>
-          <p:cNvPicPr/>
-          <p:nvPr/>
-        </p:nvPicPr>
-        <p:blipFill>
-          <a:blip r:embed="rId1"/>
-          <a:stretch/>
-        </p:blipFill>
-        <p:spPr>
-          <a:xfrm>
-            <a:off x="0" y="-48240"/>
-            <a:ext cx="9143640" cy="6941880"/>
-          </a:xfrm>
-          <a:prstGeom prst="rect">
-            <a:avLst/>
-          </a:prstGeom>
-          <a:ln>
-            <a:noFill/>
-          </a:ln>
-        </p:spPr>
-      </p:pic>
-      <p:pic>
-        <p:nvPicPr>
-          <p:cNvPr id="119" name="Picture 2" descr=""/>
-          <p:cNvPicPr/>
-          <p:nvPr/>
-        </p:nvPicPr>
-        <p:blipFill>
-          <a:blip r:embed="rId2"/>
-          <a:stretch/>
-        </p:blipFill>
-        <p:spPr>
-          <a:xfrm>
-            <a:off x="6255360" y="68760"/>
-            <a:ext cx="2749320" cy="1423080"/>
-          </a:xfrm>
-          <a:prstGeom prst="rect">
-            <a:avLst/>
-          </a:prstGeom>
-          <a:ln>
-            <a:noFill/>
-          </a:ln>
-        </p:spPr>
-      </p:pic>
-      <p:sp>
-        <p:nvSpPr>
-          <p:cNvPr id="120" name="CustomShape 1"/>
-          <p:cNvSpPr/>
-          <p:nvPr/>
-        </p:nvSpPr>
-        <p:spPr>
-          <a:xfrm>
-            <a:off x="652320" y="276480"/>
-            <a:ext cx="2448000" cy="1007640"/>
-          </a:xfrm>
-          <a:prstGeom prst="rect">
-            <a:avLst/>
-          </a:prstGeom>
-          <a:noFill/>
-          <a:ln>
-            <a:noFill/>
-          </a:ln>
-        </p:spPr>
-        <p:style>
-          <a:lnRef idx="0"/>
-          <a:fillRef idx="0"/>
-          <a:effectRef idx="0"/>
-          <a:fontRef idx="minor"/>
-        </p:style>
-        <p:txBody>
-          <a:bodyPr anchor="ctr">
-            <a:normAutofit/>
-          </a:bodyPr>
-          <a:p>
-            <a:pPr>
-              <a:lnSpc>
-                <a:spcPct val="100000"/>
-              </a:lnSpc>
-            </a:pPr>
-            <a:r>
-              <a:rPr b="1" lang="pt-BR" sz="1400" spc="-1" strike="noStrike">
-                <a:solidFill>
-                  <a:srgbClr val="ffffff"/>
-                </a:solidFill>
-                <a:uFill>
-                  <a:solidFill>
-                    <a:srgbClr val="ffffff"/>
-                  </a:solidFill>
-                </a:uFill>
-                <a:latin typeface="Century Gothic"/>
-              </a:rPr>
-              <a:t>Desenvolvimento</a:t>
-            </a:r>
-            <a:endParaRPr b="0" lang="pt-BR" sz="1400" spc="-1" strike="noStrike">
-              <a:solidFill>
-                <a:srgbClr val="000000"/>
-              </a:solidFill>
-              <a:uFill>
-                <a:solidFill>
-                  <a:srgbClr val="ffffff"/>
-                </a:solidFill>
-              </a:uFill>
-              <a:latin typeface="Arial"/>
-            </a:endParaRPr>
-          </a:p>
-        </p:txBody>
-      </p:sp>
-      <p:pic>
-        <p:nvPicPr>
-          <p:cNvPr id="121" name="Imagem 8" descr=""/>
-          <p:cNvPicPr/>
-          <p:nvPr/>
-        </p:nvPicPr>
-        <p:blipFill>
-          <a:blip r:embed="rId3"/>
-          <a:stretch/>
-        </p:blipFill>
-        <p:spPr>
-          <a:xfrm>
-            <a:off x="718560" y="1606680"/>
-            <a:ext cx="6357600" cy="5172480"/>
-          </a:xfrm>
-          <a:prstGeom prst="rect">
-            <a:avLst/>
-          </a:prstGeom>
-          <a:ln>
-            <a:noFill/>
-          </a:ln>
-        </p:spPr>
-      </p:pic>
-    </p:spTree>
-  </p:cSld>
-  <p:timing>
-    <p:tnLst>
-      <p:par>
-        <p:cTn id="37" dur="indefinite" restart="never" nodeType="tmRoot">
-          <p:childTnLst>
-            <p:seq>
-              <p:cTn id="38" nodeType="mainSeq"/>
               <p:prevCondLst>
                 <p:cond delay="0" evt="onPrev">
                   <p:tgtEl>
@@ -5142,7 +3882,7 @@
       </p:grpSpPr>
       <p:pic>
         <p:nvPicPr>
-          <p:cNvPr id="43" name="Imagem 2" descr=""/>
+          <p:cNvPr id="40" name="Imagem 2" descr=""/>
           <p:cNvPicPr/>
           <p:nvPr/>
         </p:nvPicPr>
@@ -5153,7 +3893,7 @@
         <p:spPr>
           <a:xfrm>
             <a:off x="0" y="-48240"/>
-            <a:ext cx="9143640" cy="6941880"/>
+            <a:ext cx="9143280" cy="6941520"/>
           </a:xfrm>
           <a:prstGeom prst="rect">
             <a:avLst/>
@@ -5165,14 +3905,14 @@
       </p:pic>
       <p:sp>
         <p:nvSpPr>
-          <p:cNvPr id="44" name="CustomShape 1"/>
+          <p:cNvPr id="41" name="CustomShape 1"/>
           <p:cNvSpPr/>
           <p:nvPr/>
         </p:nvSpPr>
         <p:spPr>
           <a:xfrm>
             <a:off x="685800" y="2124720"/>
-            <a:ext cx="7072920" cy="1956960"/>
+            <a:ext cx="7072560" cy="1956600"/>
           </a:xfrm>
           <a:prstGeom prst="rect">
             <a:avLst/>
@@ -5212,6 +3952,7 @@
                   </a:solidFill>
                 </a:uFill>
                 <a:latin typeface="Century Gothic"/>
+                <a:ea typeface="DejaVu Sans"/>
               </a:rPr>
               <a:t>Desenvolvimento de aplicações</a:t>
             </a:r>
@@ -5231,14 +3972,14 @@
       </p:sp>
       <p:sp>
         <p:nvSpPr>
-          <p:cNvPr id="45" name="CustomShape 2"/>
+          <p:cNvPr id="42" name="CustomShape 2"/>
           <p:cNvSpPr/>
           <p:nvPr/>
         </p:nvSpPr>
         <p:spPr>
           <a:xfrm>
             <a:off x="685800" y="4657320"/>
-            <a:ext cx="5139360" cy="1079640"/>
+            <a:ext cx="5139000" cy="1079280"/>
           </a:xfrm>
           <a:prstGeom prst="rect">
             <a:avLst/>
@@ -5255,7 +3996,7 @@
           <a:fontRef idx="minor"/>
         </p:style>
         <p:txBody>
-          <a:bodyPr>
+          <a:bodyPr lIns="90000" rIns="90000" tIns="45000" bIns="45000">
             <a:normAutofit/>
           </a:bodyPr>
           <a:p>
@@ -5278,6 +4019,7 @@
                   </a:solidFill>
                 </a:uFill>
                 <a:latin typeface="Calibri"/>
+                <a:ea typeface="DejaVu Sans"/>
               </a:rPr>
               <a:t>Professor: Paulo Cesar de Oliveira</a:t>
             </a:r>
@@ -5297,7 +4039,7 @@
       </p:sp>
       <p:pic>
         <p:nvPicPr>
-          <p:cNvPr id="46" name="Picture 2" descr=""/>
+          <p:cNvPr id="43" name="Picture 2" descr=""/>
           <p:cNvPicPr/>
           <p:nvPr/>
         </p:nvPicPr>
@@ -5308,7 +4050,7 @@
         <p:spPr>
           <a:xfrm>
             <a:off x="6255360" y="68760"/>
-            <a:ext cx="2749320" cy="1423080"/>
+            <a:ext cx="2748960" cy="1422720"/>
           </a:xfrm>
           <a:prstGeom prst="rect">
             <a:avLst/>
@@ -5327,662 +4069,6 @@
           <p:childTnLst>
             <p:seq>
               <p:cTn id="4" nodeType="mainSeq"/>
-              <p:prevCondLst>
-                <p:cond delay="0" evt="onPrev">
-                  <p:tgtEl>
-                    <p:sldTgt/>
-                  </p:tgtEl>
-                </p:cond>
-              </p:prevCondLst>
-              <p:nextCondLst>
-                <p:cond delay="0" evt="onNext">
-                  <p:tgtEl>
-                    <p:sldTgt/>
-                  </p:tgtEl>
-                </p:cond>
-              </p:nextCondLst>
-            </p:seq>
-          </p:childTnLst>
-        </p:cTn>
-      </p:par>
-    </p:tnLst>
-  </p:timing>
-</p:sld>
-</file>
-
-<file path=ppt/slides/slide20.xml><?xml version="1.0" encoding="utf-8"?>
-<p:sld xmlns:a="http://schemas.openxmlformats.org/drawingml/2006/main" xmlns:p="http://schemas.openxmlformats.org/presentationml/2006/main" xmlns:r="http://schemas.openxmlformats.org/officeDocument/2006/relationships" xmlns:p14="http://schemas.microsoft.com/office/powerpoint/2010/main" xmlns:p15="http://schemas.microsoft.com/office/powerpoint/2012/main" xmlns:mc="http://schemas.openxmlformats.org/markup-compatibility/2006">
-  <p:cSld>
-    <p:spTree>
-      <p:nvGrpSpPr>
-        <p:cNvPr id="1" name=""/>
-        <p:cNvGrpSpPr/>
-        <p:nvPr/>
-      </p:nvGrpSpPr>
-      <p:grpSpPr>
-        <a:xfrm>
-          <a:off x="0" y="0"/>
-          <a:ext cx="0" cy="0"/>
-          <a:chOff x="0" y="0"/>
-          <a:chExt cx="0" cy="0"/>
-        </a:xfrm>
-      </p:grpSpPr>
-      <p:pic>
-        <p:nvPicPr>
-          <p:cNvPr id="122" name="Imagem 2" descr=""/>
-          <p:cNvPicPr/>
-          <p:nvPr/>
-        </p:nvPicPr>
-        <p:blipFill>
-          <a:blip r:embed="rId1"/>
-          <a:stretch/>
-        </p:blipFill>
-        <p:spPr>
-          <a:xfrm>
-            <a:off x="0" y="-48240"/>
-            <a:ext cx="9143640" cy="6941880"/>
-          </a:xfrm>
-          <a:prstGeom prst="rect">
-            <a:avLst/>
-          </a:prstGeom>
-          <a:ln>
-            <a:noFill/>
-          </a:ln>
-        </p:spPr>
-      </p:pic>
-      <p:pic>
-        <p:nvPicPr>
-          <p:cNvPr id="123" name="Picture 2" descr=""/>
-          <p:cNvPicPr/>
-          <p:nvPr/>
-        </p:nvPicPr>
-        <p:blipFill>
-          <a:blip r:embed="rId2"/>
-          <a:stretch/>
-        </p:blipFill>
-        <p:spPr>
-          <a:xfrm>
-            <a:off x="6255360" y="68760"/>
-            <a:ext cx="2749320" cy="1423080"/>
-          </a:xfrm>
-          <a:prstGeom prst="rect">
-            <a:avLst/>
-          </a:prstGeom>
-          <a:ln>
-            <a:noFill/>
-          </a:ln>
-        </p:spPr>
-      </p:pic>
-      <p:sp>
-        <p:nvSpPr>
-          <p:cNvPr id="124" name="CustomShape 1"/>
-          <p:cNvSpPr/>
-          <p:nvPr/>
-        </p:nvSpPr>
-        <p:spPr>
-          <a:xfrm>
-            <a:off x="652320" y="276480"/>
-            <a:ext cx="2448000" cy="1007640"/>
-          </a:xfrm>
-          <a:prstGeom prst="rect">
-            <a:avLst/>
-          </a:prstGeom>
-          <a:noFill/>
-          <a:ln>
-            <a:noFill/>
-          </a:ln>
-        </p:spPr>
-        <p:style>
-          <a:lnRef idx="0"/>
-          <a:fillRef idx="0"/>
-          <a:effectRef idx="0"/>
-          <a:fontRef idx="minor"/>
-        </p:style>
-        <p:txBody>
-          <a:bodyPr anchor="ctr">
-            <a:normAutofit/>
-          </a:bodyPr>
-          <a:p>
-            <a:pPr>
-              <a:lnSpc>
-                <a:spcPct val="100000"/>
-              </a:lnSpc>
-            </a:pPr>
-            <a:r>
-              <a:rPr b="1" lang="pt-BR" sz="1400" spc="-1" strike="noStrike">
-                <a:solidFill>
-                  <a:srgbClr val="ffffff"/>
-                </a:solidFill>
-                <a:uFill>
-                  <a:solidFill>
-                    <a:srgbClr val="ffffff"/>
-                  </a:solidFill>
-                </a:uFill>
-                <a:latin typeface="Century Gothic"/>
-              </a:rPr>
-              <a:t>Considerações Finais</a:t>
-            </a:r>
-            <a:endParaRPr b="0" lang="pt-BR" sz="1400" spc="-1" strike="noStrike">
-              <a:solidFill>
-                <a:srgbClr val="000000"/>
-              </a:solidFill>
-              <a:uFill>
-                <a:solidFill>
-                  <a:srgbClr val="ffffff"/>
-                </a:solidFill>
-              </a:uFill>
-              <a:latin typeface="Arial"/>
-            </a:endParaRPr>
-          </a:p>
-        </p:txBody>
-      </p:sp>
-      <p:sp>
-        <p:nvSpPr>
-          <p:cNvPr id="125" name="TextShape 2"/>
-          <p:cNvSpPr txBox="1"/>
-          <p:nvPr/>
-        </p:nvSpPr>
-        <p:spPr>
-          <a:xfrm>
-            <a:off x="652320" y="2131920"/>
-            <a:ext cx="7948080" cy="3914640"/>
-          </a:xfrm>
-          <a:prstGeom prst="rect">
-            <a:avLst/>
-          </a:prstGeom>
-          <a:noFill/>
-          <a:ln>
-            <a:noFill/>
-          </a:ln>
-        </p:spPr>
-        <p:txBody>
-          <a:bodyPr/>
-          <a:p>
-            <a:pPr algn="just">
-              <a:lnSpc>
-                <a:spcPct val="100000"/>
-              </a:lnSpc>
-              <a:spcBef>
-                <a:spcPts val="1001"/>
-              </a:spcBef>
-            </a:pPr>
-            <a:r>
-              <a:rPr b="0" lang="pt-BR" sz="2400" spc="-1" strike="noStrike">
-                <a:solidFill>
-                  <a:srgbClr val="ffffff"/>
-                </a:solidFill>
-                <a:uFill>
-                  <a:solidFill>
-                    <a:srgbClr val="ffffff"/>
-                  </a:solidFill>
-                </a:uFill>
-                <a:latin typeface="Calibri"/>
-              </a:rPr>
-              <a:t>O projeto está em fase de desenvolvimento, e de acordo com o andamento do cronograma e conclusão das etapas propostas, o grupo está cumprindo as metas para entrega ao cliente.</a:t>
-            </a:r>
-            <a:endParaRPr b="0" lang="pt-BR" sz="2400" spc="-1" strike="noStrike">
-              <a:solidFill>
-                <a:srgbClr val="000000"/>
-              </a:solidFill>
-              <a:uFill>
-                <a:solidFill>
-                  <a:srgbClr val="ffffff"/>
-                </a:solidFill>
-              </a:uFill>
-              <a:latin typeface="Arial"/>
-            </a:endParaRPr>
-          </a:p>
-          <a:p>
-            <a:pPr algn="just">
-              <a:lnSpc>
-                <a:spcPct val="100000"/>
-              </a:lnSpc>
-              <a:spcBef>
-                <a:spcPts val="1001"/>
-              </a:spcBef>
-            </a:pPr>
-            <a:endParaRPr b="0" lang="pt-BR" sz="2400" spc="-1" strike="noStrike">
-              <a:solidFill>
-                <a:srgbClr val="000000"/>
-              </a:solidFill>
-              <a:uFill>
-                <a:solidFill>
-                  <a:srgbClr val="ffffff"/>
-                </a:solidFill>
-              </a:uFill>
-              <a:latin typeface="Arial"/>
-            </a:endParaRPr>
-          </a:p>
-        </p:txBody>
-      </p:sp>
-    </p:spTree>
-  </p:cSld>
-  <p:timing>
-    <p:tnLst>
-      <p:par>
-        <p:cTn id="39" dur="indefinite" restart="never" nodeType="tmRoot">
-          <p:childTnLst>
-            <p:seq>
-              <p:cTn id="40" nodeType="mainSeq"/>
-              <p:prevCondLst>
-                <p:cond delay="0" evt="onPrev">
-                  <p:tgtEl>
-                    <p:sldTgt/>
-                  </p:tgtEl>
-                </p:cond>
-              </p:prevCondLst>
-              <p:nextCondLst>
-                <p:cond delay="0" evt="onNext">
-                  <p:tgtEl>
-                    <p:sldTgt/>
-                  </p:tgtEl>
-                </p:cond>
-              </p:nextCondLst>
-            </p:seq>
-          </p:childTnLst>
-        </p:cTn>
-      </p:par>
-    </p:tnLst>
-  </p:timing>
-</p:sld>
-</file>
-
-<file path=ppt/slides/slide21.xml><?xml version="1.0" encoding="utf-8"?>
-<p:sld xmlns:a="http://schemas.openxmlformats.org/drawingml/2006/main" xmlns:p="http://schemas.openxmlformats.org/presentationml/2006/main" xmlns:r="http://schemas.openxmlformats.org/officeDocument/2006/relationships" xmlns:p14="http://schemas.microsoft.com/office/powerpoint/2010/main" xmlns:p15="http://schemas.microsoft.com/office/powerpoint/2012/main" xmlns:mc="http://schemas.openxmlformats.org/markup-compatibility/2006">
-  <p:cSld>
-    <p:spTree>
-      <p:nvGrpSpPr>
-        <p:cNvPr id="1" name=""/>
-        <p:cNvGrpSpPr/>
-        <p:nvPr/>
-      </p:nvGrpSpPr>
-      <p:grpSpPr>
-        <a:xfrm>
-          <a:off x="0" y="0"/>
-          <a:ext cx="0" cy="0"/>
-          <a:chOff x="0" y="0"/>
-          <a:chExt cx="0" cy="0"/>
-        </a:xfrm>
-      </p:grpSpPr>
-      <p:pic>
-        <p:nvPicPr>
-          <p:cNvPr id="126" name="Imagem 2" descr=""/>
-          <p:cNvPicPr/>
-          <p:nvPr/>
-        </p:nvPicPr>
-        <p:blipFill>
-          <a:blip r:embed="rId1"/>
-          <a:stretch/>
-        </p:blipFill>
-        <p:spPr>
-          <a:xfrm>
-            <a:off x="0" y="-48240"/>
-            <a:ext cx="9143640" cy="6941880"/>
-          </a:xfrm>
-          <a:prstGeom prst="rect">
-            <a:avLst/>
-          </a:prstGeom>
-          <a:ln>
-            <a:noFill/>
-          </a:ln>
-        </p:spPr>
-      </p:pic>
-      <p:pic>
-        <p:nvPicPr>
-          <p:cNvPr id="127" name="Picture 2" descr=""/>
-          <p:cNvPicPr/>
-          <p:nvPr/>
-        </p:nvPicPr>
-        <p:blipFill>
-          <a:blip r:embed="rId2"/>
-          <a:stretch/>
-        </p:blipFill>
-        <p:spPr>
-          <a:xfrm>
-            <a:off x="6255360" y="68760"/>
-            <a:ext cx="2749320" cy="1423080"/>
-          </a:xfrm>
-          <a:prstGeom prst="rect">
-            <a:avLst/>
-          </a:prstGeom>
-          <a:ln>
-            <a:noFill/>
-          </a:ln>
-        </p:spPr>
-      </p:pic>
-      <p:sp>
-        <p:nvSpPr>
-          <p:cNvPr id="128" name="CustomShape 1"/>
-          <p:cNvSpPr/>
-          <p:nvPr/>
-        </p:nvSpPr>
-        <p:spPr>
-          <a:xfrm>
-            <a:off x="652320" y="276480"/>
-            <a:ext cx="2448000" cy="1007640"/>
-          </a:xfrm>
-          <a:prstGeom prst="rect">
-            <a:avLst/>
-          </a:prstGeom>
-          <a:noFill/>
-          <a:ln>
-            <a:noFill/>
-          </a:ln>
-        </p:spPr>
-        <p:style>
-          <a:lnRef idx="0"/>
-          <a:fillRef idx="0"/>
-          <a:effectRef idx="0"/>
-          <a:fontRef idx="minor"/>
-        </p:style>
-        <p:txBody>
-          <a:bodyPr anchor="ctr">
-            <a:normAutofit/>
-          </a:bodyPr>
-          <a:p>
-            <a:pPr>
-              <a:lnSpc>
-                <a:spcPct val="100000"/>
-              </a:lnSpc>
-            </a:pPr>
-            <a:r>
-              <a:rPr b="1" lang="pt-BR" sz="1400" spc="-1" strike="noStrike">
-                <a:solidFill>
-                  <a:srgbClr val="ffffff"/>
-                </a:solidFill>
-                <a:uFill>
-                  <a:solidFill>
-                    <a:srgbClr val="ffffff"/>
-                  </a:solidFill>
-                </a:uFill>
-                <a:latin typeface="Century Gothic"/>
-              </a:rPr>
-              <a:t>Obrigado pela atenção</a:t>
-            </a:r>
-            <a:endParaRPr b="0" lang="pt-BR" sz="1400" spc="-1" strike="noStrike">
-              <a:solidFill>
-                <a:srgbClr val="000000"/>
-              </a:solidFill>
-              <a:uFill>
-                <a:solidFill>
-                  <a:srgbClr val="ffffff"/>
-                </a:solidFill>
-              </a:uFill>
-              <a:latin typeface="Arial"/>
-            </a:endParaRPr>
-          </a:p>
-        </p:txBody>
-      </p:sp>
-      <p:sp>
-        <p:nvSpPr>
-          <p:cNvPr id="129" name="TextShape 2"/>
-          <p:cNvSpPr txBox="1"/>
-          <p:nvPr/>
-        </p:nvSpPr>
-        <p:spPr>
-          <a:xfrm>
-            <a:off x="652320" y="1703520"/>
-            <a:ext cx="4537080" cy="3914640"/>
-          </a:xfrm>
-          <a:prstGeom prst="rect">
-            <a:avLst/>
-          </a:prstGeom>
-          <a:noFill/>
-          <a:ln>
-            <a:noFill/>
-          </a:ln>
-        </p:spPr>
-        <p:txBody>
-          <a:bodyPr/>
-          <a:p>
-            <a:pPr>
-              <a:lnSpc>
-                <a:spcPct val="100000"/>
-              </a:lnSpc>
-              <a:spcBef>
-                <a:spcPts val="1001"/>
-              </a:spcBef>
-            </a:pPr>
-            <a:r>
-              <a:rPr b="0" lang="pt-BR" sz="2400" spc="-1" strike="noStrike">
-                <a:solidFill>
-                  <a:srgbClr val="ffffff"/>
-                </a:solidFill>
-                <a:uFill>
-                  <a:solidFill>
-                    <a:srgbClr val="ffffff"/>
-                  </a:solidFill>
-                </a:uFill>
-                <a:latin typeface="Calibri"/>
-              </a:rPr>
-              <a:t>Alisson da Silva Bueno </a:t>
-            </a:r>
-            <a:r>
-              <a:rPr b="0" lang="pt-BR" sz="2400" spc="-1" strike="noStrike">
-                <a:solidFill>
-                  <a:srgbClr val="ffffff"/>
-                </a:solidFill>
-                <a:uFill>
-                  <a:solidFill>
-                    <a:srgbClr val="ffffff"/>
-                  </a:solidFill>
-                </a:uFill>
-                <a:latin typeface="Calibri"/>
-              </a:rPr>
-              <a:t>	</a:t>
-            </a:r>
-            <a:endParaRPr b="0" lang="pt-BR" sz="2400" spc="-1" strike="noStrike">
-              <a:solidFill>
-                <a:srgbClr val="000000"/>
-              </a:solidFill>
-              <a:uFill>
-                <a:solidFill>
-                  <a:srgbClr val="ffffff"/>
-                </a:solidFill>
-              </a:uFill>
-              <a:latin typeface="Arial"/>
-            </a:endParaRPr>
-          </a:p>
-          <a:p>
-            <a:pPr>
-              <a:lnSpc>
-                <a:spcPct val="100000"/>
-              </a:lnSpc>
-              <a:spcBef>
-                <a:spcPts val="1001"/>
-              </a:spcBef>
-            </a:pPr>
-            <a:r>
-              <a:rPr b="0" lang="pt-BR" sz="2400" spc="-1" strike="noStrike">
-                <a:solidFill>
-                  <a:srgbClr val="ffffff"/>
-                </a:solidFill>
-                <a:uFill>
-                  <a:solidFill>
-                    <a:srgbClr val="ffffff"/>
-                  </a:solidFill>
-                </a:uFill>
-                <a:latin typeface="Calibri"/>
-              </a:rPr>
-              <a:t>Anderson José de Souza Inácio </a:t>
-            </a:r>
-            <a:endParaRPr b="0" lang="pt-BR" sz="2400" spc="-1" strike="noStrike">
-              <a:solidFill>
-                <a:srgbClr val="000000"/>
-              </a:solidFill>
-              <a:uFill>
-                <a:solidFill>
-                  <a:srgbClr val="ffffff"/>
-                </a:solidFill>
-              </a:uFill>
-              <a:latin typeface="Arial"/>
-            </a:endParaRPr>
-          </a:p>
-          <a:p>
-            <a:pPr>
-              <a:lnSpc>
-                <a:spcPct val="100000"/>
-              </a:lnSpc>
-              <a:spcBef>
-                <a:spcPts val="1001"/>
-              </a:spcBef>
-            </a:pPr>
-            <a:r>
-              <a:rPr b="0" lang="pt-BR" sz="2400" spc="-1" strike="noStrike">
-                <a:solidFill>
-                  <a:srgbClr val="ffffff"/>
-                </a:solidFill>
-                <a:uFill>
-                  <a:solidFill>
-                    <a:srgbClr val="ffffff"/>
-                  </a:solidFill>
-                </a:uFill>
-                <a:latin typeface="Calibri"/>
-              </a:rPr>
-              <a:t>Everton Luiz Sausen </a:t>
-            </a:r>
-            <a:r>
-              <a:rPr b="0" lang="pt-BR" sz="2400" spc="-1" strike="noStrike">
-                <a:solidFill>
-                  <a:srgbClr val="ffffff"/>
-                </a:solidFill>
-                <a:uFill>
-                  <a:solidFill>
-                    <a:srgbClr val="ffffff"/>
-                  </a:solidFill>
-                </a:uFill>
-                <a:latin typeface="Calibri"/>
-              </a:rPr>
-              <a:t>	</a:t>
-            </a:r>
-            <a:r>
-              <a:rPr b="0" lang="pt-BR" sz="2400" spc="-1" strike="noStrike">
-                <a:solidFill>
-                  <a:srgbClr val="ffffff"/>
-                </a:solidFill>
-                <a:uFill>
-                  <a:solidFill>
-                    <a:srgbClr val="ffffff"/>
-                  </a:solidFill>
-                </a:uFill>
-                <a:latin typeface="Calibri"/>
-              </a:rPr>
-              <a:t>	</a:t>
-            </a:r>
-            <a:endParaRPr b="0" lang="pt-BR" sz="2400" spc="-1" strike="noStrike">
-              <a:solidFill>
-                <a:srgbClr val="000000"/>
-              </a:solidFill>
-              <a:uFill>
-                <a:solidFill>
-                  <a:srgbClr val="ffffff"/>
-                </a:solidFill>
-              </a:uFill>
-              <a:latin typeface="Arial"/>
-            </a:endParaRPr>
-          </a:p>
-          <a:p>
-            <a:pPr>
-              <a:lnSpc>
-                <a:spcPct val="100000"/>
-              </a:lnSpc>
-              <a:spcBef>
-                <a:spcPts val="1001"/>
-              </a:spcBef>
-            </a:pPr>
-            <a:r>
-              <a:rPr b="0" lang="pt-BR" sz="2400" spc="-1" strike="noStrike">
-                <a:solidFill>
-                  <a:srgbClr val="ffffff"/>
-                </a:solidFill>
-                <a:uFill>
-                  <a:solidFill>
-                    <a:srgbClr val="ffffff"/>
-                  </a:solidFill>
-                </a:uFill>
-                <a:latin typeface="Calibri"/>
-              </a:rPr>
-              <a:t>Fernando André de Lima</a:t>
-            </a:r>
-            <a:endParaRPr b="0" lang="pt-BR" sz="2400" spc="-1" strike="noStrike">
-              <a:solidFill>
-                <a:srgbClr val="000000"/>
-              </a:solidFill>
-              <a:uFill>
-                <a:solidFill>
-                  <a:srgbClr val="ffffff"/>
-                </a:solidFill>
-              </a:uFill>
-              <a:latin typeface="Arial"/>
-            </a:endParaRPr>
-          </a:p>
-          <a:p>
-            <a:pPr>
-              <a:lnSpc>
-                <a:spcPct val="100000"/>
-              </a:lnSpc>
-              <a:spcBef>
-                <a:spcPts val="1001"/>
-              </a:spcBef>
-            </a:pPr>
-            <a:r>
-              <a:rPr b="0" lang="pt-BR" sz="2400" spc="-1" strike="noStrike">
-                <a:solidFill>
-                  <a:srgbClr val="ffffff"/>
-                </a:solidFill>
-                <a:uFill>
-                  <a:solidFill>
-                    <a:srgbClr val="ffffff"/>
-                  </a:solidFill>
-                </a:uFill>
-                <a:latin typeface="Calibri"/>
-              </a:rPr>
-              <a:t>Joziel Alves de Souza </a:t>
-            </a:r>
-            <a:endParaRPr b="0" lang="pt-BR" sz="2400" spc="-1" strike="noStrike">
-              <a:solidFill>
-                <a:srgbClr val="000000"/>
-              </a:solidFill>
-              <a:uFill>
-                <a:solidFill>
-                  <a:srgbClr val="ffffff"/>
-                </a:solidFill>
-              </a:uFill>
-              <a:latin typeface="Arial"/>
-            </a:endParaRPr>
-          </a:p>
-          <a:p>
-            <a:pPr algn="just">
-              <a:lnSpc>
-                <a:spcPct val="100000"/>
-              </a:lnSpc>
-              <a:spcBef>
-                <a:spcPts val="1001"/>
-              </a:spcBef>
-            </a:pPr>
-            <a:endParaRPr b="0" lang="pt-BR" sz="2400" spc="-1" strike="noStrike">
-              <a:solidFill>
-                <a:srgbClr val="000000"/>
-              </a:solidFill>
-              <a:uFill>
-                <a:solidFill>
-                  <a:srgbClr val="ffffff"/>
-                </a:solidFill>
-              </a:uFill>
-              <a:latin typeface="Arial"/>
-            </a:endParaRPr>
-          </a:p>
-        </p:txBody>
-      </p:sp>
-    </p:spTree>
-  </p:cSld>
-  <p:timing>
-    <p:tnLst>
-      <p:par>
-        <p:cTn id="41" dur="indefinite" restart="never" nodeType="tmRoot">
-          <p:childTnLst>
-            <p:seq>
-              <p:cTn id="42" nodeType="mainSeq"/>
               <p:prevCondLst>
                 <p:cond delay="0" evt="onPrev">
                   <p:tgtEl>
@@ -6025,7 +4111,7 @@
       </p:grpSpPr>
       <p:pic>
         <p:nvPicPr>
-          <p:cNvPr id="47" name="Imagem 2" descr=""/>
+          <p:cNvPr id="44" name="Imagem 2" descr=""/>
           <p:cNvPicPr/>
           <p:nvPr/>
         </p:nvPicPr>
@@ -6036,7 +4122,7 @@
         <p:spPr>
           <a:xfrm>
             <a:off x="0" y="-48240"/>
-            <a:ext cx="9143640" cy="6941880"/>
+            <a:ext cx="9143280" cy="6941520"/>
           </a:xfrm>
           <a:prstGeom prst="rect">
             <a:avLst/>
@@ -6048,7 +4134,7 @@
       </p:pic>
       <p:pic>
         <p:nvPicPr>
-          <p:cNvPr id="48" name="Picture 2" descr=""/>
+          <p:cNvPr id="45" name="Picture 2" descr=""/>
           <p:cNvPicPr/>
           <p:nvPr/>
         </p:nvPicPr>
@@ -6059,7 +4145,7 @@
         <p:spPr>
           <a:xfrm>
             <a:off x="6255360" y="68760"/>
-            <a:ext cx="2749320" cy="1423080"/>
+            <a:ext cx="2748960" cy="1422720"/>
           </a:xfrm>
           <a:prstGeom prst="rect">
             <a:avLst/>
@@ -6071,14 +4157,14 @@
       </p:pic>
       <p:sp>
         <p:nvSpPr>
-          <p:cNvPr id="49" name="TextShape 1"/>
-          <p:cNvSpPr txBox="1"/>
+          <p:cNvPr id="46" name="CustomShape 1"/>
+          <p:cNvSpPr/>
           <p:nvPr/>
         </p:nvSpPr>
         <p:spPr>
           <a:xfrm>
             <a:off x="651960" y="2293560"/>
-            <a:ext cx="7948800" cy="3878280"/>
+            <a:ext cx="7948440" cy="3877920"/>
           </a:xfrm>
           <a:prstGeom prst="rect">
             <a:avLst/>
@@ -6088,8 +4174,14 @@
             <a:noFill/>
           </a:ln>
         </p:spPr>
+        <p:style>
+          <a:lnRef idx="0"/>
+          <a:fillRef idx="0"/>
+          <a:effectRef idx="0"/>
+          <a:fontRef idx="minor"/>
+        </p:style>
         <p:txBody>
-          <a:bodyPr/>
+          <a:bodyPr lIns="90000" rIns="90000" tIns="45000" bIns="45000"/>
           <a:p>
             <a:pPr algn="just">
               <a:lnSpc>
@@ -6150,14 +4242,14 @@
       </p:sp>
       <p:sp>
         <p:nvSpPr>
-          <p:cNvPr id="50" name="CustomShape 2"/>
+          <p:cNvPr id="47" name="CustomShape 2"/>
           <p:cNvSpPr/>
           <p:nvPr/>
         </p:nvSpPr>
         <p:spPr>
           <a:xfrm>
             <a:off x="651960" y="276480"/>
-            <a:ext cx="2448000" cy="1007640"/>
+            <a:ext cx="2447640" cy="1007280"/>
           </a:xfrm>
           <a:prstGeom prst="rect">
             <a:avLst/>
@@ -6174,7 +4266,7 @@
           <a:fontRef idx="minor"/>
         </p:style>
         <p:txBody>
-          <a:bodyPr anchor="ctr">
+          <a:bodyPr lIns="90000" rIns="90000" tIns="45000" bIns="45000" anchor="ctr">
             <a:normAutofit/>
           </a:bodyPr>
           <a:p>
@@ -6194,6 +4286,7 @@
                   </a:solidFill>
                 </a:uFill>
                 <a:latin typeface="Century Gothic"/>
+                <a:ea typeface="DejaVu Sans"/>
               </a:rPr>
               <a:t>Introdução</a:t>
             </a:r>
@@ -6262,7 +4355,7 @@
       </p:grpSpPr>
       <p:pic>
         <p:nvPicPr>
-          <p:cNvPr id="51" name="Imagem 2" descr=""/>
+          <p:cNvPr id="48" name="Imagem 2" descr=""/>
           <p:cNvPicPr/>
           <p:nvPr/>
         </p:nvPicPr>
@@ -6273,7 +4366,7 @@
         <p:spPr>
           <a:xfrm>
             <a:off x="0" y="-48240"/>
-            <a:ext cx="9143640" cy="6941880"/>
+            <a:ext cx="9143280" cy="6941520"/>
           </a:xfrm>
           <a:prstGeom prst="rect">
             <a:avLst/>
@@ -6285,7 +4378,7 @@
       </p:pic>
       <p:pic>
         <p:nvPicPr>
-          <p:cNvPr id="52" name="Picture 2" descr=""/>
+          <p:cNvPr id="49" name="Picture 2" descr=""/>
           <p:cNvPicPr/>
           <p:nvPr/>
         </p:nvPicPr>
@@ -6296,7 +4389,7 @@
         <p:spPr>
           <a:xfrm>
             <a:off x="6255360" y="68760"/>
-            <a:ext cx="2749320" cy="1423080"/>
+            <a:ext cx="2748960" cy="1422720"/>
           </a:xfrm>
           <a:prstGeom prst="rect">
             <a:avLst/>
@@ -6308,14 +4401,14 @@
       </p:pic>
       <p:sp>
         <p:nvSpPr>
-          <p:cNvPr id="53" name="CustomShape 1"/>
+          <p:cNvPr id="50" name="CustomShape 1"/>
           <p:cNvSpPr/>
           <p:nvPr/>
         </p:nvSpPr>
         <p:spPr>
           <a:xfrm>
             <a:off x="652320" y="276480"/>
-            <a:ext cx="2448000" cy="1007640"/>
+            <a:ext cx="2447640" cy="1007280"/>
           </a:xfrm>
           <a:prstGeom prst="rect">
             <a:avLst/>
@@ -6332,7 +4425,7 @@
           <a:fontRef idx="minor"/>
         </p:style>
         <p:txBody>
-          <a:bodyPr anchor="ctr">
+          <a:bodyPr lIns="90000" rIns="90000" tIns="45000" bIns="45000" anchor="ctr">
             <a:normAutofit/>
           </a:bodyPr>
           <a:p>
@@ -6352,6 +4445,7 @@
                   </a:solidFill>
                 </a:uFill>
                 <a:latin typeface="Century Gothic"/>
+                <a:ea typeface="DejaVu Sans"/>
               </a:rPr>
               <a:t>Problema de Pesquisa</a:t>
             </a:r>
@@ -6371,14 +4465,14 @@
       </p:sp>
       <p:sp>
         <p:nvSpPr>
-          <p:cNvPr id="54" name="TextShape 2"/>
-          <p:cNvSpPr txBox="1"/>
+          <p:cNvPr id="51" name="CustomShape 2"/>
+          <p:cNvSpPr/>
           <p:nvPr/>
         </p:nvSpPr>
         <p:spPr>
           <a:xfrm>
             <a:off x="652320" y="2293920"/>
-            <a:ext cx="7948080" cy="3877920"/>
+            <a:ext cx="7947720" cy="3877560"/>
           </a:xfrm>
           <a:prstGeom prst="rect">
             <a:avLst/>
@@ -6388,8 +4482,14 @@
             <a:noFill/>
           </a:ln>
         </p:spPr>
+        <p:style>
+          <a:lnRef idx="0"/>
+          <a:fillRef idx="0"/>
+          <a:effectRef idx="0"/>
+          <a:fontRef idx="minor"/>
+        </p:style>
         <p:txBody>
-          <a:bodyPr/>
+          <a:bodyPr lIns="90000" rIns="90000" tIns="45000" bIns="45000"/>
           <a:p>
             <a:pPr algn="just">
               <a:lnSpc>
@@ -6499,7 +4599,7 @@
       </p:grpSpPr>
       <p:pic>
         <p:nvPicPr>
-          <p:cNvPr id="55" name="Imagem 2" descr=""/>
+          <p:cNvPr id="52" name="Imagem 2" descr=""/>
           <p:cNvPicPr/>
           <p:nvPr/>
         </p:nvPicPr>
@@ -6510,7 +4610,7 @@
         <p:spPr>
           <a:xfrm>
             <a:off x="0" y="-48240"/>
-            <a:ext cx="9143640" cy="6941880"/>
+            <a:ext cx="9143280" cy="6941520"/>
           </a:xfrm>
           <a:prstGeom prst="rect">
             <a:avLst/>
@@ -6522,7 +4622,7 @@
       </p:pic>
       <p:pic>
         <p:nvPicPr>
-          <p:cNvPr id="56" name="Picture 2" descr=""/>
+          <p:cNvPr id="53" name="Picture 2" descr=""/>
           <p:cNvPicPr/>
           <p:nvPr/>
         </p:nvPicPr>
@@ -6533,7 +4633,7 @@
         <p:spPr>
           <a:xfrm>
             <a:off x="6255360" y="68760"/>
-            <a:ext cx="2749320" cy="1423080"/>
+            <a:ext cx="2748960" cy="1422720"/>
           </a:xfrm>
           <a:prstGeom prst="rect">
             <a:avLst/>
@@ -6545,14 +4645,14 @@
       </p:pic>
       <p:sp>
         <p:nvSpPr>
-          <p:cNvPr id="57" name="CustomShape 1"/>
+          <p:cNvPr id="54" name="CustomShape 1"/>
           <p:cNvSpPr/>
           <p:nvPr/>
         </p:nvSpPr>
         <p:spPr>
           <a:xfrm>
             <a:off x="652320" y="276480"/>
-            <a:ext cx="2448000" cy="1007640"/>
+            <a:ext cx="2447640" cy="1007280"/>
           </a:xfrm>
           <a:prstGeom prst="rect">
             <a:avLst/>
@@ -6569,7 +4669,7 @@
           <a:fontRef idx="minor"/>
         </p:style>
         <p:txBody>
-          <a:bodyPr anchor="ctr">
+          <a:bodyPr lIns="90000" rIns="90000" tIns="45000" bIns="45000" anchor="ctr">
             <a:normAutofit/>
           </a:bodyPr>
           <a:p>
@@ -6589,6 +4689,7 @@
                   </a:solidFill>
                 </a:uFill>
                 <a:latin typeface="Century Gothic"/>
+                <a:ea typeface="DejaVu Sans"/>
               </a:rPr>
               <a:t>Objetivo</a:t>
             </a:r>
@@ -6608,14 +4709,14 @@
       </p:sp>
       <p:sp>
         <p:nvSpPr>
-          <p:cNvPr id="58" name="TextShape 2"/>
-          <p:cNvSpPr txBox="1"/>
+          <p:cNvPr id="55" name="CustomShape 2"/>
+          <p:cNvSpPr/>
           <p:nvPr/>
         </p:nvSpPr>
         <p:spPr>
           <a:xfrm>
             <a:off x="652320" y="2293920"/>
-            <a:ext cx="7948080" cy="3877920"/>
+            <a:ext cx="7947720" cy="3877560"/>
           </a:xfrm>
           <a:prstGeom prst="rect">
             <a:avLst/>
@@ -6625,8 +4726,14 @@
             <a:noFill/>
           </a:ln>
         </p:spPr>
+        <p:style>
+          <a:lnRef idx="0"/>
+          <a:fillRef idx="0"/>
+          <a:effectRef idx="0"/>
+          <a:fontRef idx="minor"/>
+        </p:style>
         <p:txBody>
-          <a:bodyPr/>
+          <a:bodyPr lIns="90000" rIns="90000" tIns="45000" bIns="45000"/>
           <a:p>
             <a:pPr algn="just">
               <a:lnSpc>
@@ -6816,7 +4923,7 @@
                 </a:uFill>
                 <a:latin typeface="Calibri"/>
               </a:rPr>
-              <a:t>Adquirir competências de desenvolvimento web com Java EE, utilizar a ferramenta PostgreSQL, Hibernate, Wildflay e REST. </a:t>
+              <a:t>Adquirir competências de desenvolvimento web com Java EE, utilizar a ferramenta PostgreSQL, Hibernate, Wildfly e Jersey junto ao JAX-RS. </a:t>
             </a:r>
             <a:endParaRPr b="0" lang="pt-BR" sz="2400" spc="-1" strike="noStrike">
               <a:solidFill>
@@ -6904,7 +5011,7 @@
       </p:grpSpPr>
       <p:pic>
         <p:nvPicPr>
-          <p:cNvPr id="59" name="Imagem 2" descr=""/>
+          <p:cNvPr id="56" name="Imagem 2" descr=""/>
           <p:cNvPicPr/>
           <p:nvPr/>
         </p:nvPicPr>
@@ -6915,7 +5022,7 @@
         <p:spPr>
           <a:xfrm>
             <a:off x="0" y="-48240"/>
-            <a:ext cx="9143640" cy="6941880"/>
+            <a:ext cx="9143280" cy="6941520"/>
           </a:xfrm>
           <a:prstGeom prst="rect">
             <a:avLst/>
@@ -6927,7 +5034,7 @@
       </p:pic>
       <p:pic>
         <p:nvPicPr>
-          <p:cNvPr id="60" name="Picture 2" descr=""/>
+          <p:cNvPr id="57" name="Picture 2" descr=""/>
           <p:cNvPicPr/>
           <p:nvPr/>
         </p:nvPicPr>
@@ -6938,7 +5045,7 @@
         <p:spPr>
           <a:xfrm>
             <a:off x="6255360" y="68760"/>
-            <a:ext cx="2749320" cy="1423080"/>
+            <a:ext cx="2748960" cy="1422720"/>
           </a:xfrm>
           <a:prstGeom prst="rect">
             <a:avLst/>
@@ -6950,14 +5057,14 @@
       </p:pic>
       <p:sp>
         <p:nvSpPr>
-          <p:cNvPr id="61" name="CustomShape 1"/>
+          <p:cNvPr id="58" name="CustomShape 1"/>
           <p:cNvSpPr/>
           <p:nvPr/>
         </p:nvSpPr>
         <p:spPr>
           <a:xfrm>
             <a:off x="652320" y="276480"/>
-            <a:ext cx="2448000" cy="1007640"/>
+            <a:ext cx="2447640" cy="1007280"/>
           </a:xfrm>
           <a:prstGeom prst="rect">
             <a:avLst/>
@@ -6974,7 +5081,7 @@
           <a:fontRef idx="minor"/>
         </p:style>
         <p:txBody>
-          <a:bodyPr anchor="ctr">
+          <a:bodyPr lIns="90000" rIns="90000" tIns="45000" bIns="45000" anchor="ctr">
             <a:normAutofit/>
           </a:bodyPr>
           <a:p>
@@ -6994,6 +5101,7 @@
                   </a:solidFill>
                 </a:uFill>
                 <a:latin typeface="Century Gothic"/>
+                <a:ea typeface="DejaVu Sans"/>
               </a:rPr>
               <a:t>Justificativa</a:t>
             </a:r>
@@ -7013,14 +5121,14 @@
       </p:sp>
       <p:sp>
         <p:nvSpPr>
-          <p:cNvPr id="62" name="TextShape 2"/>
-          <p:cNvSpPr txBox="1"/>
+          <p:cNvPr id="59" name="CustomShape 2"/>
+          <p:cNvSpPr/>
           <p:nvPr/>
         </p:nvSpPr>
         <p:spPr>
           <a:xfrm>
             <a:off x="652320" y="2356200"/>
-            <a:ext cx="7948080" cy="3815640"/>
+            <a:ext cx="7947720" cy="3815280"/>
           </a:xfrm>
           <a:prstGeom prst="rect">
             <a:avLst/>
@@ -7030,8 +5138,14 @@
             <a:noFill/>
           </a:ln>
         </p:spPr>
+        <p:style>
+          <a:lnRef idx="0"/>
+          <a:fillRef idx="0"/>
+          <a:effectRef idx="0"/>
+          <a:fontRef idx="minor"/>
+        </p:style>
         <p:txBody>
-          <a:bodyPr/>
+          <a:bodyPr lIns="90000" rIns="90000" tIns="45000" bIns="45000"/>
           <a:p>
             <a:pPr algn="just">
               <a:lnSpc>
@@ -7239,7 +5353,7 @@
       </p:grpSpPr>
       <p:pic>
         <p:nvPicPr>
-          <p:cNvPr id="63" name="Imagem 2" descr=""/>
+          <p:cNvPr id="60" name="Imagem 2" descr=""/>
           <p:cNvPicPr/>
           <p:nvPr/>
         </p:nvPicPr>
@@ -7250,7 +5364,7 @@
         <p:spPr>
           <a:xfrm>
             <a:off x="0" y="-48240"/>
-            <a:ext cx="9143640" cy="6941880"/>
+            <a:ext cx="9143280" cy="6941520"/>
           </a:xfrm>
           <a:prstGeom prst="rect">
             <a:avLst/>
@@ -7262,7 +5376,7 @@
       </p:pic>
       <p:pic>
         <p:nvPicPr>
-          <p:cNvPr id="64" name="Picture 2" descr=""/>
+          <p:cNvPr id="61" name="Picture 2" descr=""/>
           <p:cNvPicPr/>
           <p:nvPr/>
         </p:nvPicPr>
@@ -7273,7 +5387,7 @@
         <p:spPr>
           <a:xfrm>
             <a:off x="6255360" y="68760"/>
-            <a:ext cx="2749320" cy="1423080"/>
+            <a:ext cx="2748960" cy="1422720"/>
           </a:xfrm>
           <a:prstGeom prst="rect">
             <a:avLst/>
@@ -7285,14 +5399,14 @@
       </p:pic>
       <p:sp>
         <p:nvSpPr>
-          <p:cNvPr id="65" name="CustomShape 1"/>
+          <p:cNvPr id="62" name="CustomShape 1"/>
           <p:cNvSpPr/>
           <p:nvPr/>
         </p:nvSpPr>
         <p:spPr>
           <a:xfrm>
             <a:off x="652320" y="276480"/>
-            <a:ext cx="2448000" cy="1007640"/>
+            <a:ext cx="2447640" cy="1007280"/>
           </a:xfrm>
           <a:prstGeom prst="rect">
             <a:avLst/>
@@ -7309,7 +5423,7 @@
           <a:fontRef idx="minor"/>
         </p:style>
         <p:txBody>
-          <a:bodyPr anchor="ctr">
+          <a:bodyPr lIns="90000" rIns="90000" tIns="45000" bIns="45000" anchor="ctr">
             <a:normAutofit/>
           </a:bodyPr>
           <a:p>
@@ -7329,6 +5443,7 @@
                   </a:solidFill>
                 </a:uFill>
                 <a:latin typeface="Century Gothic"/>
+                <a:ea typeface="DejaVu Sans"/>
               </a:rPr>
               <a:t>Justificativa</a:t>
             </a:r>
@@ -7348,14 +5463,14 @@
       </p:sp>
       <p:sp>
         <p:nvSpPr>
-          <p:cNvPr id="66" name="TextShape 2"/>
-          <p:cNvSpPr txBox="1"/>
+          <p:cNvPr id="63" name="CustomShape 2"/>
+          <p:cNvSpPr/>
           <p:nvPr/>
         </p:nvSpPr>
         <p:spPr>
           <a:xfrm>
             <a:off x="652320" y="2356200"/>
-            <a:ext cx="7948080" cy="3815640"/>
+            <a:ext cx="7947720" cy="3815280"/>
           </a:xfrm>
           <a:prstGeom prst="rect">
             <a:avLst/>
@@ -7365,8 +5480,14 @@
             <a:noFill/>
           </a:ln>
         </p:spPr>
+        <p:style>
+          <a:lnRef idx="0"/>
+          <a:fillRef idx="0"/>
+          <a:effectRef idx="0"/>
+          <a:fontRef idx="minor"/>
+        </p:style>
         <p:txBody>
-          <a:bodyPr/>
+          <a:bodyPr lIns="90000" rIns="90000" tIns="45000" bIns="45000"/>
           <a:p>
             <a:pPr algn="just">
               <a:lnSpc>
@@ -7476,7 +5597,7 @@
       </p:grpSpPr>
       <p:pic>
         <p:nvPicPr>
-          <p:cNvPr id="67" name="Imagem 2" descr=""/>
+          <p:cNvPr id="64" name="Imagem 2" descr=""/>
           <p:cNvPicPr/>
           <p:nvPr/>
         </p:nvPicPr>
@@ -7487,7 +5608,7 @@
         <p:spPr>
           <a:xfrm>
             <a:off x="0" y="-48240"/>
-            <a:ext cx="9143640" cy="6941880"/>
+            <a:ext cx="9143280" cy="6941520"/>
           </a:xfrm>
           <a:prstGeom prst="rect">
             <a:avLst/>
@@ -7499,7 +5620,7 @@
       </p:pic>
       <p:pic>
         <p:nvPicPr>
-          <p:cNvPr id="68" name="Picture 2" descr=""/>
+          <p:cNvPr id="65" name="Picture 2" descr=""/>
           <p:cNvPicPr/>
           <p:nvPr/>
         </p:nvPicPr>
@@ -7510,7 +5631,7 @@
         <p:spPr>
           <a:xfrm>
             <a:off x="6255360" y="68760"/>
-            <a:ext cx="2749320" cy="1423080"/>
+            <a:ext cx="2748960" cy="1422720"/>
           </a:xfrm>
           <a:prstGeom prst="rect">
             <a:avLst/>
@@ -7522,14 +5643,14 @@
       </p:pic>
       <p:sp>
         <p:nvSpPr>
-          <p:cNvPr id="69" name="CustomShape 1"/>
+          <p:cNvPr id="66" name="CustomShape 1"/>
           <p:cNvSpPr/>
           <p:nvPr/>
         </p:nvSpPr>
         <p:spPr>
           <a:xfrm>
             <a:off x="652320" y="276480"/>
-            <a:ext cx="2448000" cy="1007640"/>
+            <a:ext cx="2447640" cy="1007280"/>
           </a:xfrm>
           <a:prstGeom prst="rect">
             <a:avLst/>
@@ -7546,7 +5667,7 @@
           <a:fontRef idx="minor"/>
         </p:style>
         <p:txBody>
-          <a:bodyPr anchor="ctr">
+          <a:bodyPr lIns="90000" rIns="90000" tIns="45000" bIns="45000" anchor="ctr">
             <a:normAutofit/>
           </a:bodyPr>
           <a:p>
@@ -7566,6 +5687,7 @@
                   </a:solidFill>
                 </a:uFill>
                 <a:latin typeface="Century Gothic"/>
+                <a:ea typeface="DejaVu Sans"/>
               </a:rPr>
               <a:t>Metodologia</a:t>
             </a:r>
@@ -7585,14 +5707,14 @@
       </p:sp>
       <p:sp>
         <p:nvSpPr>
-          <p:cNvPr id="70" name="TextShape 2"/>
-          <p:cNvSpPr txBox="1"/>
+          <p:cNvPr id="67" name="CustomShape 2"/>
+          <p:cNvSpPr/>
           <p:nvPr/>
         </p:nvSpPr>
         <p:spPr>
           <a:xfrm>
             <a:off x="652320" y="2117160"/>
-            <a:ext cx="7948080" cy="4054680"/>
+            <a:ext cx="7947720" cy="4054320"/>
           </a:xfrm>
           <a:prstGeom prst="rect">
             <a:avLst/>
@@ -7602,8 +5724,14 @@
             <a:noFill/>
           </a:ln>
         </p:spPr>
+        <p:style>
+          <a:lnRef idx="0"/>
+          <a:fillRef idx="0"/>
+          <a:effectRef idx="0"/>
+          <a:fontRef idx="minor"/>
+        </p:style>
         <p:txBody>
-          <a:bodyPr/>
+          <a:bodyPr lIns="90000" rIns="90000" tIns="45000" bIns="45000"/>
           <a:p>
             <a:pPr algn="just">
               <a:lnSpc>
@@ -7713,7 +5841,7 @@
       </p:grpSpPr>
       <p:pic>
         <p:nvPicPr>
-          <p:cNvPr id="71" name="Imagem 2" descr=""/>
+          <p:cNvPr id="68" name="Imagem 2" descr=""/>
           <p:cNvPicPr/>
           <p:nvPr/>
         </p:nvPicPr>
@@ -7724,7 +5852,7 @@
         <p:spPr>
           <a:xfrm>
             <a:off x="0" y="-48240"/>
-            <a:ext cx="9143640" cy="6941880"/>
+            <a:ext cx="9143280" cy="6941520"/>
           </a:xfrm>
           <a:prstGeom prst="rect">
             <a:avLst/>
@@ -7736,7 +5864,7 @@
       </p:pic>
       <p:pic>
         <p:nvPicPr>
-          <p:cNvPr id="72" name="Picture 2" descr=""/>
+          <p:cNvPr id="69" name="Picture 2" descr=""/>
           <p:cNvPicPr/>
           <p:nvPr/>
         </p:nvPicPr>
@@ -7747,7 +5875,7 @@
         <p:spPr>
           <a:xfrm>
             <a:off x="6255360" y="68760"/>
-            <a:ext cx="2749320" cy="1423080"/>
+            <a:ext cx="2748960" cy="1422720"/>
           </a:xfrm>
           <a:prstGeom prst="rect">
             <a:avLst/>
@@ -7759,14 +5887,14 @@
       </p:pic>
       <p:sp>
         <p:nvSpPr>
-          <p:cNvPr id="73" name="CustomShape 1"/>
+          <p:cNvPr id="70" name="CustomShape 1"/>
           <p:cNvSpPr/>
           <p:nvPr/>
         </p:nvSpPr>
         <p:spPr>
           <a:xfrm>
             <a:off x="652320" y="276480"/>
-            <a:ext cx="2448000" cy="1007640"/>
+            <a:ext cx="2447640" cy="1007280"/>
           </a:xfrm>
           <a:prstGeom prst="rect">
             <a:avLst/>
@@ -7783,7 +5911,7 @@
           <a:fontRef idx="minor"/>
         </p:style>
         <p:txBody>
-          <a:bodyPr anchor="ctr">
+          <a:bodyPr lIns="90000" rIns="90000" tIns="45000" bIns="45000" anchor="ctr">
             <a:normAutofit/>
           </a:bodyPr>
           <a:p>
@@ -7803,6 +5931,7 @@
                   </a:solidFill>
                 </a:uFill>
                 <a:latin typeface="Century Gothic"/>
+                <a:ea typeface="DejaVu Sans"/>
               </a:rPr>
               <a:t>Metodologia</a:t>
             </a:r>
@@ -7822,14 +5951,14 @@
       </p:sp>
       <p:sp>
         <p:nvSpPr>
-          <p:cNvPr id="74" name="TextShape 2"/>
-          <p:cNvSpPr txBox="1"/>
+          <p:cNvPr id="71" name="CustomShape 2"/>
+          <p:cNvSpPr/>
           <p:nvPr/>
         </p:nvSpPr>
         <p:spPr>
           <a:xfrm>
             <a:off x="652320" y="2117160"/>
-            <a:ext cx="7948080" cy="4054680"/>
+            <a:ext cx="7947720" cy="4054320"/>
           </a:xfrm>
           <a:prstGeom prst="rect">
             <a:avLst/>
@@ -7839,8 +5968,14 @@
             <a:noFill/>
           </a:ln>
         </p:spPr>
+        <p:style>
+          <a:lnRef idx="0"/>
+          <a:fillRef idx="0"/>
+          <a:effectRef idx="0"/>
+          <a:fontRef idx="minor"/>
+        </p:style>
         <p:txBody>
-          <a:bodyPr/>
+          <a:bodyPr lIns="90000" rIns="90000" tIns="45000" bIns="45000"/>
           <a:p>
             <a:pPr algn="just">
               <a:lnSpc>
@@ -7901,7 +6036,7 @@
       </p:sp>
       <p:pic>
         <p:nvPicPr>
-          <p:cNvPr id="75" name="Imagem 6" descr=""/>
+          <p:cNvPr id="72" name="Imagem 6" descr=""/>
           <p:cNvPicPr/>
           <p:nvPr/>
         </p:nvPicPr>
@@ -7912,7 +6047,7 @@
         <p:spPr>
           <a:xfrm>
             <a:off x="4626720" y="3462120"/>
-            <a:ext cx="3959280" cy="2528280"/>
+            <a:ext cx="3958920" cy="2527920"/>
           </a:xfrm>
           <a:prstGeom prst="rect">
             <a:avLst/>

--- a/doc/Entregas_Desenvolvimento_de_APP/Recruta-Slide v1.5.pptx
+++ b/doc/Entregas_Desenvolvimento_de_APP/Recruta-Slide v1.5.pptx
@@ -78,7 +78,7 @@
         <p:spPr>
           <a:xfrm>
             <a:off x="685800" y="1122480"/>
-            <a:ext cx="7771680" cy="2386800"/>
+            <a:ext cx="7771320" cy="2386440"/>
           </a:xfrm>
           <a:prstGeom prst="rect">
             <a:avLst/>
@@ -115,7 +115,7 @@
         <p:spPr>
           <a:xfrm>
             <a:off x="457200" y="1604520"/>
-            <a:ext cx="8229240" cy="1896840"/>
+            <a:ext cx="8228880" cy="1896840"/>
           </a:xfrm>
           <a:prstGeom prst="rect">
             <a:avLst/>
@@ -153,7 +153,7 @@
         <p:spPr>
           <a:xfrm>
             <a:off x="457200" y="3682080"/>
-            <a:ext cx="8229240" cy="1896840"/>
+            <a:ext cx="8228880" cy="1896840"/>
           </a:xfrm>
           <a:prstGeom prst="rect">
             <a:avLst/>
@@ -213,7 +213,7 @@
         <p:spPr>
           <a:xfrm>
             <a:off x="685800" y="1122480"/>
-            <a:ext cx="7771680" cy="2386800"/>
+            <a:ext cx="7771320" cy="2386440"/>
           </a:xfrm>
           <a:prstGeom prst="rect">
             <a:avLst/>
@@ -250,7 +250,7 @@
         <p:spPr>
           <a:xfrm>
             <a:off x="457200" y="1604520"/>
-            <a:ext cx="4015800" cy="1896840"/>
+            <a:ext cx="4015440" cy="1896840"/>
           </a:xfrm>
           <a:prstGeom prst="rect">
             <a:avLst/>
@@ -287,8 +287,8 @@
         </p:nvSpPr>
         <p:spPr>
           <a:xfrm>
-            <a:off x="4674240" y="1604520"/>
-            <a:ext cx="4015800" cy="1896840"/>
+            <a:off x="4673880" y="1604520"/>
+            <a:ext cx="4015440" cy="1896840"/>
           </a:xfrm>
           <a:prstGeom prst="rect">
             <a:avLst/>
@@ -325,8 +325,8 @@
         </p:nvSpPr>
         <p:spPr>
           <a:xfrm>
-            <a:off x="4674240" y="3682080"/>
-            <a:ext cx="4015800" cy="1896840"/>
+            <a:off x="4673880" y="3682080"/>
+            <a:ext cx="4015440" cy="1896840"/>
           </a:xfrm>
           <a:prstGeom prst="rect">
             <a:avLst/>
@@ -364,7 +364,7 @@
         <p:spPr>
           <a:xfrm>
             <a:off x="457200" y="3682080"/>
-            <a:ext cx="4015800" cy="1896840"/>
+            <a:ext cx="4015440" cy="1896840"/>
           </a:xfrm>
           <a:prstGeom prst="rect">
             <a:avLst/>
@@ -424,7 +424,7 @@
         <p:spPr>
           <a:xfrm>
             <a:off x="685800" y="1122480"/>
-            <a:ext cx="7771680" cy="2386800"/>
+            <a:ext cx="7771320" cy="2386440"/>
           </a:xfrm>
           <a:prstGeom prst="rect">
             <a:avLst/>
@@ -461,7 +461,7 @@
         <p:spPr>
           <a:xfrm>
             <a:off x="457200" y="1604520"/>
-            <a:ext cx="8229240" cy="3977280"/>
+            <a:ext cx="8228880" cy="3976920"/>
           </a:xfrm>
           <a:prstGeom prst="rect">
             <a:avLst/>
@@ -499,7 +499,7 @@
         <p:spPr>
           <a:xfrm>
             <a:off x="457200" y="1604520"/>
-            <a:ext cx="8229240" cy="3977280"/>
+            <a:ext cx="8228880" cy="3976920"/>
           </a:xfrm>
           <a:prstGeom prst="rect">
             <a:avLst/>
@@ -536,8 +536,8 @@
         </p:blipFill>
         <p:spPr>
           <a:xfrm>
-            <a:off x="2079000" y="1604520"/>
-            <a:ext cx="4984920" cy="3977280"/>
+            <a:off x="2079360" y="1604160"/>
+            <a:ext cx="4984200" cy="3976920"/>
           </a:xfrm>
           <a:prstGeom prst="rect">
             <a:avLst/>
@@ -559,8 +559,8 @@
         </p:blipFill>
         <p:spPr>
           <a:xfrm>
-            <a:off x="2079000" y="1604520"/>
-            <a:ext cx="4984920" cy="3977280"/>
+            <a:off x="2079360" y="1604160"/>
+            <a:ext cx="4984200" cy="3976920"/>
           </a:xfrm>
           <a:prstGeom prst="rect">
             <a:avLst/>
@@ -605,7 +605,7 @@
         <p:spPr>
           <a:xfrm>
             <a:off x="685800" y="1122480"/>
-            <a:ext cx="7771680" cy="2386800"/>
+            <a:ext cx="7771320" cy="2386440"/>
           </a:xfrm>
           <a:prstGeom prst="rect">
             <a:avLst/>
@@ -642,7 +642,7 @@
         <p:spPr>
           <a:xfrm>
             <a:off x="457200" y="1604520"/>
-            <a:ext cx="8229240" cy="3977280"/>
+            <a:ext cx="8228880" cy="3976920"/>
           </a:xfrm>
           <a:prstGeom prst="rect">
             <a:avLst/>
@@ -701,7 +701,7 @@
         <p:spPr>
           <a:xfrm>
             <a:off x="685800" y="1122480"/>
-            <a:ext cx="7771680" cy="2386800"/>
+            <a:ext cx="7771320" cy="2386440"/>
           </a:xfrm>
           <a:prstGeom prst="rect">
             <a:avLst/>
@@ -738,7 +738,7 @@
         <p:spPr>
           <a:xfrm>
             <a:off x="457200" y="1604520"/>
-            <a:ext cx="8229240" cy="3977280"/>
+            <a:ext cx="8228880" cy="3976920"/>
           </a:xfrm>
           <a:prstGeom prst="rect">
             <a:avLst/>
@@ -798,7 +798,7 @@
         <p:spPr>
           <a:xfrm>
             <a:off x="685800" y="1122480"/>
-            <a:ext cx="7771680" cy="2386800"/>
+            <a:ext cx="7771320" cy="2386440"/>
           </a:xfrm>
           <a:prstGeom prst="rect">
             <a:avLst/>
@@ -835,7 +835,7 @@
         <p:spPr>
           <a:xfrm>
             <a:off x="457200" y="1604520"/>
-            <a:ext cx="4015800" cy="3977280"/>
+            <a:ext cx="4015440" cy="3976920"/>
           </a:xfrm>
           <a:prstGeom prst="rect">
             <a:avLst/>
@@ -872,8 +872,8 @@
         </p:nvSpPr>
         <p:spPr>
           <a:xfrm>
-            <a:off x="4674240" y="1604520"/>
-            <a:ext cx="4015800" cy="3977280"/>
+            <a:off x="4673880" y="1604520"/>
+            <a:ext cx="4015440" cy="3976920"/>
           </a:xfrm>
           <a:prstGeom prst="rect">
             <a:avLst/>
@@ -933,7 +933,7 @@
         <p:spPr>
           <a:xfrm>
             <a:off x="685800" y="1122480"/>
-            <a:ext cx="7771680" cy="2386800"/>
+            <a:ext cx="7771320" cy="2386440"/>
           </a:xfrm>
           <a:prstGeom prst="rect">
             <a:avLst/>
@@ -992,7 +992,7 @@
         <p:spPr>
           <a:xfrm>
             <a:off x="685800" y="1122480"/>
-            <a:ext cx="7771680" cy="11064960"/>
+            <a:ext cx="7771320" cy="11063520"/>
           </a:xfrm>
           <a:prstGeom prst="rect">
             <a:avLst/>
@@ -1051,7 +1051,7 @@
         <p:spPr>
           <a:xfrm>
             <a:off x="685800" y="1122480"/>
-            <a:ext cx="7771680" cy="2386800"/>
+            <a:ext cx="7771320" cy="2386440"/>
           </a:xfrm>
           <a:prstGeom prst="rect">
             <a:avLst/>
@@ -1088,7 +1088,7 @@
         <p:spPr>
           <a:xfrm>
             <a:off x="457200" y="1604520"/>
-            <a:ext cx="4015800" cy="1896840"/>
+            <a:ext cx="4015440" cy="1896840"/>
           </a:xfrm>
           <a:prstGeom prst="rect">
             <a:avLst/>
@@ -1126,7 +1126,7 @@
         <p:spPr>
           <a:xfrm>
             <a:off x="457200" y="3682080"/>
-            <a:ext cx="4015800" cy="1896840"/>
+            <a:ext cx="4015440" cy="1896840"/>
           </a:xfrm>
           <a:prstGeom prst="rect">
             <a:avLst/>
@@ -1163,8 +1163,8 @@
         </p:nvSpPr>
         <p:spPr>
           <a:xfrm>
-            <a:off x="4674240" y="1604520"/>
-            <a:ext cx="4015800" cy="3977280"/>
+            <a:off x="4673880" y="1604520"/>
+            <a:ext cx="4015440" cy="3976920"/>
           </a:xfrm>
           <a:prstGeom prst="rect">
             <a:avLst/>
@@ -1224,7 +1224,7 @@
         <p:spPr>
           <a:xfrm>
             <a:off x="685800" y="1122480"/>
-            <a:ext cx="7771680" cy="2386800"/>
+            <a:ext cx="7771320" cy="2386440"/>
           </a:xfrm>
           <a:prstGeom prst="rect">
             <a:avLst/>
@@ -1261,7 +1261,7 @@
         <p:spPr>
           <a:xfrm>
             <a:off x="457200" y="1604520"/>
-            <a:ext cx="4015800" cy="3977280"/>
+            <a:ext cx="4015440" cy="3976920"/>
           </a:xfrm>
           <a:prstGeom prst="rect">
             <a:avLst/>
@@ -1298,8 +1298,8 @@
         </p:nvSpPr>
         <p:spPr>
           <a:xfrm>
-            <a:off x="4674240" y="1604520"/>
-            <a:ext cx="4015800" cy="1896840"/>
+            <a:off x="4673880" y="1604520"/>
+            <a:ext cx="4015440" cy="1896840"/>
           </a:xfrm>
           <a:prstGeom prst="rect">
             <a:avLst/>
@@ -1336,8 +1336,8 @@
         </p:nvSpPr>
         <p:spPr>
           <a:xfrm>
-            <a:off x="4674240" y="3682080"/>
-            <a:ext cx="4015800" cy="1896840"/>
+            <a:off x="4673880" y="3682080"/>
+            <a:ext cx="4015440" cy="1896840"/>
           </a:xfrm>
           <a:prstGeom prst="rect">
             <a:avLst/>
@@ -1397,7 +1397,7 @@
         <p:spPr>
           <a:xfrm>
             <a:off x="685800" y="1122480"/>
-            <a:ext cx="7771680" cy="2386800"/>
+            <a:ext cx="7771320" cy="2386440"/>
           </a:xfrm>
           <a:prstGeom prst="rect">
             <a:avLst/>
@@ -1434,7 +1434,7 @@
         <p:spPr>
           <a:xfrm>
             <a:off x="457200" y="1604520"/>
-            <a:ext cx="4015800" cy="1896840"/>
+            <a:ext cx="4015440" cy="1896840"/>
           </a:xfrm>
           <a:prstGeom prst="rect">
             <a:avLst/>
@@ -1471,8 +1471,8 @@
         </p:nvSpPr>
         <p:spPr>
           <a:xfrm>
-            <a:off x="4674240" y="1604520"/>
-            <a:ext cx="4015800" cy="1896840"/>
+            <a:off x="4673880" y="1604520"/>
+            <a:ext cx="4015440" cy="1896840"/>
           </a:xfrm>
           <a:prstGeom prst="rect">
             <a:avLst/>
@@ -1510,7 +1510,7 @@
         <p:spPr>
           <a:xfrm>
             <a:off x="457200" y="3682080"/>
-            <a:ext cx="8229240" cy="1896840"/>
+            <a:ext cx="8228880" cy="1896840"/>
           </a:xfrm>
           <a:prstGeom prst="rect">
             <a:avLst/>
@@ -1577,7 +1577,7 @@
         <p:spPr>
           <a:xfrm>
             <a:off x="685800" y="1122480"/>
-            <a:ext cx="7771680" cy="2386800"/>
+            <a:ext cx="7771320" cy="2386440"/>
           </a:xfrm>
           <a:prstGeom prst="rect">
             <a:avLst/>
@@ -1627,7 +1627,7 @@
         <p:spPr>
           <a:xfrm>
             <a:off x="457200" y="1604520"/>
-            <a:ext cx="8229240" cy="3977280"/>
+            <a:ext cx="8228880" cy="3976920"/>
           </a:xfrm>
           <a:prstGeom prst="rect">
             <a:avLst/>
@@ -1650,7 +1650,7 @@
               <a:buChar char=""/>
             </a:pPr>
             <a:r>
-              <a:rPr b="0" lang="pt-BR" sz="3200" spc="-1" strike="noStrike">
+              <a:rPr b="0" lang="pt-BR" sz="1800" spc="-1" strike="noStrike">
                 <a:solidFill>
                   <a:srgbClr val="000000"/>
                 </a:solidFill>
@@ -1663,7 +1663,7 @@
               </a:rPr>
               <a:t>Clique para editar o formato do texto da estrutura de tópicos</a:t>
             </a:r>
-            <a:endParaRPr b="0" lang="pt-BR" sz="3200" spc="-1" strike="noStrike">
+            <a:endParaRPr b="0" lang="pt-BR" sz="1800" spc="-1" strike="noStrike">
               <a:solidFill>
                 <a:srgbClr val="000000"/>
               </a:solidFill>
@@ -1688,7 +1688,7 @@
               <a:buChar char=""/>
             </a:pPr>
             <a:r>
-              <a:rPr b="0" lang="pt-BR" sz="2800" spc="-1" strike="noStrike">
+              <a:rPr b="0" lang="pt-BR" sz="1800" spc="-1" strike="noStrike">
                 <a:solidFill>
                   <a:srgbClr val="000000"/>
                 </a:solidFill>
@@ -1701,7 +1701,7 @@
               </a:rPr>
               <a:t>2.º nível da estrutura de tópicos</a:t>
             </a:r>
-            <a:endParaRPr b="0" lang="pt-BR" sz="2800" spc="-1" strike="noStrike">
+            <a:endParaRPr b="0" lang="pt-BR" sz="1800" spc="-1" strike="noStrike">
               <a:solidFill>
                 <a:srgbClr val="000000"/>
               </a:solidFill>
@@ -1726,7 +1726,7 @@
               <a:buChar char=""/>
             </a:pPr>
             <a:r>
-              <a:rPr b="0" lang="pt-BR" sz="2400" spc="-1" strike="noStrike">
+              <a:rPr b="0" lang="pt-BR" sz="1800" spc="-1" strike="noStrike">
                 <a:solidFill>
                   <a:srgbClr val="000000"/>
                 </a:solidFill>
@@ -1739,7 +1739,7 @@
               </a:rPr>
               <a:t>3.º nível da estrutura de tópicos</a:t>
             </a:r>
-            <a:endParaRPr b="0" lang="pt-BR" sz="2400" spc="-1" strike="noStrike">
+            <a:endParaRPr b="0" lang="pt-BR" sz="1800" spc="-1" strike="noStrike">
               <a:solidFill>
                 <a:srgbClr val="000000"/>
               </a:solidFill>
@@ -1764,7 +1764,7 @@
               <a:buChar char=""/>
             </a:pPr>
             <a:r>
-              <a:rPr b="0" lang="pt-BR" sz="2000" spc="-1" strike="noStrike">
+              <a:rPr b="0" lang="pt-BR" sz="1800" spc="-1" strike="noStrike">
                 <a:solidFill>
                   <a:srgbClr val="000000"/>
                 </a:solidFill>
@@ -1777,7 +1777,7 @@
               </a:rPr>
               <a:t>4.º nível da estrutura de tópicos</a:t>
             </a:r>
-            <a:endParaRPr b="0" lang="pt-BR" sz="2000" spc="-1" strike="noStrike">
+            <a:endParaRPr b="0" lang="pt-BR" sz="1800" spc="-1" strike="noStrike">
               <a:solidFill>
                 <a:srgbClr val="000000"/>
               </a:solidFill>
@@ -1802,7 +1802,7 @@
               <a:buChar char=""/>
             </a:pPr>
             <a:r>
-              <a:rPr b="0" lang="pt-BR" sz="2000" spc="-1" strike="noStrike">
+              <a:rPr b="0" lang="pt-BR" sz="1800" spc="-1" strike="noStrike">
                 <a:solidFill>
                   <a:srgbClr val="000000"/>
                 </a:solidFill>
@@ -1815,7 +1815,7 @@
               </a:rPr>
               <a:t>5.º nível da estrutura de tópicos</a:t>
             </a:r>
-            <a:endParaRPr b="0" lang="pt-BR" sz="2000" spc="-1" strike="noStrike">
+            <a:endParaRPr b="0" lang="pt-BR" sz="1800" spc="-1" strike="noStrike">
               <a:solidFill>
                 <a:srgbClr val="000000"/>
               </a:solidFill>
@@ -1840,7 +1840,7 @@
               <a:buChar char=""/>
             </a:pPr>
             <a:r>
-              <a:rPr b="0" lang="pt-BR" sz="2000" spc="-1" strike="noStrike">
+              <a:rPr b="0" lang="pt-BR" sz="1800" spc="-1" strike="noStrike">
                 <a:solidFill>
                   <a:srgbClr val="000000"/>
                 </a:solidFill>
@@ -1853,7 +1853,7 @@
               </a:rPr>
               <a:t>6.º nível da estrutura de tópicos</a:t>
             </a:r>
-            <a:endParaRPr b="0" lang="pt-BR" sz="2000" spc="-1" strike="noStrike">
+            <a:endParaRPr b="0" lang="pt-BR" sz="1800" spc="-1" strike="noStrike">
               <a:solidFill>
                 <a:srgbClr val="000000"/>
               </a:solidFill>
@@ -1878,7 +1878,7 @@
               <a:buChar char=""/>
             </a:pPr>
             <a:r>
-              <a:rPr b="0" lang="pt-BR" sz="2000" spc="-1" strike="noStrike">
+              <a:rPr b="0" lang="pt-BR" sz="1800" spc="-1" strike="noStrike">
                 <a:solidFill>
                   <a:srgbClr val="000000"/>
                 </a:solidFill>
@@ -1891,7 +1891,7 @@
               </a:rPr>
               <a:t>7.º nível da estrutura de tópicos</a:t>
             </a:r>
-            <a:endParaRPr b="0" lang="pt-BR" sz="2000" spc="-1" strike="noStrike">
+            <a:endParaRPr b="0" lang="pt-BR" sz="1800" spc="-1" strike="noStrike">
               <a:solidFill>
                 <a:srgbClr val="000000"/>
               </a:solidFill>
@@ -1955,7 +1955,7 @@
         <p:spPr>
           <a:xfrm>
             <a:off x="0" y="-16200"/>
-            <a:ext cx="9143280" cy="6918480"/>
+            <a:ext cx="9142920" cy="6918120"/>
           </a:xfrm>
           <a:prstGeom prst="rect">
             <a:avLst/>
@@ -1974,7 +1974,7 @@
         <p:spPr>
           <a:xfrm>
             <a:off x="755640" y="2925000"/>
-            <a:ext cx="6400080" cy="935280"/>
+            <a:ext cx="6399720" cy="934920"/>
           </a:xfrm>
           <a:prstGeom prst="rect">
             <a:avLst/>
@@ -2014,6 +2014,7 @@
                   </a:solidFill>
                 </a:uFill>
                 <a:latin typeface="Century Gothic"/>
+                <a:ea typeface="DejaVu Sans"/>
               </a:rPr>
               <a:t>Recruta-</a:t>
             </a:r>
@@ -2028,6 +2029,7 @@
                   </a:solidFill>
                 </a:uFill>
                 <a:latin typeface="Century Gothic"/>
+                <a:ea typeface="DejaVu Sans"/>
               </a:rPr>
               <a:t>if</a:t>
             </a:r>
@@ -2054,7 +2056,7 @@
         <p:spPr>
           <a:xfrm>
             <a:off x="755640" y="4597200"/>
-            <a:ext cx="7016040" cy="516600"/>
+            <a:ext cx="7015680" cy="516240"/>
           </a:xfrm>
           <a:prstGeom prst="rect">
             <a:avLst/>
@@ -2120,7 +2122,7 @@
         <p:spPr>
           <a:xfrm>
             <a:off x="6255360" y="68760"/>
-            <a:ext cx="2748960" cy="1422720"/>
+            <a:ext cx="2748600" cy="1422360"/>
           </a:xfrm>
           <a:prstGeom prst="rect">
             <a:avLst/>
@@ -2192,7 +2194,7 @@
         <p:spPr>
           <a:xfrm>
             <a:off x="0" y="-48240"/>
-            <a:ext cx="9143280" cy="6941520"/>
+            <a:ext cx="9142920" cy="6941160"/>
           </a:xfrm>
           <a:prstGeom prst="rect">
             <a:avLst/>
@@ -2215,7 +2217,7 @@
         <p:spPr>
           <a:xfrm>
             <a:off x="6255360" y="68760"/>
-            <a:ext cx="2748960" cy="1422720"/>
+            <a:ext cx="2748600" cy="1422360"/>
           </a:xfrm>
           <a:prstGeom prst="rect">
             <a:avLst/>
@@ -2234,7 +2236,7 @@
         <p:spPr>
           <a:xfrm>
             <a:off x="652320" y="276480"/>
-            <a:ext cx="2447640" cy="1007280"/>
+            <a:ext cx="2447280" cy="1006920"/>
           </a:xfrm>
           <a:prstGeom prst="rect">
             <a:avLst/>
@@ -2298,7 +2300,7 @@
         <p:spPr>
           <a:xfrm>
             <a:off x="652320" y="1816560"/>
-            <a:ext cx="7947720" cy="4354920"/>
+            <a:ext cx="7947360" cy="4354560"/>
           </a:xfrm>
           <a:prstGeom prst="rect">
             <a:avLst/>
@@ -2336,6 +2338,7 @@
                   </a:solidFill>
                 </a:uFill>
                 <a:latin typeface="Calibri"/>
+                <a:ea typeface="DejaVu Sans"/>
               </a:rPr>
               <a:t>Principais padrões de desenvolvimento e ou tecnologias adotados</a:t>
             </a:r>
@@ -2373,7 +2376,7 @@
             </a:endParaRPr>
           </a:p>
           <a:p>
-            <a:pPr marL="216000" indent="-215280" algn="just">
+            <a:pPr marL="216000" indent="-214920" algn="just">
               <a:lnSpc>
                 <a:spcPct val="100000"/>
               </a:lnSpc>
@@ -2398,6 +2401,7 @@
                   </a:solidFill>
                 </a:uFill>
                 <a:latin typeface="Calibri"/>
+                <a:ea typeface="DejaVu Sans"/>
               </a:rPr>
               <a:t>Backend: JavaEE, JPA, Jax-RS</a:t>
             </a:r>
@@ -2414,7 +2418,7 @@
             </a:endParaRPr>
           </a:p>
           <a:p>
-            <a:pPr marL="216000" indent="-215280" algn="just">
+            <a:pPr marL="216000" indent="-214920" algn="just">
               <a:lnSpc>
                 <a:spcPct val="100000"/>
               </a:lnSpc>
@@ -2439,6 +2443,7 @@
                   </a:solidFill>
                 </a:uFill>
                 <a:latin typeface="Calibri"/>
+                <a:ea typeface="DejaVu Sans"/>
               </a:rPr>
               <a:t>Frontend: JavaScript, CS3, Html5</a:t>
             </a:r>
@@ -2490,7 +2495,7 @@
         <p:spPr>
           <a:xfrm>
             <a:off x="144000" y="4406400"/>
-            <a:ext cx="2304000" cy="1209600"/>
+            <a:ext cx="2303640" cy="1209240"/>
           </a:xfrm>
           <a:prstGeom prst="rect">
             <a:avLst/>
@@ -2513,7 +2518,7 @@
         <p:spPr>
           <a:xfrm>
             <a:off x="177840" y="5714640"/>
-            <a:ext cx="3278160" cy="909360"/>
+            <a:ext cx="3277800" cy="909000"/>
           </a:xfrm>
           <a:prstGeom prst="rect">
             <a:avLst/>
@@ -2536,7 +2541,7 @@
         <p:spPr>
           <a:xfrm>
             <a:off x="3672000" y="5616000"/>
-            <a:ext cx="2588760" cy="1007640"/>
+            <a:ext cx="2588400" cy="1007280"/>
           </a:xfrm>
           <a:prstGeom prst="rect">
             <a:avLst/>
@@ -2559,7 +2564,7 @@
         <p:spPr>
           <a:xfrm>
             <a:off x="3157560" y="4392000"/>
-            <a:ext cx="3970440" cy="1055880"/>
+            <a:ext cx="3970080" cy="1055520"/>
           </a:xfrm>
           <a:prstGeom prst="rect">
             <a:avLst/>
@@ -2582,7 +2587,7 @@
         <p:spPr>
           <a:xfrm>
             <a:off x="7049880" y="5616000"/>
-            <a:ext cx="2094120" cy="1046880"/>
+            <a:ext cx="2093760" cy="1046520"/>
           </a:xfrm>
           <a:prstGeom prst="rect">
             <a:avLst/>
@@ -2605,7 +2610,7 @@
         <p:spPr>
           <a:xfrm>
             <a:off x="7344000" y="3960000"/>
-            <a:ext cx="1382760" cy="1382760"/>
+            <a:ext cx="1382400" cy="1382400"/>
           </a:xfrm>
           <a:prstGeom prst="rect">
             <a:avLst/>
@@ -2677,7 +2682,7 @@
         <p:spPr>
           <a:xfrm>
             <a:off x="0" y="-48240"/>
-            <a:ext cx="9143280" cy="6941520"/>
+            <a:ext cx="9142920" cy="6941160"/>
           </a:xfrm>
           <a:prstGeom prst="rect">
             <a:avLst/>
@@ -2700,7 +2705,7 @@
         <p:spPr>
           <a:xfrm>
             <a:off x="6255360" y="68760"/>
-            <a:ext cx="2748960" cy="1422720"/>
+            <a:ext cx="2748600" cy="1422360"/>
           </a:xfrm>
           <a:prstGeom prst="rect">
             <a:avLst/>
@@ -2719,7 +2724,7 @@
         <p:spPr>
           <a:xfrm>
             <a:off x="652320" y="276480"/>
-            <a:ext cx="2447640" cy="1007280"/>
+            <a:ext cx="2447280" cy="1006920"/>
           </a:xfrm>
           <a:prstGeom prst="rect">
             <a:avLst/>
@@ -2787,7 +2792,7 @@
         <p:spPr>
           <a:xfrm>
             <a:off x="775800" y="1660680"/>
-            <a:ext cx="6998760" cy="3775680"/>
+            <a:ext cx="6998400" cy="3775320"/>
           </a:xfrm>
           <a:prstGeom prst="rect">
             <a:avLst/>
@@ -2859,7 +2864,7 @@
         <p:spPr>
           <a:xfrm>
             <a:off x="0" y="-48240"/>
-            <a:ext cx="9143280" cy="6941520"/>
+            <a:ext cx="9142920" cy="6941160"/>
           </a:xfrm>
           <a:prstGeom prst="rect">
             <a:avLst/>
@@ -2882,7 +2887,7 @@
         <p:spPr>
           <a:xfrm>
             <a:off x="6255360" y="68760"/>
-            <a:ext cx="2748960" cy="1422720"/>
+            <a:ext cx="2748600" cy="1422360"/>
           </a:xfrm>
           <a:prstGeom prst="rect">
             <a:avLst/>
@@ -2901,7 +2906,7 @@
         <p:spPr>
           <a:xfrm>
             <a:off x="652320" y="276480"/>
-            <a:ext cx="2447640" cy="1007280"/>
+            <a:ext cx="2447280" cy="1006920"/>
           </a:xfrm>
           <a:prstGeom prst="rect">
             <a:avLst/>
@@ -2969,7 +2974,7 @@
         <p:spPr>
           <a:xfrm>
             <a:off x="782640" y="1739880"/>
-            <a:ext cx="6597720" cy="4313160"/>
+            <a:ext cx="6597360" cy="4312800"/>
           </a:xfrm>
           <a:prstGeom prst="rect">
             <a:avLst/>
@@ -3041,7 +3046,7 @@
         <p:spPr>
           <a:xfrm>
             <a:off x="0" y="-48240"/>
-            <a:ext cx="9143280" cy="6941520"/>
+            <a:ext cx="9142920" cy="6941160"/>
           </a:xfrm>
           <a:prstGeom prst="rect">
             <a:avLst/>
@@ -3064,7 +3069,7 @@
         <p:spPr>
           <a:xfrm>
             <a:off x="6255360" y="68760"/>
-            <a:ext cx="2748960" cy="1422720"/>
+            <a:ext cx="2748600" cy="1422360"/>
           </a:xfrm>
           <a:prstGeom prst="rect">
             <a:avLst/>
@@ -3083,7 +3088,7 @@
         <p:spPr>
           <a:xfrm>
             <a:off x="652320" y="276480"/>
-            <a:ext cx="2447640" cy="1007280"/>
+            <a:ext cx="2447280" cy="1006920"/>
           </a:xfrm>
           <a:prstGeom prst="rect">
             <a:avLst/>
@@ -3151,7 +3156,7 @@
         <p:spPr>
           <a:xfrm>
             <a:off x="718560" y="1606680"/>
-            <a:ext cx="6357240" cy="5172120"/>
+            <a:ext cx="6356880" cy="5171760"/>
           </a:xfrm>
           <a:prstGeom prst="rect">
             <a:avLst/>
@@ -3223,7 +3228,7 @@
         <p:spPr>
           <a:xfrm>
             <a:off x="0" y="-48240"/>
-            <a:ext cx="9143280" cy="6941520"/>
+            <a:ext cx="9142920" cy="6941160"/>
           </a:xfrm>
           <a:prstGeom prst="rect">
             <a:avLst/>
@@ -3246,7 +3251,7 @@
         <p:spPr>
           <a:xfrm>
             <a:off x="6255360" y="68760"/>
-            <a:ext cx="2748960" cy="1422720"/>
+            <a:ext cx="2748600" cy="1422360"/>
           </a:xfrm>
           <a:prstGeom prst="rect">
             <a:avLst/>
@@ -3265,7 +3270,7 @@
         <p:spPr>
           <a:xfrm>
             <a:off x="652320" y="276480"/>
-            <a:ext cx="2447640" cy="1007280"/>
+            <a:ext cx="2447280" cy="1006920"/>
           </a:xfrm>
           <a:prstGeom prst="rect">
             <a:avLst/>
@@ -3329,7 +3334,7 @@
         <p:spPr>
           <a:xfrm>
             <a:off x="652320" y="2131920"/>
-            <a:ext cx="7947720" cy="3914280"/>
+            <a:ext cx="7947360" cy="3913920"/>
           </a:xfrm>
           <a:prstGeom prst="rect">
             <a:avLst/>
@@ -3367,6 +3372,7 @@
                   </a:solidFill>
                 </a:uFill>
                 <a:latin typeface="Calibri"/>
+                <a:ea typeface="DejaVu Sans"/>
               </a:rPr>
               <a:t>O projeto está em fase de desenvolvimento, e de acordo com o andamento do cronograma e conclusão das etapas propostas, o grupo está cumprindo as metas para entrega ao cliente.</a:t>
             </a:r>
@@ -3467,7 +3473,7 @@
         <p:spPr>
           <a:xfrm>
             <a:off x="0" y="-48240"/>
-            <a:ext cx="9143280" cy="6941520"/>
+            <a:ext cx="9142920" cy="6941160"/>
           </a:xfrm>
           <a:prstGeom prst="rect">
             <a:avLst/>
@@ -3490,7 +3496,7 @@
         <p:spPr>
           <a:xfrm>
             <a:off x="6255360" y="68760"/>
-            <a:ext cx="2748960" cy="1422720"/>
+            <a:ext cx="2748600" cy="1422360"/>
           </a:xfrm>
           <a:prstGeom prst="rect">
             <a:avLst/>
@@ -3509,7 +3515,7 @@
         <p:spPr>
           <a:xfrm>
             <a:off x="652320" y="276480"/>
-            <a:ext cx="2447640" cy="1007280"/>
+            <a:ext cx="2447280" cy="1006920"/>
           </a:xfrm>
           <a:prstGeom prst="rect">
             <a:avLst/>
@@ -3573,7 +3579,7 @@
         <p:spPr>
           <a:xfrm>
             <a:off x="652320" y="1703520"/>
-            <a:ext cx="4536720" cy="3914280"/>
+            <a:ext cx="4536360" cy="3913920"/>
           </a:xfrm>
           <a:prstGeom prst="rect">
             <a:avLst/>
@@ -3611,6 +3617,7 @@
                   </a:solidFill>
                 </a:uFill>
                 <a:latin typeface="Calibri"/>
+                <a:ea typeface="DejaVu Sans"/>
               </a:rPr>
               <a:t>Alisson da Silva Bueno </a:t>
             </a:r>
@@ -3625,6 +3632,7 @@
                   </a:solidFill>
                 </a:uFill>
                 <a:latin typeface="Calibri"/>
+                <a:ea typeface="DejaVu Sans"/>
               </a:rPr>
               <a:t>	</a:t>
             </a:r>
@@ -3660,6 +3668,7 @@
                   </a:solidFill>
                 </a:uFill>
                 <a:latin typeface="Calibri"/>
+                <a:ea typeface="DejaVu Sans"/>
               </a:rPr>
               <a:t>Anderson José de Souza Inácio </a:t>
             </a:r>
@@ -3695,6 +3704,7 @@
                   </a:solidFill>
                 </a:uFill>
                 <a:latin typeface="Calibri"/>
+                <a:ea typeface="DejaVu Sans"/>
               </a:rPr>
               <a:t>Everton Luiz Sausen </a:t>
             </a:r>
@@ -3709,6 +3719,7 @@
                   </a:solidFill>
                 </a:uFill>
                 <a:latin typeface="Calibri"/>
+                <a:ea typeface="DejaVu Sans"/>
               </a:rPr>
               <a:t>	</a:t>
             </a:r>
@@ -3723,6 +3734,7 @@
                   </a:solidFill>
                 </a:uFill>
                 <a:latin typeface="Calibri"/>
+                <a:ea typeface="DejaVu Sans"/>
               </a:rPr>
               <a:t>	</a:t>
             </a:r>
@@ -3758,6 +3770,7 @@
                   </a:solidFill>
                 </a:uFill>
                 <a:latin typeface="Calibri"/>
+                <a:ea typeface="DejaVu Sans"/>
               </a:rPr>
               <a:t>Fernando André de Lima</a:t>
             </a:r>
@@ -3793,6 +3806,7 @@
                   </a:solidFill>
                 </a:uFill>
                 <a:latin typeface="Calibri"/>
+                <a:ea typeface="DejaVu Sans"/>
               </a:rPr>
               <a:t>Joziel Alves de Souza </a:t>
             </a:r>
@@ -3893,7 +3907,7 @@
         <p:spPr>
           <a:xfrm>
             <a:off x="0" y="-48240"/>
-            <a:ext cx="9143280" cy="6941520"/>
+            <a:ext cx="9142920" cy="6941160"/>
           </a:xfrm>
           <a:prstGeom prst="rect">
             <a:avLst/>
@@ -3912,7 +3926,7 @@
         <p:spPr>
           <a:xfrm>
             <a:off x="685800" y="2124720"/>
-            <a:ext cx="7072560" cy="1956600"/>
+            <a:ext cx="7072200" cy="1956240"/>
           </a:xfrm>
           <a:prstGeom prst="rect">
             <a:avLst/>
@@ -3979,7 +3993,7 @@
         <p:spPr>
           <a:xfrm>
             <a:off x="685800" y="4657320"/>
-            <a:ext cx="5139000" cy="1079280"/>
+            <a:ext cx="5138640" cy="1078920"/>
           </a:xfrm>
           <a:prstGeom prst="rect">
             <a:avLst/>
@@ -4050,7 +4064,7 @@
         <p:spPr>
           <a:xfrm>
             <a:off x="6255360" y="68760"/>
-            <a:ext cx="2748960" cy="1422720"/>
+            <a:ext cx="2748600" cy="1422360"/>
           </a:xfrm>
           <a:prstGeom prst="rect">
             <a:avLst/>
@@ -4122,7 +4136,7 @@
         <p:spPr>
           <a:xfrm>
             <a:off x="0" y="-48240"/>
-            <a:ext cx="9143280" cy="6941520"/>
+            <a:ext cx="9142920" cy="6941160"/>
           </a:xfrm>
           <a:prstGeom prst="rect">
             <a:avLst/>
@@ -4145,7 +4159,7 @@
         <p:spPr>
           <a:xfrm>
             <a:off x="6255360" y="68760"/>
-            <a:ext cx="2748960" cy="1422720"/>
+            <a:ext cx="2748600" cy="1422360"/>
           </a:xfrm>
           <a:prstGeom prst="rect">
             <a:avLst/>
@@ -4164,7 +4178,7 @@
         <p:spPr>
           <a:xfrm>
             <a:off x="651960" y="2293560"/>
-            <a:ext cx="7948440" cy="3877920"/>
+            <a:ext cx="7948080" cy="3877560"/>
           </a:xfrm>
           <a:prstGeom prst="rect">
             <a:avLst/>
@@ -4202,6 +4216,7 @@
                   </a:solidFill>
                 </a:uFill>
                 <a:latin typeface="Calibri"/>
+                <a:ea typeface="DejaVu Sans"/>
               </a:rPr>
               <a:t>O sistema RECRUTA-IF é direcionado para a área de recrutamento interno com foco na seleção de talentos, onde deve mostrar vagas disponíveis a serem preenchidas. </a:t>
             </a:r>
@@ -4249,7 +4264,7 @@
         <p:spPr>
           <a:xfrm>
             <a:off x="651960" y="276480"/>
-            <a:ext cx="2447640" cy="1007280"/>
+            <a:ext cx="2447280" cy="1006920"/>
           </a:xfrm>
           <a:prstGeom prst="rect">
             <a:avLst/>
@@ -4366,7 +4381,7 @@
         <p:spPr>
           <a:xfrm>
             <a:off x="0" y="-48240"/>
-            <a:ext cx="9143280" cy="6941520"/>
+            <a:ext cx="9142920" cy="6941160"/>
           </a:xfrm>
           <a:prstGeom prst="rect">
             <a:avLst/>
@@ -4389,7 +4404,7 @@
         <p:spPr>
           <a:xfrm>
             <a:off x="6255360" y="68760"/>
-            <a:ext cx="2748960" cy="1422720"/>
+            <a:ext cx="2748600" cy="1422360"/>
           </a:xfrm>
           <a:prstGeom prst="rect">
             <a:avLst/>
@@ -4408,7 +4423,7 @@
         <p:spPr>
           <a:xfrm>
             <a:off x="652320" y="276480"/>
-            <a:ext cx="2447640" cy="1007280"/>
+            <a:ext cx="2447280" cy="1006920"/>
           </a:xfrm>
           <a:prstGeom prst="rect">
             <a:avLst/>
@@ -4472,7 +4487,7 @@
         <p:spPr>
           <a:xfrm>
             <a:off x="652320" y="2293920"/>
-            <a:ext cx="7947720" cy="3877560"/>
+            <a:ext cx="7947360" cy="3877200"/>
           </a:xfrm>
           <a:prstGeom prst="rect">
             <a:avLst/>
@@ -4510,6 +4525,7 @@
                   </a:solidFill>
                 </a:uFill>
                 <a:latin typeface="Calibri"/>
+                <a:ea typeface="DejaVu Sans"/>
               </a:rPr>
               <a:t>Dificuldade hipotética de uma empresa em selecionar talentos internos para preencher vagas. </a:t>
             </a:r>
@@ -4610,7 +4626,7 @@
         <p:spPr>
           <a:xfrm>
             <a:off x="0" y="-48240"/>
-            <a:ext cx="9143280" cy="6941520"/>
+            <a:ext cx="9142920" cy="6941160"/>
           </a:xfrm>
           <a:prstGeom prst="rect">
             <a:avLst/>
@@ -4633,7 +4649,7 @@
         <p:spPr>
           <a:xfrm>
             <a:off x="6255360" y="68760"/>
-            <a:ext cx="2748960" cy="1422720"/>
+            <a:ext cx="2748600" cy="1422360"/>
           </a:xfrm>
           <a:prstGeom prst="rect">
             <a:avLst/>
@@ -4652,7 +4668,7 @@
         <p:spPr>
           <a:xfrm>
             <a:off x="652320" y="276480"/>
-            <a:ext cx="2447640" cy="1007280"/>
+            <a:ext cx="2447280" cy="1006920"/>
           </a:xfrm>
           <a:prstGeom prst="rect">
             <a:avLst/>
@@ -4716,7 +4732,7 @@
         <p:spPr>
           <a:xfrm>
             <a:off x="652320" y="2293920"/>
-            <a:ext cx="7947720" cy="3877560"/>
+            <a:ext cx="7947360" cy="3877200"/>
           </a:xfrm>
           <a:prstGeom prst="rect">
             <a:avLst/>
@@ -4754,6 +4770,7 @@
                   </a:solidFill>
                 </a:uFill>
                 <a:latin typeface="Calibri"/>
+                <a:ea typeface="DejaVu Sans"/>
               </a:rPr>
               <a:t>Geral</a:t>
             </a:r>
@@ -4789,6 +4806,7 @@
                   </a:solidFill>
                 </a:uFill>
                 <a:latin typeface="Calibri"/>
+                <a:ea typeface="DejaVu Sans"/>
               </a:rPr>
               <a:t>Atender o cliente com um software bem elaborado e intuitivo usando as melhores práticas.</a:t>
             </a:r>
@@ -4887,6 +4905,7 @@
                   </a:solidFill>
                 </a:uFill>
                 <a:latin typeface="Calibri"/>
+                <a:ea typeface="DejaVu Sans"/>
               </a:rPr>
               <a:t>Especifico</a:t>
             </a:r>
@@ -4922,6 +4941,7 @@
                   </a:solidFill>
                 </a:uFill>
                 <a:latin typeface="Calibri"/>
+                <a:ea typeface="DejaVu Sans"/>
               </a:rPr>
               <a:t>Adquirir competências de desenvolvimento web com Java EE, utilizar a ferramenta PostgreSQL, Hibernate, Wildfly e Jersey junto ao JAX-RS. </a:t>
             </a:r>
@@ -5022,7 +5042,7 @@
         <p:spPr>
           <a:xfrm>
             <a:off x="0" y="-48240"/>
-            <a:ext cx="9143280" cy="6941520"/>
+            <a:ext cx="9142920" cy="6941160"/>
           </a:xfrm>
           <a:prstGeom prst="rect">
             <a:avLst/>
@@ -5045,7 +5065,7 @@
         <p:spPr>
           <a:xfrm>
             <a:off x="6255360" y="68760"/>
-            <a:ext cx="2748960" cy="1422720"/>
+            <a:ext cx="2748600" cy="1422360"/>
           </a:xfrm>
           <a:prstGeom prst="rect">
             <a:avLst/>
@@ -5064,7 +5084,7 @@
         <p:spPr>
           <a:xfrm>
             <a:off x="652320" y="276480"/>
-            <a:ext cx="2447640" cy="1007280"/>
+            <a:ext cx="2447280" cy="1006920"/>
           </a:xfrm>
           <a:prstGeom prst="rect">
             <a:avLst/>
@@ -5128,7 +5148,7 @@
         <p:spPr>
           <a:xfrm>
             <a:off x="652320" y="2356200"/>
-            <a:ext cx="7947720" cy="3815280"/>
+            <a:ext cx="7947360" cy="3814920"/>
           </a:xfrm>
           <a:prstGeom prst="rect">
             <a:avLst/>
@@ -5166,6 +5186,7 @@
                   </a:solidFill>
                 </a:uFill>
                 <a:latin typeface="Calibri"/>
+                <a:ea typeface="DejaVu Sans"/>
               </a:rPr>
               <a:t>Grandes corporações sofrem ao contratar pessoas muito capacitadas, porém sem que este profissional se adapte a forma de trabalho da empresa.</a:t>
             </a:r>
@@ -5264,6 +5285,7 @@
                   </a:solidFill>
                 </a:uFill>
                 <a:latin typeface="Calibri"/>
+                <a:ea typeface="DejaVu Sans"/>
               </a:rPr>
               <a:t>Valorizando o talento interno é o melhor meio para manter as pessoas que estão declaradamente comprometidas com a empresa. </a:t>
             </a:r>
@@ -5364,7 +5386,7 @@
         <p:spPr>
           <a:xfrm>
             <a:off x="0" y="-48240"/>
-            <a:ext cx="9143280" cy="6941520"/>
+            <a:ext cx="9142920" cy="6941160"/>
           </a:xfrm>
           <a:prstGeom prst="rect">
             <a:avLst/>
@@ -5387,7 +5409,7 @@
         <p:spPr>
           <a:xfrm>
             <a:off x="6255360" y="68760"/>
-            <a:ext cx="2748960" cy="1422720"/>
+            <a:ext cx="2748600" cy="1422360"/>
           </a:xfrm>
           <a:prstGeom prst="rect">
             <a:avLst/>
@@ -5406,7 +5428,7 @@
         <p:spPr>
           <a:xfrm>
             <a:off x="652320" y="276480"/>
-            <a:ext cx="2447640" cy="1007280"/>
+            <a:ext cx="2447280" cy="1006920"/>
           </a:xfrm>
           <a:prstGeom prst="rect">
             <a:avLst/>
@@ -5470,7 +5492,7 @@
         <p:spPr>
           <a:xfrm>
             <a:off x="652320" y="2356200"/>
-            <a:ext cx="7947720" cy="3815280"/>
+            <a:ext cx="7947360" cy="3814920"/>
           </a:xfrm>
           <a:prstGeom prst="rect">
             <a:avLst/>
@@ -5508,6 +5530,7 @@
                   </a:solidFill>
                 </a:uFill>
                 <a:latin typeface="Calibri"/>
+                <a:ea typeface="DejaVu Sans"/>
               </a:rPr>
               <a:t>Percebemos um nicho de mercado com a demanda crescente em busca de talentos internos que já conhecem a cultura da organização.</a:t>
             </a:r>
@@ -5608,7 +5631,7 @@
         <p:spPr>
           <a:xfrm>
             <a:off x="0" y="-48240"/>
-            <a:ext cx="9143280" cy="6941520"/>
+            <a:ext cx="9142920" cy="6941160"/>
           </a:xfrm>
           <a:prstGeom prst="rect">
             <a:avLst/>
@@ -5631,7 +5654,7 @@
         <p:spPr>
           <a:xfrm>
             <a:off x="6255360" y="68760"/>
-            <a:ext cx="2748960" cy="1422720"/>
+            <a:ext cx="2748600" cy="1422360"/>
           </a:xfrm>
           <a:prstGeom prst="rect">
             <a:avLst/>
@@ -5650,7 +5673,7 @@
         <p:spPr>
           <a:xfrm>
             <a:off x="652320" y="276480"/>
-            <a:ext cx="2447640" cy="1007280"/>
+            <a:ext cx="2447280" cy="1006920"/>
           </a:xfrm>
           <a:prstGeom prst="rect">
             <a:avLst/>
@@ -5714,7 +5737,7 @@
         <p:spPr>
           <a:xfrm>
             <a:off x="652320" y="2117160"/>
-            <a:ext cx="7947720" cy="4054320"/>
+            <a:ext cx="7947360" cy="4053960"/>
           </a:xfrm>
           <a:prstGeom prst="rect">
             <a:avLst/>
@@ -5752,6 +5775,7 @@
                   </a:solidFill>
                 </a:uFill>
                 <a:latin typeface="Calibri"/>
+                <a:ea typeface="DejaVu Sans"/>
               </a:rPr>
               <a:t>O RUP define perfeitamente quem é responsável pelo que, como as coisas deverão ser feitas e quando devem ser realizadas, descrevendo todas as metas de desenvolvimento especificamente para que sejam alcançadas.</a:t>
             </a:r>
@@ -5852,7 +5876,7 @@
         <p:spPr>
           <a:xfrm>
             <a:off x="0" y="-48240"/>
-            <a:ext cx="9143280" cy="6941520"/>
+            <a:ext cx="9142920" cy="6941160"/>
           </a:xfrm>
           <a:prstGeom prst="rect">
             <a:avLst/>
@@ -5875,7 +5899,7 @@
         <p:spPr>
           <a:xfrm>
             <a:off x="6255360" y="68760"/>
-            <a:ext cx="2748960" cy="1422720"/>
+            <a:ext cx="2748600" cy="1422360"/>
           </a:xfrm>
           <a:prstGeom prst="rect">
             <a:avLst/>
@@ -5894,7 +5918,7 @@
         <p:spPr>
           <a:xfrm>
             <a:off x="652320" y="276480"/>
-            <a:ext cx="2447640" cy="1007280"/>
+            <a:ext cx="2447280" cy="1006920"/>
           </a:xfrm>
           <a:prstGeom prst="rect">
             <a:avLst/>
@@ -5958,7 +5982,7 @@
         <p:spPr>
           <a:xfrm>
             <a:off x="652320" y="2117160"/>
-            <a:ext cx="7947720" cy="4054320"/>
+            <a:ext cx="7947360" cy="4053960"/>
           </a:xfrm>
           <a:prstGeom prst="rect">
             <a:avLst/>
@@ -5996,6 +6020,7 @@
                   </a:solidFill>
                 </a:uFill>
                 <a:latin typeface="Calibri"/>
+                <a:ea typeface="DejaVu Sans"/>
               </a:rPr>
               <a:t>É um processo de engenharia de software criado para apoiar o desenvolvimento orientado a objetos, fornecendo uma forma sistemática para se obter vantagens no uso da UML.</a:t>
             </a:r>
@@ -6047,7 +6072,7 @@
         <p:spPr>
           <a:xfrm>
             <a:off x="4626720" y="3462120"/>
-            <a:ext cx="3958920" cy="2527920"/>
+            <a:ext cx="3958560" cy="2527560"/>
           </a:xfrm>
           <a:prstGeom prst="rect">
             <a:avLst/>

--- a/doc/Entregas_Desenvolvimento_de_APP/Recruta-Slide v1.5.pptx
+++ b/doc/Entregas_Desenvolvimento_de_APP/Recruta-Slide v1.5.pptx
@@ -2445,7 +2445,7 @@
                 <a:latin typeface="Calibri"/>
                 <a:ea typeface="DejaVu Sans"/>
               </a:rPr>
-              <a:t>Frontend: JavaScript, CS3, Html5</a:t>
+              <a:t>Frontend: JavaScript, CSS3, Html5</a:t>
             </a:r>
             <a:endParaRPr b="0" lang="pt-BR" sz="2400" spc="-1" strike="noStrike">
               <a:solidFill>
